--- a/Slides/Lesson 2.1 Using a Template.pptx
+++ b/Slides/Lesson 2.1 Using a Template.pptx
@@ -5,38 +5,39 @@
     <p:sldMasterId id="2147483648" r:id="rId1"/>
   </p:sldMasterIdLst>
   <p:notesMasterIdLst>
-    <p:notesMasterId r:id="rId26"/>
+    <p:notesMasterId r:id="rId27"/>
   </p:notesMasterIdLst>
   <p:sldIdLst>
     <p:sldId id="276" r:id="rId2"/>
-    <p:sldId id="317" r:id="rId3"/>
-    <p:sldId id="310" r:id="rId4"/>
-    <p:sldId id="319" r:id="rId5"/>
-    <p:sldId id="277" r:id="rId6"/>
-    <p:sldId id="311" r:id="rId7"/>
-    <p:sldId id="292" r:id="rId8"/>
-    <p:sldId id="333" r:id="rId9"/>
-    <p:sldId id="334" r:id="rId10"/>
-    <p:sldId id="335" r:id="rId11"/>
-    <p:sldId id="336" r:id="rId12"/>
-    <p:sldId id="337" r:id="rId13"/>
-    <p:sldId id="338" r:id="rId14"/>
-    <p:sldId id="339" r:id="rId15"/>
-    <p:sldId id="340" r:id="rId16"/>
-    <p:sldId id="341" r:id="rId17"/>
-    <p:sldId id="342" r:id="rId18"/>
-    <p:sldId id="343" r:id="rId19"/>
-    <p:sldId id="344" r:id="rId20"/>
-    <p:sldId id="345" r:id="rId21"/>
-    <p:sldId id="346" r:id="rId22"/>
-    <p:sldId id="328" r:id="rId23"/>
-    <p:sldId id="329" r:id="rId24"/>
-    <p:sldId id="327" r:id="rId25"/>
+    <p:sldId id="347" r:id="rId3"/>
+    <p:sldId id="348" r:id="rId4"/>
+    <p:sldId id="310" r:id="rId5"/>
+    <p:sldId id="319" r:id="rId6"/>
+    <p:sldId id="277" r:id="rId7"/>
+    <p:sldId id="311" r:id="rId8"/>
+    <p:sldId id="292" r:id="rId9"/>
+    <p:sldId id="333" r:id="rId10"/>
+    <p:sldId id="334" r:id="rId11"/>
+    <p:sldId id="335" r:id="rId12"/>
+    <p:sldId id="336" r:id="rId13"/>
+    <p:sldId id="337" r:id="rId14"/>
+    <p:sldId id="338" r:id="rId15"/>
+    <p:sldId id="339" r:id="rId16"/>
+    <p:sldId id="340" r:id="rId17"/>
+    <p:sldId id="341" r:id="rId18"/>
+    <p:sldId id="342" r:id="rId19"/>
+    <p:sldId id="343" r:id="rId20"/>
+    <p:sldId id="344" r:id="rId21"/>
+    <p:sldId id="345" r:id="rId22"/>
+    <p:sldId id="346" r:id="rId23"/>
+    <p:sldId id="328" r:id="rId24"/>
+    <p:sldId id="329" r:id="rId25"/>
+    <p:sldId id="327" r:id="rId26"/>
   </p:sldIdLst>
   <p:sldSz cx="9144000" cy="6858000" type="screen4x3"/>
   <p:notesSz cx="6858000" cy="9144000"/>
   <p:custDataLst>
-    <p:tags r:id="rId27"/>
+    <p:tags r:id="rId28"/>
   </p:custDataLst>
   <p:defaultTextStyle>
     <a:defPPr>
@@ -139,7 +140,8 @@
         <p14:section name="Untitled Section" id="{46AB9152-FDA1-4BBE-98BA-B7118938B43F}">
           <p14:sldIdLst>
             <p14:sldId id="276"/>
-            <p14:sldId id="317"/>
+            <p14:sldId id="347"/>
+            <p14:sldId id="348"/>
             <p14:sldId id="310"/>
             <p14:sldId id="319"/>
             <p14:sldId id="277"/>
@@ -267,7 +269,7 @@
             <a:fld id="{0FAC78B3-EDCE-4187-A1AE-28620314FA32}" type="datetimeFigureOut">
               <a:rPr lang="en-US" smtClean="0"/>
               <a:pPr/>
-              <a:t>8/4/2015</a:t>
+              <a:t>8/13/2015</a:t>
             </a:fld>
             <a:endParaRPr lang="en-US"/>
           </a:p>
@@ -697,7 +699,7 @@
             <a:fld id="{32B55CFB-093C-42D2-B9D7-178C6A952443}" type="slidenum">
               <a:rPr lang="en-US" smtClean="0"/>
               <a:pPr/>
-              <a:t>5</a:t>
+              <a:t>6</a:t>
             </a:fld>
             <a:endParaRPr lang="en-US"/>
           </a:p>
@@ -905,7 +907,7 @@
           <a:p>
             <a:fld id="{AE36E179-9677-406E-90D9-3402BE92068A}" type="datetime1">
               <a:rPr lang="en-US" smtClean="0"/>
-              <a:t>8/4/2015</a:t>
+              <a:t>8/13/2015</a:t>
             </a:fld>
             <a:endParaRPr lang="en-US"/>
           </a:p>
@@ -1177,7 +1179,7 @@
           <a:p>
             <a:fld id="{9C106CB1-CEAE-4FA9-AC65-2E4B01C62B73}" type="datetime1">
               <a:rPr lang="en-US" smtClean="0"/>
-              <a:t>8/4/2015</a:t>
+              <a:t>8/13/2015</a:t>
             </a:fld>
             <a:endParaRPr lang="en-US"/>
           </a:p>
@@ -1359,7 +1361,7 @@
           <a:p>
             <a:fld id="{2D3DB8E0-41F1-4047-A2BB-3AF23AEFB7A8}" type="datetime1">
               <a:rPr lang="en-US" smtClean="0"/>
-              <a:t>8/4/2015</a:t>
+              <a:t>8/13/2015</a:t>
             </a:fld>
             <a:endParaRPr lang="en-US"/>
           </a:p>
@@ -1551,7 +1553,7 @@
           <a:p>
             <a:fld id="{2EDFADFF-E434-421D-BD26-7C347DAB516F}" type="datetime1">
               <a:rPr lang="en-US" smtClean="0"/>
-              <a:t>8/4/2015</a:t>
+              <a:t>8/13/2015</a:t>
             </a:fld>
             <a:endParaRPr lang="en-US"/>
           </a:p>
@@ -1745,7 +1747,7 @@
           <a:p>
             <a:fld id="{3B722677-7067-4D71-BF6A-8259C5E94357}" type="datetime1">
               <a:rPr lang="en-US" smtClean="0"/>
-              <a:t>8/4/2015</a:t>
+              <a:t>8/13/2015</a:t>
             </a:fld>
             <a:endParaRPr lang="en-US"/>
           </a:p>
@@ -2169,7 +2171,7 @@
           <a:p>
             <a:fld id="{0C6FD516-C588-49F9-8A09-31EF43101ACE}" type="datetime1">
               <a:rPr lang="en-US" smtClean="0"/>
-              <a:t>8/4/2015</a:t>
+              <a:t>8/13/2015</a:t>
             </a:fld>
             <a:endParaRPr lang="en-US"/>
           </a:p>
@@ -2469,7 +2471,7 @@
           <a:p>
             <a:fld id="{62847054-0C3A-4855-B827-AB022CCDB352}" type="datetime1">
               <a:rPr lang="en-US" smtClean="0"/>
-              <a:t>8/4/2015</a:t>
+              <a:t>8/13/2015</a:t>
             </a:fld>
             <a:endParaRPr lang="en-US"/>
           </a:p>
@@ -2910,7 +2912,7 @@
           <a:p>
             <a:fld id="{787C7470-D2BA-4210-A881-18C149229110}" type="datetime1">
               <a:rPr lang="en-US" smtClean="0"/>
-              <a:t>8/4/2015</a:t>
+              <a:t>8/13/2015</a:t>
             </a:fld>
             <a:endParaRPr lang="en-US"/>
           </a:p>
@@ -3040,7 +3042,7 @@
           <a:p>
             <a:fld id="{8DEC73FD-A5ED-479F-9068-BAD5EB3F7E69}" type="datetime1">
               <a:rPr lang="en-US" smtClean="0"/>
-              <a:t>8/4/2015</a:t>
+              <a:t>8/13/2015</a:t>
             </a:fld>
             <a:endParaRPr lang="en-US"/>
           </a:p>
@@ -3147,7 +3149,7 @@
           <a:p>
             <a:fld id="{EA1BC252-941B-4451-B02D-F879104EB58F}" type="datetime1">
               <a:rPr lang="en-US" smtClean="0"/>
-              <a:t>8/4/2015</a:t>
+              <a:t>8/13/2015</a:t>
             </a:fld>
             <a:endParaRPr lang="en-US"/>
           </a:p>
@@ -3436,7 +3438,7 @@
           <a:p>
             <a:fld id="{43A8641F-9EDF-4983-849A-96C94386CBBC}" type="datetime1">
               <a:rPr lang="en-US" smtClean="0"/>
-              <a:t>8/4/2015</a:t>
+              <a:t>8/13/2015</a:t>
             </a:fld>
             <a:endParaRPr lang="en-US"/>
           </a:p>
@@ -4231,8 +4233,13 @@
           <a:p>
             <a:r>
               <a:rPr lang="en-US" dirty="0"/>
-              <a:t>2. Fill in the function name and add more arguments if needed</a:t>
-            </a:r>
+              <a:t>1. Make a copy of the template and uncomment </a:t>
+            </a:r>
+            <a:r>
+              <a:rPr lang="en-US" dirty="0" smtClean="0"/>
+              <a:t>it</a:t>
+            </a:r>
+            <a:endParaRPr lang="en-US" dirty="0"/>
           </a:p>
         </p:txBody>
       </p:sp>
@@ -4272,13 +4279,16 @@
             </a:r>
             <a:r>
               <a:rPr lang="en-US" sz="2800" dirty="0"/>
-              <a:t>define (</a:t>
-            </a:r>
-            <a:r>
-              <a:rPr lang="en-US" sz="2800" dirty="0" smtClean="0"/>
-              <a:t>book-receipts b sales)</a:t>
-            </a:r>
-            <a:endParaRPr lang="en-US" sz="2800" dirty="0"/>
+              <a:t>define (book-</a:t>
+            </a:r>
+            <a:r>
+              <a:rPr lang="en-US" sz="2800" dirty="0" err="1"/>
+              <a:t>fn</a:t>
+            </a:r>
+            <a:r>
+              <a:rPr lang="en-US" sz="2800" dirty="0"/>
+              <a:t> b)</a:t>
+            </a:r>
           </a:p>
           <a:p>
             <a:pPr>
@@ -4364,7 +4374,7 @@
     </p:spTree>
     <p:extLst>
       <p:ext uri="{BB962C8B-B14F-4D97-AF65-F5344CB8AC3E}">
-        <p14:creationId xmlns:p14="http://schemas.microsoft.com/office/powerpoint/2010/main" val="767759622"/>
+        <p14:creationId xmlns:p14="http://schemas.microsoft.com/office/powerpoint/2010/main" val="2986164632"/>
       </p:ext>
     </p:extLst>
   </p:cSld>
@@ -4411,15 +4421,14 @@
         <p:spPr/>
         <p:txBody>
           <a:bodyPr>
-            <a:normAutofit/>
+            <a:normAutofit fontScale="90000"/>
           </a:bodyPr>
           <a:lstStyle/>
           <a:p>
             <a:r>
-              <a:rPr lang="en-US" dirty="0" smtClean="0"/>
-              <a:t>3. Write down the strategy</a:t>
-            </a:r>
-            <a:endParaRPr lang="en-US" dirty="0"/>
+              <a:rPr lang="en-US" dirty="0"/>
+              <a:t>2. Fill in the function name and add more arguments if needed</a:t>
+            </a:r>
           </a:p>
         </p:txBody>
       </p:sp>
@@ -4445,10 +4454,7 @@
                 <a:spcPts val="0"/>
               </a:spcBef>
             </a:pPr>
-            <a:r>
-              <a:rPr lang="en-US" sz="2800" dirty="0" smtClean="0"/>
-              <a:t>;; STRATEGY: Use template for Book on b.</a:t>
-            </a:r>
+            <a:endParaRPr lang="en-US" sz="2800" dirty="0" smtClean="0"/>
           </a:p>
           <a:p>
             <a:pPr>
@@ -4554,7 +4560,7 @@
     </p:spTree>
     <p:extLst>
       <p:ext uri="{BB962C8B-B14F-4D97-AF65-F5344CB8AC3E}">
-        <p14:creationId xmlns:p14="http://schemas.microsoft.com/office/powerpoint/2010/main" val="821890125"/>
+        <p14:creationId xmlns:p14="http://schemas.microsoft.com/office/powerpoint/2010/main" val="767759622"/>
       </p:ext>
     </p:extLst>
   </p:cSld>
@@ -4606,12 +4612,8 @@
           <a:lstStyle/>
           <a:p>
             <a:r>
-              <a:rPr lang="en-US" dirty="0"/>
-              <a:t>4. Fill in the blanks in the </a:t>
-            </a:r>
-            <a:r>
               <a:rPr lang="en-US" dirty="0" smtClean="0"/>
-              <a:t>template</a:t>
+              <a:t>3. Write down the strategy</a:t>
             </a:r>
             <a:endParaRPr lang="en-US" dirty="0"/>
           </a:p>
@@ -4672,13 +4674,8 @@
             </a:pPr>
             <a:r>
               <a:rPr lang="en-US" sz="2800" dirty="0"/>
-              <a:t>  </a:t>
-            </a:r>
-            <a:r>
-              <a:rPr lang="en-US" sz="2800" dirty="0" smtClean="0"/>
-              <a:t>(* (book-price b) sales))</a:t>
-            </a:r>
-            <a:endParaRPr lang="en-US" sz="2800" dirty="0"/>
+              <a:t>  (...</a:t>
+            </a:r>
           </a:p>
           <a:p>
             <a:pPr>
@@ -4686,13 +4683,10 @@
                 <a:spcPts val="0"/>
               </a:spcBef>
             </a:pPr>
-            <a:endParaRPr lang="en-US" sz="2800" strike="sngStrike" dirty="0" smtClean="0">
-              <a:solidFill>
-                <a:schemeClr val="bg1">
-                  <a:lumMod val="65000"/>
-                </a:schemeClr>
-              </a:solidFill>
-            </a:endParaRPr>
+            <a:r>
+              <a:rPr lang="en-US" sz="2800" dirty="0"/>
+              <a:t>    (book-author b)</a:t>
+            </a:r>
           </a:p>
           <a:p>
             <a:pPr>
@@ -4701,14 +4695,9 @@
               </a:spcBef>
             </a:pPr>
             <a:r>
-              <a:rPr lang="en-US" sz="2800" b="0" dirty="0" smtClean="0">
-                <a:latin typeface="+mn-lt"/>
-              </a:rPr>
-              <a:t>Things we didn’t use:</a:t>
-            </a:r>
-            <a:endParaRPr lang="en-US" sz="2800" b="0" dirty="0">
-              <a:latin typeface="+mn-lt"/>
-            </a:endParaRPr>
+              <a:rPr lang="en-US" sz="2800" dirty="0"/>
+              <a:t>    (book-title b)</a:t>
+            </a:r>
           </a:p>
           <a:p>
             <a:pPr>
@@ -4717,12 +4706,8 @@
               </a:spcBef>
             </a:pPr>
             <a:r>
-              <a:rPr lang="en-US" sz="2800" dirty="0" smtClean="0"/>
-              <a:t>    </a:t>
-            </a:r>
-            <a:r>
               <a:rPr lang="en-US" sz="2800" dirty="0"/>
-              <a:t>(book-author b)</a:t>
+              <a:t>    (book-on-hand b)</a:t>
             </a:r>
           </a:p>
           <a:p>
@@ -4733,35 +4718,8 @@
             </a:pPr>
             <a:r>
               <a:rPr lang="en-US" sz="2800" dirty="0"/>
-              <a:t>    (book-title b)</a:t>
-            </a:r>
-          </a:p>
-          <a:p>
-            <a:pPr>
-              <a:spcBef>
-                <a:spcPts val="0"/>
-              </a:spcBef>
-            </a:pPr>
-            <a:r>
-              <a:rPr lang="en-US" sz="2800" dirty="0"/>
-              <a:t>    (book-on-hand b)</a:t>
-            </a:r>
-          </a:p>
-          <a:p>
-            <a:pPr>
-              <a:spcBef>
-                <a:spcPts val="0"/>
-              </a:spcBef>
-            </a:pPr>
-            <a:r>
-              <a:rPr lang="en-US" sz="2800" b="0" dirty="0" smtClean="0">
-                <a:latin typeface="+mn-lt"/>
-              </a:rPr>
-              <a:t>That’s OK!    </a:t>
-            </a:r>
-            <a:endParaRPr lang="en-US" sz="2800" b="0" dirty="0">
-              <a:latin typeface="+mn-lt"/>
-            </a:endParaRPr>
+              <a:t>    (book-price b)))</a:t>
+            </a:r>
           </a:p>
         </p:txBody>
       </p:sp>
@@ -4789,77 +4747,10 @@
           </a:p>
         </p:txBody>
       </p:sp>
-      <p:sp>
-        <p:nvSpPr>
-          <p:cNvPr id="5" name="Rectangle 4"/>
-          <p:cNvSpPr/>
-          <p:nvPr/>
-        </p:nvSpPr>
-        <p:spPr>
-          <a:xfrm>
-            <a:off x="5562600" y="3048000"/>
-            <a:ext cx="3276600" cy="1524000"/>
-          </a:xfrm>
-          <a:prstGeom prst="rect">
-            <a:avLst/>
-          </a:prstGeom>
-          <a:solidFill>
-            <a:schemeClr val="accent3">
-              <a:lumMod val="40000"/>
-              <a:lumOff val="60000"/>
-            </a:schemeClr>
-          </a:solidFill>
-          <a:ln/>
-        </p:spPr>
-        <p:style>
-          <a:lnRef idx="2">
-            <a:schemeClr val="accent1"/>
-          </a:lnRef>
-          <a:fillRef idx="1">
-            <a:schemeClr val="lt1"/>
-          </a:fillRef>
-          <a:effectRef idx="0">
-            <a:schemeClr val="accent1"/>
-          </a:effectRef>
-          <a:fontRef idx="minor">
-            <a:schemeClr val="dk1"/>
-          </a:fontRef>
-        </p:style>
-        <p:txBody>
-          <a:bodyPr rot="0" spcFirstLastPara="0" vertOverflow="overflow" horzOverflow="overflow" vert="horz" wrap="square" lIns="91440" tIns="45720" rIns="91440" bIns="45720" numCol="1" spcCol="0" rtlCol="0" fromWordArt="0" anchor="t" anchorCtr="0" forceAA="0" compatLnSpc="1">
-            <a:prstTxWarp prst="textNoShape">
-              <a:avLst/>
-            </a:prstTxWarp>
-            <a:noAutofit/>
-          </a:bodyPr>
-          <a:lstStyle/>
-          <a:p>
-            <a:r>
-              <a:rPr lang="en-US" dirty="0" smtClean="0"/>
-              <a:t>We said:</a:t>
-            </a:r>
-          </a:p>
-          <a:p>
-            <a:r>
-              <a:rPr lang="en-US" dirty="0" smtClean="0"/>
-              <a:t>“4</a:t>
-            </a:r>
-            <a:r>
-              <a:rPr lang="en-US" dirty="0"/>
-              <a:t>. Fill in the blanks in the template by combining the arguments and the values of the fields using simpler functions</a:t>
-            </a:r>
-            <a:r>
-              <a:rPr lang="en-US" dirty="0" smtClean="0"/>
-              <a:t>.”</a:t>
-            </a:r>
-            <a:endParaRPr lang="en-US" dirty="0"/>
-          </a:p>
-        </p:txBody>
-      </p:sp>
     </p:spTree>
     <p:extLst>
       <p:ext uri="{BB962C8B-B14F-4D97-AF65-F5344CB8AC3E}">
-        <p14:creationId xmlns:p14="http://schemas.microsoft.com/office/powerpoint/2010/main" val="825290840"/>
+        <p14:creationId xmlns:p14="http://schemas.microsoft.com/office/powerpoint/2010/main" val="821890125"/>
       </p:ext>
     </p:extLst>
   </p:cSld>
@@ -4905,12 +4796,18 @@
         </p:nvSpPr>
         <p:spPr/>
         <p:txBody>
-          <a:bodyPr/>
-          <a:lstStyle/>
-          <a:p>
+          <a:bodyPr>
+            <a:normAutofit/>
+          </a:bodyPr>
+          <a:lstStyle/>
+          <a:p>
+            <a:r>
+              <a:rPr lang="en-US" dirty="0"/>
+              <a:t>4. Fill in the blanks in the </a:t>
+            </a:r>
             <a:r>
               <a:rPr lang="en-US" dirty="0" smtClean="0"/>
-              <a:t>Example: next state of traffic light</a:t>
+              <a:t>template</a:t>
             </a:r>
             <a:endParaRPr lang="en-US" dirty="0"/>
           </a:p>
@@ -4918,7 +4815,7 @@
       </p:sp>
       <p:sp>
         <p:nvSpPr>
-          <p:cNvPr id="5" name="Content Placeholder 4"/>
+          <p:cNvPr id="3" name="Content Placeholder 2"/>
           <p:cNvSpPr>
             <a:spLocks noGrp="1"/>
           </p:cNvSpPr>
@@ -4939,8 +4836,8 @@
               </a:spcBef>
             </a:pPr>
             <a:r>
-              <a:rPr lang="en-US" sz="2000" dirty="0"/>
-              <a:t>;; DATA DEFINITION:</a:t>
+              <a:rPr lang="en-US" sz="2800" dirty="0" smtClean="0"/>
+              <a:t>;; STRATEGY: Use template for Book on b.</a:t>
             </a:r>
           </a:p>
           <a:p>
@@ -4950,25 +4847,18 @@
               </a:spcBef>
             </a:pPr>
             <a:r>
-              <a:rPr lang="en-US" sz="2000" dirty="0"/>
-              <a:t>;; a </a:t>
-            </a:r>
-            <a:r>
-              <a:rPr lang="en-US" sz="2000" dirty="0" err="1"/>
-              <a:t>TrafficLightState</a:t>
-            </a:r>
-            <a:r>
-              <a:rPr lang="en-US" sz="2000" dirty="0"/>
-              <a:t> (</a:t>
-            </a:r>
-            <a:r>
-              <a:rPr lang="en-US" sz="2000" dirty="0" err="1"/>
-              <a:t>TLState</a:t>
-            </a:r>
-            <a:r>
-              <a:rPr lang="en-US" sz="2000" dirty="0"/>
-              <a:t>) is one of</a:t>
-            </a:r>
+              <a:rPr lang="en-US" sz="2800" dirty="0" smtClean="0"/>
+              <a:t>(</a:t>
+            </a:r>
+            <a:r>
+              <a:rPr lang="en-US" sz="2800" dirty="0"/>
+              <a:t>define (</a:t>
+            </a:r>
+            <a:r>
+              <a:rPr lang="en-US" sz="2800" dirty="0" smtClean="0"/>
+              <a:t>book-receipts b sales)</a:t>
+            </a:r>
+            <a:endParaRPr lang="en-US" sz="2800" dirty="0"/>
           </a:p>
           <a:p>
             <a:pPr>
@@ -4977,9 +4867,14 @@
               </a:spcBef>
             </a:pPr>
             <a:r>
-              <a:rPr lang="en-US" sz="2000" dirty="0"/>
-              <a:t>;; -- "red"</a:t>
-            </a:r>
+              <a:rPr lang="en-US" sz="2800" dirty="0"/>
+              <a:t>  </a:t>
+            </a:r>
+            <a:r>
+              <a:rPr lang="en-US" sz="2800" dirty="0" smtClean="0"/>
+              <a:t>(* (book-price b) sales))</a:t>
+            </a:r>
+            <a:endParaRPr lang="en-US" sz="2800" dirty="0"/>
           </a:p>
           <a:p>
             <a:pPr>
@@ -4987,10 +4882,13 @@
                 <a:spcPts val="0"/>
               </a:spcBef>
             </a:pPr>
-            <a:r>
-              <a:rPr lang="en-US" sz="2000" dirty="0"/>
-              <a:t>;; -- "yellow" </a:t>
-            </a:r>
+            <a:endParaRPr lang="en-US" sz="2800" strike="sngStrike" dirty="0" smtClean="0">
+              <a:solidFill>
+                <a:schemeClr val="bg1">
+                  <a:lumMod val="65000"/>
+                </a:schemeClr>
+              </a:solidFill>
+            </a:endParaRPr>
           </a:p>
           <a:p>
             <a:pPr>
@@ -4999,9 +4897,14 @@
               </a:spcBef>
             </a:pPr>
             <a:r>
-              <a:rPr lang="en-US" sz="2000" dirty="0"/>
-              <a:t>;; -- "green"</a:t>
-            </a:r>
+              <a:rPr lang="en-US" sz="2800" b="0" dirty="0" smtClean="0">
+                <a:latin typeface="+mn-lt"/>
+              </a:rPr>
+              <a:t>Things we didn’t use:</a:t>
+            </a:r>
+            <a:endParaRPr lang="en-US" sz="2800" b="0" dirty="0">
+              <a:latin typeface="+mn-lt"/>
+            </a:endParaRPr>
           </a:p>
           <a:p>
             <a:pPr>
@@ -5010,8 +4913,12 @@
               </a:spcBef>
             </a:pPr>
             <a:r>
-              <a:rPr lang="en-US" sz="2000" dirty="0"/>
-              <a:t>;; INTERPRETATION: self-evident</a:t>
+              <a:rPr lang="en-US" sz="2800" dirty="0" smtClean="0"/>
+              <a:t>    </a:t>
+            </a:r>
+            <a:r>
+              <a:rPr lang="en-US" sz="2800" dirty="0"/>
+              <a:t>(book-author b)</a:t>
             </a:r>
           </a:p>
           <a:p>
@@ -5020,7 +4927,37 @@
                 <a:spcPts val="0"/>
               </a:spcBef>
             </a:pPr>
-            <a:endParaRPr lang="en-US" sz="2000" dirty="0"/>
+            <a:r>
+              <a:rPr lang="en-US" sz="2800" dirty="0"/>
+              <a:t>    (book-title b)</a:t>
+            </a:r>
+          </a:p>
+          <a:p>
+            <a:pPr>
+              <a:spcBef>
+                <a:spcPts val="0"/>
+              </a:spcBef>
+            </a:pPr>
+            <a:r>
+              <a:rPr lang="en-US" sz="2800" dirty="0"/>
+              <a:t>    (book-on-hand b)</a:t>
+            </a:r>
+          </a:p>
+          <a:p>
+            <a:pPr>
+              <a:spcBef>
+                <a:spcPts val="0"/>
+              </a:spcBef>
+            </a:pPr>
+            <a:r>
+              <a:rPr lang="en-US" sz="2800" b="0" dirty="0" smtClean="0">
+                <a:latin typeface="+mn-lt"/>
+              </a:rPr>
+              <a:t>That’s OK!    </a:t>
+            </a:r>
+            <a:endParaRPr lang="en-US" sz="2800" b="0" dirty="0">
+              <a:latin typeface="+mn-lt"/>
+            </a:endParaRPr>
           </a:p>
         </p:txBody>
       </p:sp>
@@ -5048,16 +4985,90 @@
           </a:p>
         </p:txBody>
       </p:sp>
+      <p:sp>
+        <p:nvSpPr>
+          <p:cNvPr id="5" name="Rectangle 4"/>
+          <p:cNvSpPr/>
+          <p:nvPr/>
+        </p:nvSpPr>
+        <p:spPr>
+          <a:xfrm>
+            <a:off x="5562600" y="3048000"/>
+            <a:ext cx="3276600" cy="1524000"/>
+          </a:xfrm>
+          <a:prstGeom prst="rect">
+            <a:avLst/>
+          </a:prstGeom>
+          <a:solidFill>
+            <a:schemeClr val="accent3">
+              <a:lumMod val="40000"/>
+              <a:lumOff val="60000"/>
+            </a:schemeClr>
+          </a:solidFill>
+          <a:ln/>
+        </p:spPr>
+        <p:style>
+          <a:lnRef idx="2">
+            <a:schemeClr val="accent1"/>
+          </a:lnRef>
+          <a:fillRef idx="1">
+            <a:schemeClr val="lt1"/>
+          </a:fillRef>
+          <a:effectRef idx="0">
+            <a:schemeClr val="accent1"/>
+          </a:effectRef>
+          <a:fontRef idx="minor">
+            <a:schemeClr val="dk1"/>
+          </a:fontRef>
+        </p:style>
+        <p:txBody>
+          <a:bodyPr rot="0" spcFirstLastPara="0" vertOverflow="overflow" horzOverflow="overflow" vert="horz" wrap="square" lIns="91440" tIns="45720" rIns="91440" bIns="45720" numCol="1" spcCol="0" rtlCol="0" fromWordArt="0" anchor="t" anchorCtr="0" forceAA="0" compatLnSpc="1">
+            <a:prstTxWarp prst="textNoShape">
+              <a:avLst/>
+            </a:prstTxWarp>
+            <a:noAutofit/>
+          </a:bodyPr>
+          <a:lstStyle/>
+          <a:p>
+            <a:r>
+              <a:rPr lang="en-US" dirty="0" smtClean="0"/>
+              <a:t>We said:</a:t>
+            </a:r>
+          </a:p>
+          <a:p>
+            <a:r>
+              <a:rPr lang="en-US" dirty="0" smtClean="0"/>
+              <a:t>“4</a:t>
+            </a:r>
+            <a:r>
+              <a:rPr lang="en-US" dirty="0"/>
+              <a:t>. Fill in the blanks in the template by combining the arguments and the values of the fields using simpler functions</a:t>
+            </a:r>
+            <a:r>
+              <a:rPr lang="en-US" dirty="0" smtClean="0"/>
+              <a:t>.”</a:t>
+            </a:r>
+            <a:endParaRPr lang="en-US" dirty="0"/>
+          </a:p>
+        </p:txBody>
+      </p:sp>
     </p:spTree>
     <p:extLst>
       <p:ext uri="{BB962C8B-B14F-4D97-AF65-F5344CB8AC3E}">
-        <p14:creationId xmlns:p14="http://schemas.microsoft.com/office/powerpoint/2010/main" val="3949414597"/>
+        <p14:creationId xmlns:p14="http://schemas.microsoft.com/office/powerpoint/2010/main" val="825290840"/>
       </p:ext>
     </p:extLst>
   </p:cSld>
   <p:clrMapOvr>
     <a:masterClrMapping/>
   </p:clrMapOvr>
+  <p:timing>
+    <p:tnLst>
+      <p:par>
+        <p:cTn id="1" dur="indefinite" restart="never" nodeType="tmRoot"/>
+      </p:par>
+    </p:tnLst>
+  </p:timing>
 </p:sld>
 </file>
 
@@ -5095,7 +5106,7 @@
           <a:p>
             <a:r>
               <a:rPr lang="en-US" dirty="0" smtClean="0"/>
-              <a:t>Contract and Purpose Statement</a:t>
+              <a:t>Example: next state of traffic light</a:t>
             </a:r>
             <a:endParaRPr lang="en-US" dirty="0"/>
           </a:p>
@@ -5103,7 +5114,7 @@
       </p:sp>
       <p:sp>
         <p:nvSpPr>
-          <p:cNvPr id="3" name="Content Placeholder 2"/>
+          <p:cNvPr id="5" name="Content Placeholder 4"/>
           <p:cNvSpPr>
             <a:spLocks noGrp="1"/>
           </p:cNvSpPr>
@@ -5125,21 +5136,8 @@
             </a:pPr>
             <a:r>
               <a:rPr lang="en-US" sz="2000" dirty="0"/>
-              <a:t>;; next-state : </a:t>
-            </a:r>
-            <a:r>
-              <a:rPr lang="en-US" sz="2000" dirty="0" err="1"/>
-              <a:t>TLState</a:t>
-            </a:r>
-            <a:r>
-              <a:rPr lang="en-US" sz="2000" dirty="0"/>
-              <a:t> -&gt; </a:t>
-            </a:r>
-            <a:r>
-              <a:rPr lang="en-US" sz="2000" dirty="0" err="1"/>
-              <a:t>TLState</a:t>
-            </a:r>
-            <a:endParaRPr lang="en-US" sz="2000" dirty="0"/>
+              <a:t>;; DATA DEFINITION:</a:t>
+            </a:r>
           </a:p>
           <a:p>
             <a:pPr>
@@ -5149,13 +5147,24 @@
             </a:pPr>
             <a:r>
               <a:rPr lang="en-US" sz="2000" dirty="0"/>
-              <a:t>;; GIVEN: a </a:t>
+              <a:t>;; a </a:t>
+            </a:r>
+            <a:r>
+              <a:rPr lang="en-US" sz="2000" dirty="0" err="1"/>
+              <a:t>TrafficLightState</a:t>
+            </a:r>
+            <a:r>
+              <a:rPr lang="en-US" sz="2000" dirty="0"/>
+              <a:t> (</a:t>
             </a:r>
             <a:r>
               <a:rPr lang="en-US" sz="2000" dirty="0" err="1"/>
               <a:t>TLState</a:t>
             </a:r>
-            <a:endParaRPr lang="en-US" sz="2000" dirty="0"/>
+            <a:r>
+              <a:rPr lang="en-US" sz="2000" dirty="0"/>
+              <a:t>) is one of</a:t>
+            </a:r>
           </a:p>
           <a:p>
             <a:pPr>
@@ -5165,21 +5174,8 @@
             </a:pPr>
             <a:r>
               <a:rPr lang="en-US" sz="2000" dirty="0"/>
-              <a:t>;; RETURNS: the </a:t>
-            </a:r>
-            <a:r>
-              <a:rPr lang="en-US" sz="2000" dirty="0" err="1"/>
-              <a:t>TLState</a:t>
-            </a:r>
-            <a:r>
-              <a:rPr lang="en-US" sz="2000" dirty="0"/>
-              <a:t> that follows the given </a:t>
-            </a:r>
-            <a:r>
-              <a:rPr lang="en-US" sz="2000" dirty="0" err="1"/>
-              <a:t>TLState</a:t>
-            </a:r>
-            <a:endParaRPr lang="en-US" sz="2000" dirty="0"/>
+              <a:t>;; -- "red"</a:t>
+            </a:r>
           </a:p>
           <a:p>
             <a:pPr>
@@ -5189,7 +5185,7 @@
             </a:pPr>
             <a:r>
               <a:rPr lang="en-US" sz="2000" dirty="0"/>
-              <a:t>;; EXAMPLES:</a:t>
+              <a:t>;; -- "yellow" </a:t>
             </a:r>
           </a:p>
           <a:p>
@@ -5200,7 +5196,7 @@
             </a:pPr>
             <a:r>
               <a:rPr lang="en-US" sz="2000" dirty="0"/>
-              <a:t>;; (next-state "red") = "green"</a:t>
+              <a:t>;; -- "green"</a:t>
             </a:r>
           </a:p>
           <a:p>
@@ -5211,18 +5207,7 @@
             </a:pPr>
             <a:r>
               <a:rPr lang="en-US" sz="2000" dirty="0"/>
-              <a:t>;; (next-state "yellow") = "red"</a:t>
-            </a:r>
-          </a:p>
-          <a:p>
-            <a:pPr>
-              <a:spcBef>
-                <a:spcPts val="0"/>
-              </a:spcBef>
-            </a:pPr>
-            <a:r>
-              <a:rPr lang="en-US" sz="2000" dirty="0"/>
-              <a:t>;; (next-state "green") = "yellow"</a:t>
+              <a:t>;; INTERPRETATION: self-evident</a:t>
             </a:r>
           </a:p>
           <a:p>
@@ -5262,7 +5247,7 @@
     </p:spTree>
     <p:extLst>
       <p:ext uri="{BB962C8B-B14F-4D97-AF65-F5344CB8AC3E}">
-        <p14:creationId xmlns:p14="http://schemas.microsoft.com/office/powerpoint/2010/main" val="1129658366"/>
+        <p14:creationId xmlns:p14="http://schemas.microsoft.com/office/powerpoint/2010/main" val="3949414597"/>
       </p:ext>
     </p:extLst>
   </p:cSld>
@@ -5301,77 +5286,148 @@
         </p:nvSpPr>
         <p:spPr/>
         <p:txBody>
+          <a:bodyPr/>
+          <a:lstStyle/>
+          <a:p>
+            <a:r>
+              <a:rPr lang="en-US" dirty="0" smtClean="0"/>
+              <a:t>Contract and Purpose Statement</a:t>
+            </a:r>
+            <a:endParaRPr lang="en-US" dirty="0"/>
+          </a:p>
+        </p:txBody>
+      </p:sp>
+      <p:sp>
+        <p:nvSpPr>
+          <p:cNvPr id="3" name="Content Placeholder 2"/>
+          <p:cNvSpPr>
+            <a:spLocks noGrp="1"/>
+          </p:cNvSpPr>
+          <p:nvPr>
+            <p:ph idx="1"/>
+          </p:nvPr>
+        </p:nvSpPr>
+        <p:spPr/>
+        <p:txBody>
           <a:bodyPr>
-            <a:normAutofit fontScale="90000"/>
+            <a:normAutofit/>
           </a:bodyPr>
           <a:lstStyle/>
           <a:p>
-            <a:r>
-              <a:rPr lang="en-US" dirty="0"/>
-              <a:t>1. Make a copy of the template and uncomment it</a:t>
-            </a:r>
-          </a:p>
-        </p:txBody>
-      </p:sp>
-      <p:sp>
-        <p:nvSpPr>
-          <p:cNvPr id="3" name="Content Placeholder 2"/>
-          <p:cNvSpPr>
-            <a:spLocks noGrp="1"/>
-          </p:cNvSpPr>
-          <p:nvPr>
-            <p:ph idx="1"/>
-          </p:nvPr>
-        </p:nvSpPr>
-        <p:spPr/>
-        <p:txBody>
-          <a:bodyPr/>
-          <a:lstStyle/>
-          <a:p>
-            <a:endParaRPr lang="en-US" dirty="0" smtClean="0"/>
-          </a:p>
-          <a:p>
-            <a:r>
-              <a:rPr lang="en-US" dirty="0"/>
-              <a:t>(define (</a:t>
-            </a:r>
-            <a:r>
-              <a:rPr lang="en-US" dirty="0" err="1"/>
-              <a:t>tls-fn</a:t>
-            </a:r>
-            <a:r>
-              <a:rPr lang="en-US" dirty="0"/>
-              <a:t> state)</a:t>
-            </a:r>
-          </a:p>
-          <a:p>
-            <a:r>
-              <a:rPr lang="en-US" dirty="0"/>
-              <a:t> (</a:t>
-            </a:r>
-            <a:r>
-              <a:rPr lang="en-US" dirty="0" err="1"/>
-              <a:t>cond</a:t>
-            </a:r>
-            <a:endParaRPr lang="en-US" dirty="0"/>
-          </a:p>
-          <a:p>
-            <a:r>
-              <a:rPr lang="en-US" dirty="0"/>
-              <a:t>   [(string=? state "red")    ...]</a:t>
-            </a:r>
-          </a:p>
-          <a:p>
-            <a:r>
-              <a:rPr lang="en-US" dirty="0"/>
-              <a:t>   [(string=? state "yellow") ...]</a:t>
-            </a:r>
-          </a:p>
-          <a:p>
-            <a:r>
-              <a:rPr lang="en-US" dirty="0"/>
-              <a:t>   [(string=? state "green")  ...])) </a:t>
-            </a:r>
+            <a:pPr>
+              <a:spcBef>
+                <a:spcPts val="0"/>
+              </a:spcBef>
+            </a:pPr>
+            <a:r>
+              <a:rPr lang="en-US" sz="2000" dirty="0"/>
+              <a:t>;; next-state : </a:t>
+            </a:r>
+            <a:r>
+              <a:rPr lang="en-US" sz="2000" dirty="0" err="1"/>
+              <a:t>TLState</a:t>
+            </a:r>
+            <a:r>
+              <a:rPr lang="en-US" sz="2000" dirty="0"/>
+              <a:t> -&gt; </a:t>
+            </a:r>
+            <a:r>
+              <a:rPr lang="en-US" sz="2000" dirty="0" err="1"/>
+              <a:t>TLState</a:t>
+            </a:r>
+            <a:endParaRPr lang="en-US" sz="2000" dirty="0"/>
+          </a:p>
+          <a:p>
+            <a:pPr>
+              <a:spcBef>
+                <a:spcPts val="0"/>
+              </a:spcBef>
+            </a:pPr>
+            <a:r>
+              <a:rPr lang="en-US" sz="2000" dirty="0"/>
+              <a:t>;; GIVEN: a </a:t>
+            </a:r>
+            <a:r>
+              <a:rPr lang="en-US" sz="2000" dirty="0" err="1"/>
+              <a:t>TLState</a:t>
+            </a:r>
+            <a:endParaRPr lang="en-US" sz="2000" dirty="0"/>
+          </a:p>
+          <a:p>
+            <a:pPr>
+              <a:spcBef>
+                <a:spcPts val="0"/>
+              </a:spcBef>
+            </a:pPr>
+            <a:r>
+              <a:rPr lang="en-US" sz="2000" dirty="0"/>
+              <a:t>;; RETURNS: the </a:t>
+            </a:r>
+            <a:r>
+              <a:rPr lang="en-US" sz="2000" dirty="0" err="1"/>
+              <a:t>TLState</a:t>
+            </a:r>
+            <a:r>
+              <a:rPr lang="en-US" sz="2000" dirty="0"/>
+              <a:t> that follows the given </a:t>
+            </a:r>
+            <a:r>
+              <a:rPr lang="en-US" sz="2000" dirty="0" err="1"/>
+              <a:t>TLState</a:t>
+            </a:r>
+            <a:endParaRPr lang="en-US" sz="2000" dirty="0"/>
+          </a:p>
+          <a:p>
+            <a:pPr>
+              <a:spcBef>
+                <a:spcPts val="0"/>
+              </a:spcBef>
+            </a:pPr>
+            <a:r>
+              <a:rPr lang="en-US" sz="2000" dirty="0"/>
+              <a:t>;; EXAMPLES:</a:t>
+            </a:r>
+          </a:p>
+          <a:p>
+            <a:pPr>
+              <a:spcBef>
+                <a:spcPts val="0"/>
+              </a:spcBef>
+            </a:pPr>
+            <a:r>
+              <a:rPr lang="en-US" sz="2000" dirty="0"/>
+              <a:t>;; (next-state "red") = "green"</a:t>
+            </a:r>
+          </a:p>
+          <a:p>
+            <a:pPr>
+              <a:spcBef>
+                <a:spcPts val="0"/>
+              </a:spcBef>
+            </a:pPr>
+            <a:r>
+              <a:rPr lang="en-US" sz="2000" dirty="0"/>
+              <a:t>;; (next-state "yellow") = "red"</a:t>
+            </a:r>
+          </a:p>
+          <a:p>
+            <a:pPr>
+              <a:spcBef>
+                <a:spcPts val="0"/>
+              </a:spcBef>
+            </a:pPr>
+            <a:r>
+              <a:rPr lang="en-US" sz="2000" dirty="0"/>
+              <a:t>;; (next-state "green") = "yellow"</a:t>
+            </a:r>
+          </a:p>
+          <a:p>
+            <a:pPr>
+              <a:spcBef>
+                <a:spcPts val="0"/>
+              </a:spcBef>
+            </a:pPr>
+            <a:endParaRPr lang="en-US" sz="2000" dirty="0"/>
           </a:p>
         </p:txBody>
       </p:sp>
@@ -5402,7 +5458,7 @@
     </p:spTree>
     <p:extLst>
       <p:ext uri="{BB962C8B-B14F-4D97-AF65-F5344CB8AC3E}">
-        <p14:creationId xmlns:p14="http://schemas.microsoft.com/office/powerpoint/2010/main" val="2417852482"/>
+        <p14:creationId xmlns:p14="http://schemas.microsoft.com/office/powerpoint/2010/main" val="1129658366"/>
       </p:ext>
     </p:extLst>
   </p:cSld>
@@ -5448,7 +5504,7 @@
           <a:p>
             <a:r>
               <a:rPr lang="en-US" dirty="0"/>
-              <a:t>2. Fill in the function name and add more arguments if needed</a:t>
+              <a:t>1. Make a copy of the template and uncomment it</a:t>
             </a:r>
           </a:p>
         </p:txBody>
@@ -5471,24 +5527,17 @@
             <a:endParaRPr lang="en-US" dirty="0" smtClean="0"/>
           </a:p>
           <a:p>
-            <a:endParaRPr lang="en-US" dirty="0" smtClean="0"/>
-          </a:p>
-          <a:p>
-            <a:r>
-              <a:rPr lang="en-US" dirty="0" smtClean="0"/>
-              <a:t>(</a:t>
-            </a:r>
             <a:r>
               <a:rPr lang="en-US" dirty="0"/>
-              <a:t>define </a:t>
-            </a:r>
-            <a:r>
-              <a:rPr lang="en-US" dirty="0" smtClean="0"/>
-              <a:t>(next-state state</a:t>
+              <a:t>(define (</a:t>
+            </a:r>
+            <a:r>
+              <a:rPr lang="en-US" dirty="0" err="1"/>
+              <a:t>tls-fn</a:t>
             </a:r>
             <a:r>
               <a:rPr lang="en-US" dirty="0"/>
-              <a:t>)</a:t>
+              <a:t> state)</a:t>
             </a:r>
           </a:p>
           <a:p>
@@ -5519,9 +5568,6 @@
               <a:rPr lang="en-US" dirty="0"/>
               <a:t>   [(string=? state "green")  ...])) </a:t>
             </a:r>
-          </a:p>
-          <a:p>
-            <a:endParaRPr lang="en-US" dirty="0"/>
           </a:p>
         </p:txBody>
       </p:sp>
@@ -5552,7 +5598,7 @@
     </p:spTree>
     <p:extLst>
       <p:ext uri="{BB962C8B-B14F-4D97-AF65-F5344CB8AC3E}">
-        <p14:creationId xmlns:p14="http://schemas.microsoft.com/office/powerpoint/2010/main" val="1352691643"/>
+        <p14:creationId xmlns:p14="http://schemas.microsoft.com/office/powerpoint/2010/main" val="2417852482"/>
       </p:ext>
     </p:extLst>
   </p:cSld>
@@ -5592,15 +5638,14 @@
         <p:spPr/>
         <p:txBody>
           <a:bodyPr>
-            <a:normAutofit/>
+            <a:normAutofit fontScale="90000"/>
           </a:bodyPr>
           <a:lstStyle/>
           <a:p>
             <a:r>
-              <a:rPr lang="en-US" dirty="0" smtClean="0"/>
-              <a:t>3. Fill in the strategy</a:t>
-            </a:r>
-            <a:endParaRPr lang="en-US" dirty="0"/>
+              <a:rPr lang="en-US" dirty="0"/>
+              <a:t>2. Fill in the function name and add more arguments if needed</a:t>
+            </a:r>
           </a:p>
         </p:txBody>
       </p:sp>
@@ -5619,18 +5664,7 @@
           <a:bodyPr/>
           <a:lstStyle/>
           <a:p>
-            <a:r>
-              <a:rPr lang="en-US" dirty="0" smtClean="0"/>
-              <a:t>;; STRATEGY: Use template for </a:t>
-            </a:r>
-            <a:r>
-              <a:rPr lang="en-US" dirty="0" err="1" smtClean="0"/>
-              <a:t>TLState</a:t>
-            </a:r>
-            <a:r>
-              <a:rPr lang="en-US" dirty="0" smtClean="0"/>
-              <a:t> on state</a:t>
-            </a:r>
+            <a:endParaRPr lang="en-US" dirty="0" smtClean="0"/>
           </a:p>
           <a:p>
             <a:endParaRPr lang="en-US" dirty="0" smtClean="0"/>
@@ -5714,7 +5748,7 @@
     </p:spTree>
     <p:extLst>
       <p:ext uri="{BB962C8B-B14F-4D97-AF65-F5344CB8AC3E}">
-        <p14:creationId xmlns:p14="http://schemas.microsoft.com/office/powerpoint/2010/main" val="680206738"/>
+        <p14:creationId xmlns:p14="http://schemas.microsoft.com/office/powerpoint/2010/main" val="1352691643"/>
       </p:ext>
     </p:extLst>
   </p:cSld>
@@ -5760,7 +5794,7 @@
           <a:p>
             <a:r>
               <a:rPr lang="en-US" dirty="0" smtClean="0"/>
-              <a:t>4. Fill in the blanks</a:t>
+              <a:t>3. Fill in the strategy</a:t>
             </a:r>
             <a:endParaRPr lang="en-US" dirty="0"/>
           </a:p>
@@ -5868,6 +5902,168 @@
               <a:rPr lang="en-US" smtClean="0"/>
               <a:pPr/>
               <a:t>18</a:t>
+            </a:fld>
+            <a:endParaRPr lang="en-US"/>
+          </a:p>
+        </p:txBody>
+      </p:sp>
+    </p:spTree>
+    <p:extLst>
+      <p:ext uri="{BB962C8B-B14F-4D97-AF65-F5344CB8AC3E}">
+        <p14:creationId xmlns:p14="http://schemas.microsoft.com/office/powerpoint/2010/main" val="680206738"/>
+      </p:ext>
+    </p:extLst>
+  </p:cSld>
+  <p:clrMapOvr>
+    <a:masterClrMapping/>
+  </p:clrMapOvr>
+</p:sld>
+</file>
+
+<file path=ppt/slides/slide19.xml><?xml version="1.0" encoding="utf-8"?>
+<p:sld xmlns:a="http://schemas.openxmlformats.org/drawingml/2006/main" xmlns:r="http://schemas.openxmlformats.org/officeDocument/2006/relationships" xmlns:p="http://schemas.openxmlformats.org/presentationml/2006/main">
+  <p:cSld>
+    <p:spTree>
+      <p:nvGrpSpPr>
+        <p:cNvPr id="1" name=""/>
+        <p:cNvGrpSpPr/>
+        <p:nvPr/>
+      </p:nvGrpSpPr>
+      <p:grpSpPr>
+        <a:xfrm>
+          <a:off x="0" y="0"/>
+          <a:ext cx="0" cy="0"/>
+          <a:chOff x="0" y="0"/>
+          <a:chExt cx="0" cy="0"/>
+        </a:xfrm>
+      </p:grpSpPr>
+      <p:sp>
+        <p:nvSpPr>
+          <p:cNvPr id="2" name="Title 1"/>
+          <p:cNvSpPr>
+            <a:spLocks noGrp="1"/>
+          </p:cNvSpPr>
+          <p:nvPr>
+            <p:ph type="title"/>
+          </p:nvPr>
+        </p:nvSpPr>
+        <p:spPr/>
+        <p:txBody>
+          <a:bodyPr>
+            <a:normAutofit/>
+          </a:bodyPr>
+          <a:lstStyle/>
+          <a:p>
+            <a:r>
+              <a:rPr lang="en-US" dirty="0" smtClean="0"/>
+              <a:t>4. Fill in the blanks</a:t>
+            </a:r>
+            <a:endParaRPr lang="en-US" dirty="0"/>
+          </a:p>
+        </p:txBody>
+      </p:sp>
+      <p:sp>
+        <p:nvSpPr>
+          <p:cNvPr id="3" name="Content Placeholder 2"/>
+          <p:cNvSpPr>
+            <a:spLocks noGrp="1"/>
+          </p:cNvSpPr>
+          <p:nvPr>
+            <p:ph idx="1"/>
+          </p:nvPr>
+        </p:nvSpPr>
+        <p:spPr/>
+        <p:txBody>
+          <a:bodyPr/>
+          <a:lstStyle/>
+          <a:p>
+            <a:r>
+              <a:rPr lang="en-US" dirty="0" smtClean="0"/>
+              <a:t>;; STRATEGY: Use template for </a:t>
+            </a:r>
+            <a:r>
+              <a:rPr lang="en-US" dirty="0" err="1" smtClean="0"/>
+              <a:t>TLState</a:t>
+            </a:r>
+            <a:r>
+              <a:rPr lang="en-US" dirty="0" smtClean="0"/>
+              <a:t> on state</a:t>
+            </a:r>
+          </a:p>
+          <a:p>
+            <a:endParaRPr lang="en-US" dirty="0" smtClean="0"/>
+          </a:p>
+          <a:p>
+            <a:r>
+              <a:rPr lang="en-US" dirty="0" smtClean="0"/>
+              <a:t>(</a:t>
+            </a:r>
+            <a:r>
+              <a:rPr lang="en-US" dirty="0"/>
+              <a:t>define </a:t>
+            </a:r>
+            <a:r>
+              <a:rPr lang="en-US" dirty="0" smtClean="0"/>
+              <a:t>(next-state state</a:t>
+            </a:r>
+            <a:r>
+              <a:rPr lang="en-US" dirty="0"/>
+              <a:t>)</a:t>
+            </a:r>
+          </a:p>
+          <a:p>
+            <a:r>
+              <a:rPr lang="en-US" dirty="0"/>
+              <a:t> (</a:t>
+            </a:r>
+            <a:r>
+              <a:rPr lang="en-US" dirty="0" err="1"/>
+              <a:t>cond</a:t>
+            </a:r>
+            <a:endParaRPr lang="en-US" dirty="0"/>
+          </a:p>
+          <a:p>
+            <a:r>
+              <a:rPr lang="en-US" dirty="0"/>
+              <a:t>   [(string=? state "red")    ...]</a:t>
+            </a:r>
+          </a:p>
+          <a:p>
+            <a:r>
+              <a:rPr lang="en-US" dirty="0"/>
+              <a:t>   [(string=? state "yellow") ...]</a:t>
+            </a:r>
+          </a:p>
+          <a:p>
+            <a:r>
+              <a:rPr lang="en-US" dirty="0"/>
+              <a:t>   [(string=? state "green")  ...])) </a:t>
+            </a:r>
+          </a:p>
+          <a:p>
+            <a:endParaRPr lang="en-US" dirty="0"/>
+          </a:p>
+        </p:txBody>
+      </p:sp>
+      <p:sp>
+        <p:nvSpPr>
+          <p:cNvPr id="4" name="Slide Number Placeholder 3"/>
+          <p:cNvSpPr>
+            <a:spLocks noGrp="1"/>
+          </p:cNvSpPr>
+          <p:nvPr>
+            <p:ph type="sldNum" sz="quarter" idx="12"/>
+          </p:nvPr>
+        </p:nvSpPr>
+        <p:spPr/>
+        <p:txBody>
+          <a:bodyPr/>
+          <a:lstStyle/>
+          <a:p>
+            <a:fld id="{B6F15528-21DE-4FAA-801E-634DDDAF4B2B}" type="slidenum">
+              <a:rPr lang="en-US" smtClean="0"/>
+              <a:pPr/>
+              <a:t>19</a:t>
             </a:fld>
             <a:endParaRPr lang="en-US"/>
           </a:p>
@@ -5947,7 +6143,7 @@
 </p:sld>
 </file>
 
-<file path=ppt/slides/slide19.xml><?xml version="1.0" encoding="utf-8"?>
+<file path=ppt/slides/slide2.xml><?xml version="1.0" encoding="utf-8"?>
 <p:sld xmlns:a="http://schemas.openxmlformats.org/drawingml/2006/main" xmlns:r="http://schemas.openxmlformats.org/officeDocument/2006/relationships" xmlns:p="http://schemas.openxmlformats.org/presentationml/2006/main">
   <p:cSld>
     <p:spTree>
@@ -5966,6 +6162,1574 @@
       </p:grpSpPr>
       <p:sp>
         <p:nvSpPr>
+          <p:cNvPr id="7" name="Rounded Rectangle 6"/>
+          <p:cNvSpPr/>
+          <p:nvPr/>
+        </p:nvSpPr>
+        <p:spPr>
+          <a:xfrm>
+            <a:off x="6400800" y="1757787"/>
+            <a:ext cx="1828800" cy="533400"/>
+          </a:xfrm>
+          <a:prstGeom prst="roundRect">
+            <a:avLst/>
+          </a:prstGeom>
+        </p:spPr>
+        <p:style>
+          <a:lnRef idx="0">
+            <a:schemeClr val="accent1"/>
+          </a:lnRef>
+          <a:fillRef idx="3">
+            <a:schemeClr val="accent1"/>
+          </a:fillRef>
+          <a:effectRef idx="3">
+            <a:schemeClr val="accent1"/>
+          </a:effectRef>
+          <a:fontRef idx="minor">
+            <a:schemeClr val="lt1"/>
+          </a:fontRef>
+        </p:style>
+        <p:txBody>
+          <a:bodyPr rtlCol="0" anchor="ctr"/>
+          <a:lstStyle/>
+          <a:p>
+            <a:pPr algn="ctr"/>
+            <a:r>
+              <a:rPr lang="en-US" dirty="0" smtClean="0"/>
+              <a:t>Generalization</a:t>
+            </a:r>
+            <a:endParaRPr lang="en-US" dirty="0"/>
+          </a:p>
+        </p:txBody>
+      </p:sp>
+      <p:sp>
+        <p:nvSpPr>
+          <p:cNvPr id="14" name="Rounded Rectangle 13"/>
+          <p:cNvSpPr/>
+          <p:nvPr/>
+        </p:nvSpPr>
+        <p:spPr>
+          <a:xfrm>
+            <a:off x="6400800" y="2564470"/>
+            <a:ext cx="1828800" cy="533400"/>
+          </a:xfrm>
+          <a:prstGeom prst="roundRect">
+            <a:avLst/>
+          </a:prstGeom>
+          <a:solidFill>
+            <a:schemeClr val="accent1">
+              <a:lumMod val="20000"/>
+              <a:lumOff val="80000"/>
+            </a:schemeClr>
+          </a:solidFill>
+        </p:spPr>
+        <p:style>
+          <a:lnRef idx="1">
+            <a:schemeClr val="accent1"/>
+          </a:lnRef>
+          <a:fillRef idx="2">
+            <a:schemeClr val="accent1"/>
+          </a:fillRef>
+          <a:effectRef idx="1">
+            <a:schemeClr val="accent1"/>
+          </a:effectRef>
+          <a:fontRef idx="minor">
+            <a:schemeClr val="dk1"/>
+          </a:fontRef>
+        </p:style>
+        <p:txBody>
+          <a:bodyPr rtlCol="0" anchor="ctr"/>
+          <a:lstStyle/>
+          <a:p>
+            <a:pPr algn="ctr"/>
+            <a:r>
+              <a:rPr lang="en-US" dirty="0" smtClean="0"/>
+              <a:t>Over Constants</a:t>
+            </a:r>
+            <a:endParaRPr lang="en-US" dirty="0"/>
+          </a:p>
+        </p:txBody>
+      </p:sp>
+      <p:sp>
+        <p:nvSpPr>
+          <p:cNvPr id="29" name="Rounded Rectangle 28"/>
+          <p:cNvSpPr/>
+          <p:nvPr/>
+        </p:nvSpPr>
+        <p:spPr>
+          <a:xfrm>
+            <a:off x="6400800" y="3371153"/>
+            <a:ext cx="1828800" cy="533400"/>
+          </a:xfrm>
+          <a:prstGeom prst="roundRect">
+            <a:avLst/>
+          </a:prstGeom>
+          <a:solidFill>
+            <a:schemeClr val="accent1">
+              <a:lumMod val="20000"/>
+              <a:lumOff val="80000"/>
+            </a:schemeClr>
+          </a:solidFill>
+        </p:spPr>
+        <p:style>
+          <a:lnRef idx="1">
+            <a:schemeClr val="accent1"/>
+          </a:lnRef>
+          <a:fillRef idx="2">
+            <a:schemeClr val="accent1"/>
+          </a:fillRef>
+          <a:effectRef idx="1">
+            <a:schemeClr val="accent1"/>
+          </a:effectRef>
+          <a:fontRef idx="minor">
+            <a:schemeClr val="dk1"/>
+          </a:fontRef>
+        </p:style>
+        <p:txBody>
+          <a:bodyPr rtlCol="0" anchor="ctr"/>
+          <a:lstStyle/>
+          <a:p>
+            <a:pPr algn="ctr"/>
+            <a:r>
+              <a:rPr lang="en-US" dirty="0" smtClean="0"/>
+              <a:t>Over Expressions</a:t>
+            </a:r>
+          </a:p>
+        </p:txBody>
+      </p:sp>
+      <p:sp>
+        <p:nvSpPr>
+          <p:cNvPr id="34" name="Rounded Rectangle 33"/>
+          <p:cNvSpPr/>
+          <p:nvPr/>
+        </p:nvSpPr>
+        <p:spPr>
+          <a:xfrm>
+            <a:off x="6400800" y="4177836"/>
+            <a:ext cx="1828800" cy="533400"/>
+          </a:xfrm>
+          <a:prstGeom prst="roundRect">
+            <a:avLst/>
+          </a:prstGeom>
+          <a:solidFill>
+            <a:schemeClr val="accent1">
+              <a:lumMod val="20000"/>
+              <a:lumOff val="80000"/>
+            </a:schemeClr>
+          </a:solidFill>
+        </p:spPr>
+        <p:style>
+          <a:lnRef idx="1">
+            <a:schemeClr val="accent1"/>
+          </a:lnRef>
+          <a:fillRef idx="2">
+            <a:schemeClr val="accent1"/>
+          </a:fillRef>
+          <a:effectRef idx="1">
+            <a:schemeClr val="accent1"/>
+          </a:effectRef>
+          <a:fontRef idx="minor">
+            <a:schemeClr val="dk1"/>
+          </a:fontRef>
+        </p:style>
+        <p:txBody>
+          <a:bodyPr rtlCol="0" anchor="ctr"/>
+          <a:lstStyle/>
+          <a:p>
+            <a:pPr algn="ctr"/>
+            <a:r>
+              <a:rPr lang="en-US" dirty="0" smtClean="0"/>
+              <a:t>Over Contexts</a:t>
+            </a:r>
+            <a:endParaRPr lang="en-US" dirty="0"/>
+          </a:p>
+        </p:txBody>
+      </p:sp>
+      <p:sp>
+        <p:nvSpPr>
+          <p:cNvPr id="39" name="Rounded Rectangle 38"/>
+          <p:cNvSpPr/>
+          <p:nvPr/>
+        </p:nvSpPr>
+        <p:spPr>
+          <a:xfrm>
+            <a:off x="6400800" y="4984519"/>
+            <a:ext cx="1828800" cy="533400"/>
+          </a:xfrm>
+          <a:prstGeom prst="roundRect">
+            <a:avLst/>
+          </a:prstGeom>
+          <a:solidFill>
+            <a:schemeClr val="accent1">
+              <a:lumMod val="20000"/>
+              <a:lumOff val="80000"/>
+            </a:schemeClr>
+          </a:solidFill>
+        </p:spPr>
+        <p:style>
+          <a:lnRef idx="1">
+            <a:schemeClr val="accent1"/>
+          </a:lnRef>
+          <a:fillRef idx="2">
+            <a:schemeClr val="accent1"/>
+          </a:fillRef>
+          <a:effectRef idx="1">
+            <a:schemeClr val="accent1"/>
+          </a:effectRef>
+          <a:fontRef idx="minor">
+            <a:schemeClr val="dk1"/>
+          </a:fontRef>
+        </p:style>
+        <p:txBody>
+          <a:bodyPr rtlCol="0" anchor="ctr"/>
+          <a:lstStyle/>
+          <a:p>
+            <a:pPr algn="ctr"/>
+            <a:r>
+              <a:rPr lang="en-US" dirty="0" smtClean="0"/>
+              <a:t>Over Data Representations</a:t>
+            </a:r>
+            <a:endParaRPr lang="en-US" dirty="0"/>
+          </a:p>
+        </p:txBody>
+      </p:sp>
+      <p:sp>
+        <p:nvSpPr>
+          <p:cNvPr id="44" name="Rounded Rectangle 43"/>
+          <p:cNvSpPr/>
+          <p:nvPr/>
+        </p:nvSpPr>
+        <p:spPr>
+          <a:xfrm>
+            <a:off x="6400800" y="5791200"/>
+            <a:ext cx="1828800" cy="533400"/>
+          </a:xfrm>
+          <a:prstGeom prst="roundRect">
+            <a:avLst/>
+          </a:prstGeom>
+          <a:solidFill>
+            <a:schemeClr val="accent1">
+              <a:lumMod val="20000"/>
+              <a:lumOff val="80000"/>
+            </a:schemeClr>
+          </a:solidFill>
+        </p:spPr>
+        <p:style>
+          <a:lnRef idx="1">
+            <a:schemeClr val="accent1"/>
+          </a:lnRef>
+          <a:fillRef idx="2">
+            <a:schemeClr val="accent1"/>
+          </a:fillRef>
+          <a:effectRef idx="1">
+            <a:schemeClr val="accent1"/>
+          </a:effectRef>
+          <a:fontRef idx="minor">
+            <a:schemeClr val="dk1"/>
+          </a:fontRef>
+        </p:style>
+        <p:txBody>
+          <a:bodyPr rtlCol="0" anchor="ctr"/>
+          <a:lstStyle/>
+          <a:p>
+            <a:pPr algn="ctr"/>
+            <a:r>
+              <a:rPr lang="en-US" dirty="0" smtClean="0"/>
+              <a:t>Over Method Implementations</a:t>
+            </a:r>
+            <a:endParaRPr lang="en-US" dirty="0"/>
+          </a:p>
+        </p:txBody>
+      </p:sp>
+      <p:grpSp>
+        <p:nvGrpSpPr>
+          <p:cNvPr id="78" name="Group 77"/>
+          <p:cNvGrpSpPr/>
+          <p:nvPr/>
+        </p:nvGrpSpPr>
+        <p:grpSpPr>
+          <a:xfrm>
+            <a:off x="914400" y="951104"/>
+            <a:ext cx="1828800" cy="5373496"/>
+            <a:chOff x="476250" y="951104"/>
+            <a:chExt cx="1828800" cy="5373496"/>
+          </a:xfrm>
+        </p:grpSpPr>
+        <p:sp>
+          <p:nvSpPr>
+            <p:cNvPr id="22" name="Rounded Rectangle 21"/>
+            <p:cNvSpPr/>
+            <p:nvPr/>
+          </p:nvSpPr>
+          <p:spPr>
+            <a:xfrm>
+              <a:off x="476250" y="2564470"/>
+              <a:ext cx="1828800" cy="533400"/>
+            </a:xfrm>
+            <a:prstGeom prst="roundRect">
+              <a:avLst/>
+            </a:prstGeom>
+          </p:spPr>
+          <p:style>
+            <a:lnRef idx="2">
+              <a:schemeClr val="accent2">
+                <a:shade val="50000"/>
+              </a:schemeClr>
+            </a:lnRef>
+            <a:fillRef idx="1">
+              <a:schemeClr val="accent2"/>
+            </a:fillRef>
+            <a:effectRef idx="0">
+              <a:schemeClr val="accent2"/>
+            </a:effectRef>
+            <a:fontRef idx="minor">
+              <a:schemeClr val="lt1"/>
+            </a:fontRef>
+          </p:style>
+          <p:txBody>
+            <a:bodyPr rtlCol="0" anchor="ctr"/>
+            <a:lstStyle/>
+            <a:p>
+              <a:pPr algn="ctr"/>
+              <a:r>
+                <a:rPr lang="en-US" dirty="0" smtClean="0"/>
+                <a:t>Mixed Data</a:t>
+              </a:r>
+              <a:endParaRPr lang="en-US" dirty="0"/>
+            </a:p>
+          </p:txBody>
+        </p:sp>
+        <p:sp>
+          <p:nvSpPr>
+            <p:cNvPr id="5" name="Rounded Rectangle 4"/>
+            <p:cNvSpPr/>
+            <p:nvPr/>
+          </p:nvSpPr>
+          <p:spPr>
+            <a:xfrm>
+              <a:off x="476250" y="951104"/>
+              <a:ext cx="1828800" cy="533400"/>
+            </a:xfrm>
+            <a:prstGeom prst="roundRect">
+              <a:avLst/>
+            </a:prstGeom>
+          </p:spPr>
+          <p:style>
+            <a:lnRef idx="0">
+              <a:schemeClr val="accent1"/>
+            </a:lnRef>
+            <a:fillRef idx="3">
+              <a:schemeClr val="accent1"/>
+            </a:fillRef>
+            <a:effectRef idx="3">
+              <a:schemeClr val="accent1"/>
+            </a:effectRef>
+            <a:fontRef idx="minor">
+              <a:schemeClr val="lt1"/>
+            </a:fontRef>
+          </p:style>
+          <p:txBody>
+            <a:bodyPr rtlCol="0" anchor="ctr"/>
+            <a:lstStyle/>
+            <a:p>
+              <a:pPr algn="ctr"/>
+              <a:r>
+                <a:rPr lang="en-US" dirty="0" smtClean="0"/>
+                <a:t>Data Representations</a:t>
+              </a:r>
+              <a:endParaRPr lang="en-US" dirty="0"/>
+            </a:p>
+          </p:txBody>
+        </p:sp>
+        <p:sp>
+          <p:nvSpPr>
+            <p:cNvPr id="12" name="Rounded Rectangle 11"/>
+            <p:cNvSpPr/>
+            <p:nvPr/>
+          </p:nvSpPr>
+          <p:spPr>
+            <a:xfrm>
+              <a:off x="476250" y="1757787"/>
+              <a:ext cx="1828800" cy="533400"/>
+            </a:xfrm>
+            <a:prstGeom prst="roundRect">
+              <a:avLst/>
+            </a:prstGeom>
+          </p:spPr>
+          <p:style>
+            <a:lnRef idx="2">
+              <a:schemeClr val="accent2">
+                <a:shade val="50000"/>
+              </a:schemeClr>
+            </a:lnRef>
+            <a:fillRef idx="1">
+              <a:schemeClr val="accent2"/>
+            </a:fillRef>
+            <a:effectRef idx="0">
+              <a:schemeClr val="accent2"/>
+            </a:effectRef>
+            <a:fontRef idx="minor">
+              <a:schemeClr val="lt1"/>
+            </a:fontRef>
+          </p:style>
+          <p:txBody>
+            <a:bodyPr rtlCol="0" anchor="ctr"/>
+            <a:lstStyle/>
+            <a:p>
+              <a:pPr algn="ctr"/>
+              <a:r>
+                <a:rPr lang="en-US" dirty="0" smtClean="0"/>
+                <a:t>Basics</a:t>
+              </a:r>
+              <a:endParaRPr lang="en-US" dirty="0"/>
+            </a:p>
+          </p:txBody>
+        </p:sp>
+        <p:sp>
+          <p:nvSpPr>
+            <p:cNvPr id="27" name="Rounded Rectangle 26"/>
+            <p:cNvSpPr/>
+            <p:nvPr/>
+          </p:nvSpPr>
+          <p:spPr>
+            <a:xfrm>
+              <a:off x="476250" y="3371153"/>
+              <a:ext cx="1828800" cy="533400"/>
+            </a:xfrm>
+            <a:prstGeom prst="roundRect">
+              <a:avLst/>
+            </a:prstGeom>
+            <a:solidFill>
+              <a:schemeClr val="accent1">
+                <a:lumMod val="20000"/>
+                <a:lumOff val="80000"/>
+              </a:schemeClr>
+            </a:solidFill>
+          </p:spPr>
+          <p:style>
+            <a:lnRef idx="1">
+              <a:schemeClr val="accent1"/>
+            </a:lnRef>
+            <a:fillRef idx="2">
+              <a:schemeClr val="accent1"/>
+            </a:fillRef>
+            <a:effectRef idx="1">
+              <a:schemeClr val="accent1"/>
+            </a:effectRef>
+            <a:fontRef idx="minor">
+              <a:schemeClr val="dk1"/>
+            </a:fontRef>
+          </p:style>
+          <p:txBody>
+            <a:bodyPr rtlCol="0" anchor="ctr"/>
+            <a:lstStyle/>
+            <a:p>
+              <a:pPr algn="ctr"/>
+              <a:r>
+                <a:rPr lang="en-US" dirty="0" smtClean="0"/>
+                <a:t>Recursive Data</a:t>
+              </a:r>
+              <a:endParaRPr lang="en-US" dirty="0"/>
+            </a:p>
+          </p:txBody>
+        </p:sp>
+        <p:sp>
+          <p:nvSpPr>
+            <p:cNvPr id="37" name="Rounded Rectangle 36"/>
+            <p:cNvSpPr/>
+            <p:nvPr/>
+          </p:nvSpPr>
+          <p:spPr>
+            <a:xfrm>
+              <a:off x="476250" y="4177836"/>
+              <a:ext cx="1828800" cy="533400"/>
+            </a:xfrm>
+            <a:prstGeom prst="roundRect">
+              <a:avLst/>
+            </a:prstGeom>
+            <a:solidFill>
+              <a:schemeClr val="accent1">
+                <a:lumMod val="20000"/>
+                <a:lumOff val="80000"/>
+              </a:schemeClr>
+            </a:solidFill>
+          </p:spPr>
+          <p:style>
+            <a:lnRef idx="1">
+              <a:schemeClr val="accent1"/>
+            </a:lnRef>
+            <a:fillRef idx="2">
+              <a:schemeClr val="accent1"/>
+            </a:fillRef>
+            <a:effectRef idx="1">
+              <a:schemeClr val="accent1"/>
+            </a:effectRef>
+            <a:fontRef idx="minor">
+              <a:schemeClr val="dk1"/>
+            </a:fontRef>
+          </p:style>
+          <p:txBody>
+            <a:bodyPr rtlCol="0" anchor="ctr"/>
+            <a:lstStyle/>
+            <a:p>
+              <a:pPr algn="ctr"/>
+              <a:r>
+                <a:rPr lang="en-US" dirty="0" smtClean="0"/>
+                <a:t>Functional Data</a:t>
+              </a:r>
+              <a:endParaRPr lang="en-US" dirty="0"/>
+            </a:p>
+          </p:txBody>
+        </p:sp>
+        <p:sp>
+          <p:nvSpPr>
+            <p:cNvPr id="42" name="Rounded Rectangle 41"/>
+            <p:cNvSpPr/>
+            <p:nvPr/>
+          </p:nvSpPr>
+          <p:spPr>
+            <a:xfrm>
+              <a:off x="476250" y="4984519"/>
+              <a:ext cx="1828800" cy="533400"/>
+            </a:xfrm>
+            <a:prstGeom prst="roundRect">
+              <a:avLst/>
+            </a:prstGeom>
+            <a:solidFill>
+              <a:schemeClr val="accent1">
+                <a:lumMod val="20000"/>
+                <a:lumOff val="80000"/>
+              </a:schemeClr>
+            </a:solidFill>
+          </p:spPr>
+          <p:style>
+            <a:lnRef idx="1">
+              <a:schemeClr val="accent1"/>
+            </a:lnRef>
+            <a:fillRef idx="2">
+              <a:schemeClr val="accent1"/>
+            </a:fillRef>
+            <a:effectRef idx="1">
+              <a:schemeClr val="accent1"/>
+            </a:effectRef>
+            <a:fontRef idx="minor">
+              <a:schemeClr val="dk1"/>
+            </a:fontRef>
+          </p:style>
+          <p:txBody>
+            <a:bodyPr rtlCol="0" anchor="ctr"/>
+            <a:lstStyle/>
+            <a:p>
+              <a:pPr algn="ctr"/>
+              <a:r>
+                <a:rPr lang="en-US" dirty="0" smtClean="0"/>
+                <a:t>Objects &amp; Classes</a:t>
+              </a:r>
+              <a:endParaRPr lang="en-US" dirty="0"/>
+            </a:p>
+          </p:txBody>
+        </p:sp>
+        <p:sp>
+          <p:nvSpPr>
+            <p:cNvPr id="47" name="Rounded Rectangle 46"/>
+            <p:cNvSpPr/>
+            <p:nvPr/>
+          </p:nvSpPr>
+          <p:spPr>
+            <a:xfrm>
+              <a:off x="476250" y="5791200"/>
+              <a:ext cx="1828800" cy="533400"/>
+            </a:xfrm>
+            <a:prstGeom prst="roundRect">
+              <a:avLst/>
+            </a:prstGeom>
+            <a:solidFill>
+              <a:schemeClr val="accent1">
+                <a:lumMod val="20000"/>
+                <a:lumOff val="80000"/>
+              </a:schemeClr>
+            </a:solidFill>
+          </p:spPr>
+          <p:style>
+            <a:lnRef idx="1">
+              <a:schemeClr val="accent1"/>
+            </a:lnRef>
+            <a:fillRef idx="2">
+              <a:schemeClr val="accent1"/>
+            </a:fillRef>
+            <a:effectRef idx="1">
+              <a:schemeClr val="accent1"/>
+            </a:effectRef>
+            <a:fontRef idx="minor">
+              <a:schemeClr val="dk1"/>
+            </a:fontRef>
+          </p:style>
+          <p:txBody>
+            <a:bodyPr rtlCol="0" anchor="ctr"/>
+            <a:lstStyle/>
+            <a:p>
+              <a:pPr algn="ctr"/>
+              <a:r>
+                <a:rPr lang="en-US" dirty="0" err="1" smtClean="0"/>
+                <a:t>Stateful</a:t>
+              </a:r>
+              <a:r>
+                <a:rPr lang="en-US" dirty="0" smtClean="0"/>
+                <a:t> Objects</a:t>
+              </a:r>
+              <a:endParaRPr lang="en-US" dirty="0"/>
+            </a:p>
+          </p:txBody>
+        </p:sp>
+        <p:cxnSp>
+          <p:nvCxnSpPr>
+            <p:cNvPr id="58" name="Straight Arrow Connector 57"/>
+            <p:cNvCxnSpPr>
+              <a:stCxn id="12" idx="2"/>
+              <a:endCxn id="22" idx="0"/>
+            </p:cNvCxnSpPr>
+            <p:nvPr/>
+          </p:nvCxnSpPr>
+          <p:spPr>
+            <a:xfrm>
+              <a:off x="1390650" y="2291187"/>
+              <a:ext cx="0" cy="273283"/>
+            </a:xfrm>
+            <a:prstGeom prst="straightConnector1">
+              <a:avLst/>
+            </a:prstGeom>
+            <a:ln>
+              <a:tailEnd type="triangle"/>
+            </a:ln>
+          </p:spPr>
+          <p:style>
+            <a:lnRef idx="1">
+              <a:schemeClr val="accent1"/>
+            </a:lnRef>
+            <a:fillRef idx="0">
+              <a:schemeClr val="accent1"/>
+            </a:fillRef>
+            <a:effectRef idx="0">
+              <a:schemeClr val="accent1"/>
+            </a:effectRef>
+            <a:fontRef idx="minor">
+              <a:schemeClr val="tx1"/>
+            </a:fontRef>
+          </p:style>
+        </p:cxnSp>
+        <p:cxnSp>
+          <p:nvCxnSpPr>
+            <p:cNvPr id="66" name="Straight Arrow Connector 65"/>
+            <p:cNvCxnSpPr>
+              <a:stCxn id="22" idx="2"/>
+              <a:endCxn id="27" idx="0"/>
+            </p:cNvCxnSpPr>
+            <p:nvPr/>
+          </p:nvCxnSpPr>
+          <p:spPr>
+            <a:xfrm>
+              <a:off x="1390650" y="3097870"/>
+              <a:ext cx="0" cy="273283"/>
+            </a:xfrm>
+            <a:prstGeom prst="straightConnector1">
+              <a:avLst/>
+            </a:prstGeom>
+            <a:ln>
+              <a:tailEnd type="triangle"/>
+            </a:ln>
+          </p:spPr>
+          <p:style>
+            <a:lnRef idx="1">
+              <a:schemeClr val="accent1"/>
+            </a:lnRef>
+            <a:fillRef idx="0">
+              <a:schemeClr val="accent1"/>
+            </a:fillRef>
+            <a:effectRef idx="0">
+              <a:schemeClr val="accent1"/>
+            </a:effectRef>
+            <a:fontRef idx="minor">
+              <a:schemeClr val="tx1"/>
+            </a:fontRef>
+          </p:style>
+        </p:cxnSp>
+      </p:grpSp>
+      <p:grpSp>
+        <p:nvGrpSpPr>
+          <p:cNvPr id="80" name="Group 79"/>
+          <p:cNvGrpSpPr/>
+          <p:nvPr/>
+        </p:nvGrpSpPr>
+        <p:grpSpPr>
+          <a:xfrm>
+            <a:off x="3657600" y="951104"/>
+            <a:ext cx="1828800" cy="5373496"/>
+            <a:chOff x="2598691" y="951104"/>
+            <a:chExt cx="1828800" cy="5373496"/>
+          </a:xfrm>
+        </p:grpSpPr>
+        <p:sp>
+          <p:nvSpPr>
+            <p:cNvPr id="6" name="Rounded Rectangle 5"/>
+            <p:cNvSpPr/>
+            <p:nvPr/>
+          </p:nvSpPr>
+          <p:spPr>
+            <a:xfrm>
+              <a:off x="2598691" y="951104"/>
+              <a:ext cx="1828800" cy="533400"/>
+            </a:xfrm>
+            <a:prstGeom prst="roundRect">
+              <a:avLst/>
+            </a:prstGeom>
+          </p:spPr>
+          <p:style>
+            <a:lnRef idx="0">
+              <a:schemeClr val="accent1"/>
+            </a:lnRef>
+            <a:fillRef idx="3">
+              <a:schemeClr val="accent1"/>
+            </a:fillRef>
+            <a:effectRef idx="3">
+              <a:schemeClr val="accent1"/>
+            </a:effectRef>
+            <a:fontRef idx="minor">
+              <a:schemeClr val="lt1"/>
+            </a:fontRef>
+          </p:style>
+          <p:txBody>
+            <a:bodyPr rtlCol="0" anchor="ctr"/>
+            <a:lstStyle/>
+            <a:p>
+              <a:pPr algn="ctr"/>
+              <a:r>
+                <a:rPr lang="en-US" dirty="0" smtClean="0"/>
+                <a:t>Design Strategies</a:t>
+              </a:r>
+              <a:endParaRPr lang="en-US" dirty="0"/>
+            </a:p>
+          </p:txBody>
+        </p:sp>
+        <p:sp>
+          <p:nvSpPr>
+            <p:cNvPr id="13" name="Rounded Rectangle 12"/>
+            <p:cNvSpPr/>
+            <p:nvPr/>
+          </p:nvSpPr>
+          <p:spPr>
+            <a:xfrm>
+              <a:off x="2598691" y="1757787"/>
+              <a:ext cx="1828800" cy="533400"/>
+            </a:xfrm>
+            <a:prstGeom prst="roundRect">
+              <a:avLst/>
+            </a:prstGeom>
+            <a:solidFill>
+              <a:schemeClr val="accent1">
+                <a:lumMod val="20000"/>
+                <a:lumOff val="80000"/>
+              </a:schemeClr>
+            </a:solidFill>
+          </p:spPr>
+          <p:style>
+            <a:lnRef idx="1">
+              <a:schemeClr val="accent1"/>
+            </a:lnRef>
+            <a:fillRef idx="2">
+              <a:schemeClr val="accent1"/>
+            </a:fillRef>
+            <a:effectRef idx="1">
+              <a:schemeClr val="accent1"/>
+            </a:effectRef>
+            <a:fontRef idx="minor">
+              <a:schemeClr val="dk1"/>
+            </a:fontRef>
+          </p:style>
+          <p:txBody>
+            <a:bodyPr rtlCol="0" anchor="ctr"/>
+            <a:lstStyle/>
+            <a:p>
+              <a:pPr algn="ctr"/>
+              <a:r>
+                <a:rPr lang="en-US" dirty="0" smtClean="0"/>
+                <a:t>Combine simpler functions</a:t>
+              </a:r>
+              <a:endParaRPr lang="en-US" dirty="0"/>
+            </a:p>
+          </p:txBody>
+        </p:sp>
+        <p:sp>
+          <p:nvSpPr>
+            <p:cNvPr id="23" name="Rounded Rectangle 22"/>
+            <p:cNvSpPr/>
+            <p:nvPr/>
+          </p:nvSpPr>
+          <p:spPr>
+            <a:xfrm>
+              <a:off x="2598691" y="2766140"/>
+              <a:ext cx="1828800" cy="533400"/>
+            </a:xfrm>
+            <a:prstGeom prst="roundRect">
+              <a:avLst/>
+            </a:prstGeom>
+          </p:spPr>
+          <p:style>
+            <a:lnRef idx="2">
+              <a:schemeClr val="accent2">
+                <a:shade val="50000"/>
+              </a:schemeClr>
+            </a:lnRef>
+            <a:fillRef idx="1">
+              <a:schemeClr val="accent2"/>
+            </a:fillRef>
+            <a:effectRef idx="0">
+              <a:schemeClr val="accent2"/>
+            </a:effectRef>
+            <a:fontRef idx="minor">
+              <a:schemeClr val="lt1"/>
+            </a:fontRef>
+          </p:style>
+          <p:txBody>
+            <a:bodyPr rtlCol="0" anchor="ctr"/>
+            <a:lstStyle/>
+            <a:p>
+              <a:pPr algn="ctr"/>
+              <a:r>
+                <a:rPr lang="en-US" dirty="0" smtClean="0"/>
+                <a:t>Use a template</a:t>
+              </a:r>
+              <a:endParaRPr lang="en-US" dirty="0"/>
+            </a:p>
+          </p:txBody>
+        </p:sp>
+        <p:sp>
+          <p:nvSpPr>
+            <p:cNvPr id="38" name="Rounded Rectangle 37"/>
+            <p:cNvSpPr/>
+            <p:nvPr/>
+          </p:nvSpPr>
+          <p:spPr>
+            <a:xfrm>
+              <a:off x="2598691" y="4782846"/>
+              <a:ext cx="1828800" cy="533400"/>
+            </a:xfrm>
+            <a:prstGeom prst="roundRect">
+              <a:avLst/>
+            </a:prstGeom>
+            <a:solidFill>
+              <a:schemeClr val="accent1">
+                <a:lumMod val="20000"/>
+                <a:lumOff val="80000"/>
+              </a:schemeClr>
+            </a:solidFill>
+          </p:spPr>
+          <p:style>
+            <a:lnRef idx="1">
+              <a:schemeClr val="accent1"/>
+            </a:lnRef>
+            <a:fillRef idx="2">
+              <a:schemeClr val="accent1"/>
+            </a:fillRef>
+            <a:effectRef idx="1">
+              <a:schemeClr val="accent1"/>
+            </a:effectRef>
+            <a:fontRef idx="minor">
+              <a:schemeClr val="dk1"/>
+            </a:fontRef>
+          </p:style>
+          <p:txBody>
+            <a:bodyPr rtlCol="0" anchor="ctr"/>
+            <a:lstStyle/>
+            <a:p>
+              <a:pPr algn="ctr"/>
+              <a:r>
+                <a:rPr lang="en-US" dirty="0" smtClean="0"/>
+                <a:t>Call a more general function</a:t>
+              </a:r>
+              <a:endParaRPr lang="en-US" dirty="0"/>
+            </a:p>
+          </p:txBody>
+        </p:sp>
+        <p:sp>
+          <p:nvSpPr>
+            <p:cNvPr id="48" name="Rounded Rectangle 47"/>
+            <p:cNvSpPr/>
+            <p:nvPr/>
+          </p:nvSpPr>
+          <p:spPr>
+            <a:xfrm>
+              <a:off x="2598691" y="5791200"/>
+              <a:ext cx="1828800" cy="533400"/>
+            </a:xfrm>
+            <a:prstGeom prst="roundRect">
+              <a:avLst/>
+            </a:prstGeom>
+            <a:solidFill>
+              <a:schemeClr val="accent1">
+                <a:lumMod val="20000"/>
+                <a:lumOff val="80000"/>
+              </a:schemeClr>
+            </a:solidFill>
+          </p:spPr>
+          <p:style>
+            <a:lnRef idx="1">
+              <a:schemeClr val="accent1"/>
+            </a:lnRef>
+            <a:fillRef idx="2">
+              <a:schemeClr val="accent1"/>
+            </a:fillRef>
+            <a:effectRef idx="1">
+              <a:schemeClr val="accent1"/>
+            </a:effectRef>
+            <a:fontRef idx="minor">
+              <a:schemeClr val="dk1"/>
+            </a:fontRef>
+          </p:style>
+          <p:txBody>
+            <a:bodyPr rtlCol="0" anchor="ctr"/>
+            <a:lstStyle/>
+            <a:p>
+              <a:pPr algn="ctr"/>
+              <a:r>
+                <a:rPr lang="en-US" dirty="0" smtClean="0"/>
+                <a:t>Communicate via State</a:t>
+              </a:r>
+              <a:endParaRPr lang="en-US" dirty="0"/>
+            </a:p>
+          </p:txBody>
+        </p:sp>
+        <p:cxnSp>
+          <p:nvCxnSpPr>
+            <p:cNvPr id="70" name="Straight Arrow Connector 69"/>
+            <p:cNvCxnSpPr>
+              <a:stCxn id="13" idx="2"/>
+              <a:endCxn id="23" idx="0"/>
+            </p:cNvCxnSpPr>
+            <p:nvPr/>
+          </p:nvCxnSpPr>
+          <p:spPr>
+            <a:xfrm>
+              <a:off x="3513091" y="2291187"/>
+              <a:ext cx="0" cy="474953"/>
+            </a:xfrm>
+            <a:prstGeom prst="straightConnector1">
+              <a:avLst/>
+            </a:prstGeom>
+            <a:ln>
+              <a:tailEnd type="triangle"/>
+            </a:ln>
+          </p:spPr>
+          <p:style>
+            <a:lnRef idx="1">
+              <a:schemeClr val="accent1"/>
+            </a:lnRef>
+            <a:fillRef idx="0">
+              <a:schemeClr val="accent1"/>
+            </a:fillRef>
+            <a:effectRef idx="0">
+              <a:schemeClr val="accent1"/>
+            </a:effectRef>
+            <a:fontRef idx="minor">
+              <a:schemeClr val="tx1"/>
+            </a:fontRef>
+          </p:style>
+        </p:cxnSp>
+        <p:cxnSp>
+          <p:nvCxnSpPr>
+            <p:cNvPr id="72" name="Straight Arrow Connector 71"/>
+            <p:cNvCxnSpPr>
+              <a:stCxn id="23" idx="2"/>
+            </p:cNvCxnSpPr>
+            <p:nvPr/>
+          </p:nvCxnSpPr>
+          <p:spPr>
+            <a:xfrm>
+              <a:off x="3513091" y="3299540"/>
+              <a:ext cx="0" cy="474953"/>
+            </a:xfrm>
+            <a:prstGeom prst="straightConnector1">
+              <a:avLst/>
+            </a:prstGeom>
+            <a:ln>
+              <a:tailEnd type="triangle"/>
+            </a:ln>
+          </p:spPr>
+          <p:style>
+            <a:lnRef idx="1">
+              <a:schemeClr val="accent1"/>
+            </a:lnRef>
+            <a:fillRef idx="0">
+              <a:schemeClr val="accent1"/>
+            </a:fillRef>
+            <a:effectRef idx="0">
+              <a:schemeClr val="accent1"/>
+            </a:effectRef>
+            <a:fontRef idx="minor">
+              <a:schemeClr val="tx1"/>
+            </a:fontRef>
+          </p:style>
+        </p:cxnSp>
+        <p:cxnSp>
+          <p:nvCxnSpPr>
+            <p:cNvPr id="74" name="Straight Arrow Connector 73"/>
+            <p:cNvCxnSpPr>
+              <a:endCxn id="38" idx="0"/>
+            </p:cNvCxnSpPr>
+            <p:nvPr/>
+          </p:nvCxnSpPr>
+          <p:spPr>
+            <a:xfrm>
+              <a:off x="3513091" y="4307893"/>
+              <a:ext cx="0" cy="474953"/>
+            </a:xfrm>
+            <a:prstGeom prst="straightConnector1">
+              <a:avLst/>
+            </a:prstGeom>
+            <a:ln>
+              <a:tailEnd type="triangle"/>
+            </a:ln>
+          </p:spPr>
+          <p:style>
+            <a:lnRef idx="1">
+              <a:schemeClr val="accent1"/>
+            </a:lnRef>
+            <a:fillRef idx="0">
+              <a:schemeClr val="accent1"/>
+            </a:fillRef>
+            <a:effectRef idx="0">
+              <a:schemeClr val="accent1"/>
+            </a:effectRef>
+            <a:fontRef idx="minor">
+              <a:schemeClr val="tx1"/>
+            </a:fontRef>
+          </p:style>
+        </p:cxnSp>
+        <p:cxnSp>
+          <p:nvCxnSpPr>
+            <p:cNvPr id="77" name="Straight Arrow Connector 76"/>
+            <p:cNvCxnSpPr>
+              <a:stCxn id="38" idx="2"/>
+              <a:endCxn id="48" idx="0"/>
+            </p:cNvCxnSpPr>
+            <p:nvPr/>
+          </p:nvCxnSpPr>
+          <p:spPr>
+            <a:xfrm>
+              <a:off x="3513091" y="5316246"/>
+              <a:ext cx="0" cy="474954"/>
+            </a:xfrm>
+            <a:prstGeom prst="straightConnector1">
+              <a:avLst/>
+            </a:prstGeom>
+            <a:ln>
+              <a:tailEnd type="triangle"/>
+            </a:ln>
+          </p:spPr>
+          <p:style>
+            <a:lnRef idx="1">
+              <a:schemeClr val="accent1"/>
+            </a:lnRef>
+            <a:fillRef idx="0">
+              <a:schemeClr val="accent1"/>
+            </a:fillRef>
+            <a:effectRef idx="0">
+              <a:schemeClr val="accent1"/>
+            </a:effectRef>
+            <a:fontRef idx="minor">
+              <a:schemeClr val="tx1"/>
+            </a:fontRef>
+          </p:style>
+        </p:cxnSp>
+      </p:grpSp>
+      <p:cxnSp>
+        <p:nvCxnSpPr>
+          <p:cNvPr id="88" name="Straight Arrow Connector 87"/>
+          <p:cNvCxnSpPr>
+            <a:stCxn id="7" idx="2"/>
+            <a:endCxn id="14" idx="0"/>
+          </p:cNvCxnSpPr>
+          <p:nvPr/>
+        </p:nvCxnSpPr>
+        <p:spPr>
+          <a:xfrm>
+            <a:off x="7315200" y="2291187"/>
+            <a:ext cx="0" cy="273283"/>
+          </a:xfrm>
+          <a:prstGeom prst="straightConnector1">
+            <a:avLst/>
+          </a:prstGeom>
+          <a:ln>
+            <a:tailEnd type="triangle"/>
+          </a:ln>
+        </p:spPr>
+        <p:style>
+          <a:lnRef idx="1">
+            <a:schemeClr val="accent1"/>
+          </a:lnRef>
+          <a:fillRef idx="0">
+            <a:schemeClr val="accent1"/>
+          </a:fillRef>
+          <a:effectRef idx="0">
+            <a:schemeClr val="accent1"/>
+          </a:effectRef>
+          <a:fontRef idx="minor">
+            <a:schemeClr val="tx1"/>
+          </a:fontRef>
+        </p:style>
+      </p:cxnSp>
+      <p:cxnSp>
+        <p:nvCxnSpPr>
+          <p:cNvPr id="92" name="Straight Arrow Connector 91"/>
+          <p:cNvCxnSpPr>
+            <a:stCxn id="14" idx="2"/>
+            <a:endCxn id="29" idx="0"/>
+          </p:cNvCxnSpPr>
+          <p:nvPr/>
+        </p:nvCxnSpPr>
+        <p:spPr>
+          <a:xfrm>
+            <a:off x="7315200" y="3097870"/>
+            <a:ext cx="0" cy="273283"/>
+          </a:xfrm>
+          <a:prstGeom prst="straightConnector1">
+            <a:avLst/>
+          </a:prstGeom>
+          <a:ln>
+            <a:tailEnd type="triangle"/>
+          </a:ln>
+        </p:spPr>
+        <p:style>
+          <a:lnRef idx="1">
+            <a:schemeClr val="accent1"/>
+          </a:lnRef>
+          <a:fillRef idx="0">
+            <a:schemeClr val="accent1"/>
+          </a:fillRef>
+          <a:effectRef idx="0">
+            <a:schemeClr val="accent1"/>
+          </a:effectRef>
+          <a:fontRef idx="minor">
+            <a:schemeClr val="tx1"/>
+          </a:fontRef>
+        </p:style>
+      </p:cxnSp>
+      <p:cxnSp>
+        <p:nvCxnSpPr>
+          <p:cNvPr id="98" name="Straight Arrow Connector 97"/>
+          <p:cNvCxnSpPr>
+            <a:stCxn id="29" idx="2"/>
+            <a:endCxn id="34" idx="0"/>
+          </p:cNvCxnSpPr>
+          <p:nvPr/>
+        </p:nvCxnSpPr>
+        <p:spPr>
+          <a:xfrm>
+            <a:off x="7315200" y="3904553"/>
+            <a:ext cx="0" cy="273283"/>
+          </a:xfrm>
+          <a:prstGeom prst="straightConnector1">
+            <a:avLst/>
+          </a:prstGeom>
+          <a:ln>
+            <a:tailEnd type="triangle"/>
+          </a:ln>
+        </p:spPr>
+        <p:style>
+          <a:lnRef idx="1">
+            <a:schemeClr val="accent1"/>
+          </a:lnRef>
+          <a:fillRef idx="0">
+            <a:schemeClr val="accent1"/>
+          </a:fillRef>
+          <a:effectRef idx="0">
+            <a:schemeClr val="accent1"/>
+          </a:effectRef>
+          <a:fontRef idx="minor">
+            <a:schemeClr val="tx1"/>
+          </a:fontRef>
+        </p:style>
+      </p:cxnSp>
+      <p:cxnSp>
+        <p:nvCxnSpPr>
+          <p:cNvPr id="100" name="Straight Arrow Connector 99"/>
+          <p:cNvCxnSpPr>
+            <a:stCxn id="34" idx="2"/>
+            <a:endCxn id="39" idx="0"/>
+          </p:cNvCxnSpPr>
+          <p:nvPr/>
+        </p:nvCxnSpPr>
+        <p:spPr>
+          <a:xfrm>
+            <a:off x="7315200" y="4711236"/>
+            <a:ext cx="0" cy="273283"/>
+          </a:xfrm>
+          <a:prstGeom prst="straightConnector1">
+            <a:avLst/>
+          </a:prstGeom>
+          <a:ln>
+            <a:tailEnd type="triangle"/>
+          </a:ln>
+        </p:spPr>
+        <p:style>
+          <a:lnRef idx="1">
+            <a:schemeClr val="accent1"/>
+          </a:lnRef>
+          <a:fillRef idx="0">
+            <a:schemeClr val="accent1"/>
+          </a:fillRef>
+          <a:effectRef idx="0">
+            <a:schemeClr val="accent1"/>
+          </a:effectRef>
+          <a:fontRef idx="minor">
+            <a:schemeClr val="tx1"/>
+          </a:fontRef>
+        </p:style>
+      </p:cxnSp>
+      <p:cxnSp>
+        <p:nvCxnSpPr>
+          <p:cNvPr id="102" name="Straight Arrow Connector 101"/>
+          <p:cNvCxnSpPr>
+            <a:stCxn id="39" idx="2"/>
+            <a:endCxn id="44" idx="0"/>
+          </p:cNvCxnSpPr>
+          <p:nvPr/>
+        </p:nvCxnSpPr>
+        <p:spPr>
+          <a:xfrm>
+            <a:off x="7315200" y="5517919"/>
+            <a:ext cx="0" cy="273281"/>
+          </a:xfrm>
+          <a:prstGeom prst="straightConnector1">
+            <a:avLst/>
+          </a:prstGeom>
+          <a:ln>
+            <a:tailEnd type="triangle"/>
+          </a:ln>
+        </p:spPr>
+        <p:style>
+          <a:lnRef idx="1">
+            <a:schemeClr val="accent1"/>
+          </a:lnRef>
+          <a:fillRef idx="0">
+            <a:schemeClr val="accent1"/>
+          </a:fillRef>
+          <a:effectRef idx="0">
+            <a:schemeClr val="accent1"/>
+          </a:effectRef>
+          <a:fontRef idx="minor">
+            <a:schemeClr val="tx1"/>
+          </a:fontRef>
+        </p:style>
+      </p:cxnSp>
+      <p:sp>
+        <p:nvSpPr>
+          <p:cNvPr id="103" name="Rounded Rectangle 102"/>
+          <p:cNvSpPr/>
+          <p:nvPr/>
+        </p:nvSpPr>
+        <p:spPr>
+          <a:xfrm>
+            <a:off x="5791200" y="417704"/>
+            <a:ext cx="3048000" cy="1066800"/>
+          </a:xfrm>
+          <a:prstGeom prst="roundRect">
+            <a:avLst/>
+          </a:prstGeom>
+          <a:noFill/>
+          <a:ln w="28575">
+            <a:solidFill>
+              <a:schemeClr val="accent2"/>
+            </a:solidFill>
+          </a:ln>
+        </p:spPr>
+        <p:style>
+          <a:lnRef idx="2">
+            <a:schemeClr val="accent1"/>
+          </a:lnRef>
+          <a:fillRef idx="1">
+            <a:schemeClr val="lt1"/>
+          </a:fillRef>
+          <a:effectRef idx="0">
+            <a:schemeClr val="accent1"/>
+          </a:effectRef>
+          <a:fontRef idx="minor">
+            <a:schemeClr val="dk1"/>
+          </a:fontRef>
+        </p:style>
+        <p:txBody>
+          <a:bodyPr rot="0" spcFirstLastPara="0" vertOverflow="overflow" horzOverflow="overflow" vert="horz" wrap="square" lIns="91440" tIns="45720" rIns="91440" bIns="45720" numCol="1" spcCol="0" rtlCol="0" fromWordArt="0" anchor="ctr" anchorCtr="0" forceAA="0" compatLnSpc="1">
+            <a:prstTxWarp prst="textNoShape">
+              <a:avLst/>
+            </a:prstTxWarp>
+            <a:noAutofit/>
+          </a:bodyPr>
+          <a:lstStyle/>
+          <a:p>
+            <a:pPr algn="ctr"/>
+            <a:r>
+              <a:rPr lang="en-US" sz="4400" dirty="0" smtClean="0"/>
+              <a:t>Module 02</a:t>
+            </a:r>
+            <a:endParaRPr lang="en-US" sz="4400" dirty="0">
+              <a:solidFill>
+                <a:schemeClr val="tx1"/>
+              </a:solidFill>
+            </a:endParaRPr>
+          </a:p>
+        </p:txBody>
+      </p:sp>
+      <p:cxnSp>
+        <p:nvCxnSpPr>
+          <p:cNvPr id="107" name="Straight Arrow Connector 106"/>
+          <p:cNvCxnSpPr>
+            <a:stCxn id="27" idx="2"/>
+            <a:endCxn id="37" idx="0"/>
+          </p:cNvCxnSpPr>
+          <p:nvPr/>
+        </p:nvCxnSpPr>
+        <p:spPr>
+          <a:xfrm>
+            <a:off x="1828800" y="3904553"/>
+            <a:ext cx="0" cy="273283"/>
+          </a:xfrm>
+          <a:prstGeom prst="straightConnector1">
+            <a:avLst/>
+          </a:prstGeom>
+          <a:ln>
+            <a:tailEnd type="triangle"/>
+          </a:ln>
+        </p:spPr>
+        <p:style>
+          <a:lnRef idx="1">
+            <a:schemeClr val="accent1"/>
+          </a:lnRef>
+          <a:fillRef idx="0">
+            <a:schemeClr val="accent1"/>
+          </a:fillRef>
+          <a:effectRef idx="0">
+            <a:schemeClr val="accent1"/>
+          </a:effectRef>
+          <a:fontRef idx="minor">
+            <a:schemeClr val="tx1"/>
+          </a:fontRef>
+        </p:style>
+      </p:cxnSp>
+      <p:cxnSp>
+        <p:nvCxnSpPr>
+          <p:cNvPr id="109" name="Straight Arrow Connector 108"/>
+          <p:cNvCxnSpPr>
+            <a:stCxn id="37" idx="2"/>
+            <a:endCxn id="42" idx="0"/>
+          </p:cNvCxnSpPr>
+          <p:nvPr/>
+        </p:nvCxnSpPr>
+        <p:spPr>
+          <a:xfrm>
+            <a:off x="1828800" y="4711236"/>
+            <a:ext cx="0" cy="273283"/>
+          </a:xfrm>
+          <a:prstGeom prst="straightConnector1">
+            <a:avLst/>
+          </a:prstGeom>
+          <a:ln>
+            <a:tailEnd type="triangle"/>
+          </a:ln>
+        </p:spPr>
+        <p:style>
+          <a:lnRef idx="1">
+            <a:schemeClr val="accent1"/>
+          </a:lnRef>
+          <a:fillRef idx="0">
+            <a:schemeClr val="accent1"/>
+          </a:fillRef>
+          <a:effectRef idx="0">
+            <a:schemeClr val="accent1"/>
+          </a:effectRef>
+          <a:fontRef idx="minor">
+            <a:schemeClr val="tx1"/>
+          </a:fontRef>
+        </p:style>
+      </p:cxnSp>
+      <p:cxnSp>
+        <p:nvCxnSpPr>
+          <p:cNvPr id="111" name="Straight Arrow Connector 110"/>
+          <p:cNvCxnSpPr>
+            <a:stCxn id="42" idx="2"/>
+            <a:endCxn id="47" idx="0"/>
+          </p:cNvCxnSpPr>
+          <p:nvPr/>
+        </p:nvCxnSpPr>
+        <p:spPr>
+          <a:xfrm>
+            <a:off x="1828800" y="5517919"/>
+            <a:ext cx="0" cy="273281"/>
+          </a:xfrm>
+          <a:prstGeom prst="straightConnector1">
+            <a:avLst/>
+          </a:prstGeom>
+          <a:ln>
+            <a:tailEnd type="triangle"/>
+          </a:ln>
+        </p:spPr>
+        <p:style>
+          <a:lnRef idx="1">
+            <a:schemeClr val="accent1"/>
+          </a:lnRef>
+          <a:fillRef idx="0">
+            <a:schemeClr val="accent1"/>
+          </a:fillRef>
+          <a:effectRef idx="0">
+            <a:schemeClr val="accent1"/>
+          </a:effectRef>
+          <a:fontRef idx="minor">
+            <a:schemeClr val="tx1"/>
+          </a:fontRef>
+        </p:style>
+      </p:cxnSp>
+      <p:cxnSp>
+        <p:nvCxnSpPr>
+          <p:cNvPr id="113" name="Elbow Connector 112"/>
+          <p:cNvCxnSpPr>
+            <a:stCxn id="38" idx="3"/>
+            <a:endCxn id="7" idx="1"/>
+          </p:cNvCxnSpPr>
+          <p:nvPr/>
+        </p:nvCxnSpPr>
+        <p:spPr>
+          <a:xfrm flipV="1">
+            <a:off x="5486400" y="2024487"/>
+            <a:ext cx="914400" cy="3025059"/>
+          </a:xfrm>
+          <a:prstGeom prst="bentConnector3">
+            <a:avLst>
+              <a:gd name="adj1" fmla="val 50000"/>
+            </a:avLst>
+          </a:prstGeom>
+          <a:ln w="38100">
+            <a:tailEnd type="triangle"/>
+          </a:ln>
+        </p:spPr>
+        <p:style>
+          <a:lnRef idx="1">
+            <a:schemeClr val="accent1"/>
+          </a:lnRef>
+          <a:fillRef idx="0">
+            <a:schemeClr val="accent1"/>
+          </a:fillRef>
+          <a:effectRef idx="0">
+            <a:schemeClr val="accent1"/>
+          </a:effectRef>
+          <a:fontRef idx="minor">
+            <a:schemeClr val="tx1"/>
+          </a:fontRef>
+        </p:style>
+      </p:cxnSp>
+      <p:sp>
+        <p:nvSpPr>
+          <p:cNvPr id="2" name="Slide Number Placeholder 1"/>
+          <p:cNvSpPr>
+            <a:spLocks noGrp="1"/>
+          </p:cNvSpPr>
+          <p:nvPr>
+            <p:ph type="sldNum" sz="quarter" idx="12"/>
+          </p:nvPr>
+        </p:nvSpPr>
+        <p:spPr/>
+        <p:txBody>
+          <a:bodyPr/>
+          <a:lstStyle/>
+          <a:p>
+            <a:fld id="{2AF3B5EA-18B6-4040-9F78-6052AF49C681}" type="slidenum">
+              <a:rPr lang="en-US" smtClean="0"/>
+              <a:t>2</a:t>
+            </a:fld>
+            <a:endParaRPr lang="en-US"/>
+          </a:p>
+        </p:txBody>
+      </p:sp>
+      <p:sp>
+        <p:nvSpPr>
+          <p:cNvPr id="43" name="Rounded Rectangle 42"/>
+          <p:cNvSpPr/>
+          <p:nvPr/>
+        </p:nvSpPr>
+        <p:spPr>
+          <a:xfrm>
+            <a:off x="3660228" y="3790560"/>
+            <a:ext cx="1828800" cy="533400"/>
+          </a:xfrm>
+          <a:prstGeom prst="roundRect">
+            <a:avLst/>
+          </a:prstGeom>
+        </p:spPr>
+        <p:style>
+          <a:lnRef idx="2">
+            <a:schemeClr val="accent2">
+              <a:shade val="50000"/>
+            </a:schemeClr>
+          </a:lnRef>
+          <a:fillRef idx="1">
+            <a:schemeClr val="accent2"/>
+          </a:fillRef>
+          <a:effectRef idx="0">
+            <a:schemeClr val="accent2"/>
+          </a:effectRef>
+          <a:fontRef idx="minor">
+            <a:schemeClr val="lt1"/>
+          </a:fontRef>
+        </p:style>
+        <p:txBody>
+          <a:bodyPr rtlCol="0" anchor="ctr"/>
+          <a:lstStyle/>
+          <a:p>
+            <a:pPr algn="ctr"/>
+            <a:r>
+              <a:rPr lang="en-US" dirty="0" smtClean="0"/>
+              <a:t>Divide into Cases</a:t>
+            </a:r>
+            <a:endParaRPr lang="en-US" dirty="0"/>
+          </a:p>
+        </p:txBody>
+      </p:sp>
+    </p:spTree>
+    <p:extLst>
+      <p:ext uri="{BB962C8B-B14F-4D97-AF65-F5344CB8AC3E}">
+        <p14:creationId xmlns:p14="http://schemas.microsoft.com/office/powerpoint/2010/main" val="2935606898"/>
+      </p:ext>
+    </p:extLst>
+  </p:cSld>
+  <p:clrMapOvr>
+    <a:masterClrMapping/>
+  </p:clrMapOvr>
+  <p:timing>
+    <p:tnLst>
+      <p:par>
+        <p:cTn id="1" dur="indefinite" restart="never" nodeType="tmRoot"/>
+      </p:par>
+    </p:tnLst>
+  </p:timing>
+</p:sld>
+</file>
+
+<file path=ppt/slides/slide20.xml><?xml version="1.0" encoding="utf-8"?>
+<p:sld xmlns:a="http://schemas.openxmlformats.org/drawingml/2006/main" xmlns:r="http://schemas.openxmlformats.org/officeDocument/2006/relationships" xmlns:p="http://schemas.openxmlformats.org/presentationml/2006/main">
+  <p:cSld>
+    <p:spTree>
+      <p:nvGrpSpPr>
+        <p:cNvPr id="1" name=""/>
+        <p:cNvGrpSpPr/>
+        <p:nvPr/>
+      </p:nvGrpSpPr>
+      <p:grpSpPr>
+        <a:xfrm>
+          <a:off x="0" y="0"/>
+          <a:ext cx="0" cy="0"/>
+          <a:chOff x="0" y="0"/>
+          <a:chExt cx="0" cy="0"/>
+        </a:xfrm>
+      </p:grpSpPr>
+      <p:sp>
+        <p:nvSpPr>
           <p:cNvPr id="2" name="Title 1"/>
           <p:cNvSpPr>
             <a:spLocks noGrp="1"/>
@@ -6103,7 +7867,7 @@
             <a:fld id="{B6F15528-21DE-4FAA-801E-634DDDAF4B2B}" type="slidenum">
               <a:rPr lang="en-US" smtClean="0"/>
               <a:pPr/>
-              <a:t>19</a:t>
+              <a:t>20</a:t>
             </a:fld>
             <a:endParaRPr lang="en-US"/>
           </a:p>
@@ -6223,11 +7987,6 @@
               </a:rPr>
               <a:t>Answer (from examples): “green”</a:t>
             </a:r>
-            <a:endParaRPr lang="en-US" sz="1400" dirty="0" smtClean="0">
-              <a:solidFill>
-                <a:schemeClr val="tx1"/>
-              </a:solidFill>
-            </a:endParaRPr>
           </a:p>
         </p:txBody>
       </p:sp>
@@ -6244,7 +8003,1034 @@
 </p:sld>
 </file>
 
-<file path=ppt/slides/slide2.xml><?xml version="1.0" encoding="utf-8"?>
+<file path=ppt/slides/slide21.xml><?xml version="1.0" encoding="utf-8"?>
+<p:sld xmlns:a="http://schemas.openxmlformats.org/drawingml/2006/main" xmlns:r="http://schemas.openxmlformats.org/officeDocument/2006/relationships" xmlns:p="http://schemas.openxmlformats.org/presentationml/2006/main">
+  <p:cSld>
+    <p:spTree>
+      <p:nvGrpSpPr>
+        <p:cNvPr id="1" name=""/>
+        <p:cNvGrpSpPr/>
+        <p:nvPr/>
+      </p:nvGrpSpPr>
+      <p:grpSpPr>
+        <a:xfrm>
+          <a:off x="0" y="0"/>
+          <a:ext cx="0" cy="0"/>
+          <a:chOff x="0" y="0"/>
+          <a:chExt cx="0" cy="0"/>
+        </a:xfrm>
+      </p:grpSpPr>
+      <p:sp>
+        <p:nvSpPr>
+          <p:cNvPr id="2" name="Title 1"/>
+          <p:cNvSpPr>
+            <a:spLocks noGrp="1"/>
+          </p:cNvSpPr>
+          <p:nvPr>
+            <p:ph type="title"/>
+          </p:nvPr>
+        </p:nvSpPr>
+        <p:spPr/>
+        <p:txBody>
+          <a:bodyPr>
+            <a:normAutofit/>
+          </a:bodyPr>
+          <a:lstStyle/>
+          <a:p>
+            <a:r>
+              <a:rPr lang="en-US" dirty="0" smtClean="0"/>
+              <a:t>4. Fill in the blanks</a:t>
+            </a:r>
+            <a:endParaRPr lang="en-US" dirty="0"/>
+          </a:p>
+        </p:txBody>
+      </p:sp>
+      <p:sp>
+        <p:nvSpPr>
+          <p:cNvPr id="3" name="Content Placeholder 2"/>
+          <p:cNvSpPr>
+            <a:spLocks noGrp="1"/>
+          </p:cNvSpPr>
+          <p:nvPr>
+            <p:ph idx="1"/>
+          </p:nvPr>
+        </p:nvSpPr>
+        <p:spPr/>
+        <p:txBody>
+          <a:bodyPr/>
+          <a:lstStyle/>
+          <a:p>
+            <a:r>
+              <a:rPr lang="en-US" dirty="0" smtClean="0"/>
+              <a:t>;; STRATEGY: Use template for </a:t>
+            </a:r>
+            <a:r>
+              <a:rPr lang="en-US" dirty="0" err="1" smtClean="0"/>
+              <a:t>TLState</a:t>
+            </a:r>
+            <a:r>
+              <a:rPr lang="en-US" dirty="0" smtClean="0"/>
+              <a:t> on state</a:t>
+            </a:r>
+          </a:p>
+          <a:p>
+            <a:endParaRPr lang="en-US" dirty="0" smtClean="0"/>
+          </a:p>
+          <a:p>
+            <a:r>
+              <a:rPr lang="en-US" dirty="0" smtClean="0"/>
+              <a:t>(</a:t>
+            </a:r>
+            <a:r>
+              <a:rPr lang="en-US" dirty="0"/>
+              <a:t>define </a:t>
+            </a:r>
+            <a:r>
+              <a:rPr lang="en-US" dirty="0" smtClean="0"/>
+              <a:t>(next-state state</a:t>
+            </a:r>
+            <a:r>
+              <a:rPr lang="en-US" dirty="0"/>
+              <a:t>)</a:t>
+            </a:r>
+          </a:p>
+          <a:p>
+            <a:r>
+              <a:rPr lang="en-US" dirty="0"/>
+              <a:t> (</a:t>
+            </a:r>
+            <a:r>
+              <a:rPr lang="en-US" dirty="0" err="1"/>
+              <a:t>cond</a:t>
+            </a:r>
+            <a:endParaRPr lang="en-US" dirty="0"/>
+          </a:p>
+          <a:p>
+            <a:r>
+              <a:rPr lang="en-US" dirty="0"/>
+              <a:t>   [(string=? state "red")    "</a:t>
+            </a:r>
+            <a:r>
+              <a:rPr lang="en-US" dirty="0" smtClean="0"/>
+              <a:t>green</a:t>
+            </a:r>
+            <a:r>
+              <a:rPr lang="en-US" dirty="0"/>
+              <a:t>"</a:t>
+            </a:r>
+            <a:r>
+              <a:rPr lang="en-US" dirty="0" smtClean="0"/>
+              <a:t>]</a:t>
+            </a:r>
+            <a:endParaRPr lang="en-US" dirty="0"/>
+          </a:p>
+          <a:p>
+            <a:r>
+              <a:rPr lang="en-US" dirty="0"/>
+              <a:t>   [(string=? state "yellow") </a:t>
+            </a:r>
+            <a:r>
+              <a:rPr lang="en-US" dirty="0" smtClean="0"/>
+              <a:t>"red"]</a:t>
+            </a:r>
+            <a:endParaRPr lang="en-US" dirty="0"/>
+          </a:p>
+          <a:p>
+            <a:r>
+              <a:rPr lang="en-US" dirty="0"/>
+              <a:t>   [(string=? state "green")  ...])) </a:t>
+            </a:r>
+          </a:p>
+          <a:p>
+            <a:endParaRPr lang="en-US" dirty="0"/>
+          </a:p>
+        </p:txBody>
+      </p:sp>
+      <p:sp>
+        <p:nvSpPr>
+          <p:cNvPr id="4" name="Slide Number Placeholder 3"/>
+          <p:cNvSpPr>
+            <a:spLocks noGrp="1"/>
+          </p:cNvSpPr>
+          <p:nvPr>
+            <p:ph type="sldNum" sz="quarter" idx="12"/>
+          </p:nvPr>
+        </p:nvSpPr>
+        <p:spPr/>
+        <p:txBody>
+          <a:bodyPr/>
+          <a:lstStyle/>
+          <a:p>
+            <a:fld id="{B6F15528-21DE-4FAA-801E-634DDDAF4B2B}" type="slidenum">
+              <a:rPr lang="en-US" smtClean="0"/>
+              <a:pPr/>
+              <a:t>21</a:t>
+            </a:fld>
+            <a:endParaRPr lang="en-US"/>
+          </a:p>
+        </p:txBody>
+      </p:sp>
+      <p:sp>
+        <p:nvSpPr>
+          <p:cNvPr id="5" name="Rectangle 4"/>
+          <p:cNvSpPr/>
+          <p:nvPr/>
+        </p:nvSpPr>
+        <p:spPr>
+          <a:xfrm>
+            <a:off x="6400800" y="2057400"/>
+            <a:ext cx="2057400" cy="609600"/>
+          </a:xfrm>
+          <a:prstGeom prst="rect">
+            <a:avLst/>
+          </a:prstGeom>
+          <a:solidFill>
+            <a:schemeClr val="accent3">
+              <a:lumMod val="40000"/>
+              <a:lumOff val="60000"/>
+            </a:schemeClr>
+          </a:solidFill>
+          <a:ln/>
+        </p:spPr>
+        <p:style>
+          <a:lnRef idx="2">
+            <a:schemeClr val="accent1"/>
+          </a:lnRef>
+          <a:fillRef idx="1">
+            <a:schemeClr val="lt1"/>
+          </a:fillRef>
+          <a:effectRef idx="0">
+            <a:schemeClr val="accent1"/>
+          </a:effectRef>
+          <a:fontRef idx="minor">
+            <a:schemeClr val="dk1"/>
+          </a:fontRef>
+        </p:style>
+        <p:txBody>
+          <a:bodyPr rot="0" spcFirstLastPara="0" vertOverflow="overflow" horzOverflow="overflow" vert="horz" wrap="square" lIns="91440" tIns="45720" rIns="91440" bIns="45720" numCol="1" spcCol="0" rtlCol="0" fromWordArt="0" anchor="t" anchorCtr="0" forceAA="0" compatLnSpc="1">
+            <a:prstTxWarp prst="textNoShape">
+              <a:avLst/>
+            </a:prstTxWarp>
+            <a:noAutofit/>
+          </a:bodyPr>
+          <a:lstStyle/>
+          <a:p>
+            <a:r>
+              <a:rPr lang="en-US" sz="1400" dirty="0" smtClean="0">
+                <a:solidFill>
+                  <a:schemeClr val="tx1"/>
+                </a:solidFill>
+              </a:rPr>
+              <a:t>What is the answer for “yellow”?</a:t>
+            </a:r>
+            <a:endParaRPr lang="en-US" sz="1400" dirty="0">
+              <a:solidFill>
+                <a:schemeClr val="tx1"/>
+              </a:solidFill>
+            </a:endParaRPr>
+          </a:p>
+        </p:txBody>
+      </p:sp>
+      <p:sp>
+        <p:nvSpPr>
+          <p:cNvPr id="6" name="Rectangle 5"/>
+          <p:cNvSpPr/>
+          <p:nvPr/>
+        </p:nvSpPr>
+        <p:spPr>
+          <a:xfrm>
+            <a:off x="6400800" y="3124200"/>
+            <a:ext cx="1905000" cy="762000"/>
+          </a:xfrm>
+          <a:prstGeom prst="rect">
+            <a:avLst/>
+          </a:prstGeom>
+          <a:solidFill>
+            <a:schemeClr val="accent3">
+              <a:lumMod val="40000"/>
+              <a:lumOff val="60000"/>
+            </a:schemeClr>
+          </a:solidFill>
+          <a:ln/>
+        </p:spPr>
+        <p:style>
+          <a:lnRef idx="2">
+            <a:schemeClr val="accent1"/>
+          </a:lnRef>
+          <a:fillRef idx="1">
+            <a:schemeClr val="lt1"/>
+          </a:fillRef>
+          <a:effectRef idx="0">
+            <a:schemeClr val="accent1"/>
+          </a:effectRef>
+          <a:fontRef idx="minor">
+            <a:schemeClr val="dk1"/>
+          </a:fontRef>
+        </p:style>
+        <p:txBody>
+          <a:bodyPr rot="0" spcFirstLastPara="0" vertOverflow="overflow" horzOverflow="overflow" vert="horz" wrap="square" lIns="91440" tIns="45720" rIns="91440" bIns="45720" numCol="1" spcCol="0" rtlCol="0" fromWordArt="0" anchor="t" anchorCtr="0" forceAA="0" compatLnSpc="1">
+            <a:prstTxWarp prst="textNoShape">
+              <a:avLst/>
+            </a:prstTxWarp>
+            <a:noAutofit/>
+          </a:bodyPr>
+          <a:lstStyle/>
+          <a:p>
+            <a:r>
+              <a:rPr lang="en-US" sz="1400" dirty="0" smtClean="0">
+                <a:solidFill>
+                  <a:schemeClr val="tx1"/>
+                </a:solidFill>
+              </a:rPr>
+              <a:t>Answer (from examples): “red”</a:t>
+            </a:r>
+          </a:p>
+        </p:txBody>
+      </p:sp>
+    </p:spTree>
+    <p:extLst>
+      <p:ext uri="{BB962C8B-B14F-4D97-AF65-F5344CB8AC3E}">
+        <p14:creationId xmlns:p14="http://schemas.microsoft.com/office/powerpoint/2010/main" val="2482857687"/>
+      </p:ext>
+    </p:extLst>
+  </p:cSld>
+  <p:clrMapOvr>
+    <a:masterClrMapping/>
+  </p:clrMapOvr>
+</p:sld>
+</file>
+
+<file path=ppt/slides/slide22.xml><?xml version="1.0" encoding="utf-8"?>
+<p:sld xmlns:a="http://schemas.openxmlformats.org/drawingml/2006/main" xmlns:r="http://schemas.openxmlformats.org/officeDocument/2006/relationships" xmlns:p="http://schemas.openxmlformats.org/presentationml/2006/main">
+  <p:cSld>
+    <p:spTree>
+      <p:nvGrpSpPr>
+        <p:cNvPr id="1" name=""/>
+        <p:cNvGrpSpPr/>
+        <p:nvPr/>
+      </p:nvGrpSpPr>
+      <p:grpSpPr>
+        <a:xfrm>
+          <a:off x="0" y="0"/>
+          <a:ext cx="0" cy="0"/>
+          <a:chOff x="0" y="0"/>
+          <a:chExt cx="0" cy="0"/>
+        </a:xfrm>
+      </p:grpSpPr>
+      <p:sp>
+        <p:nvSpPr>
+          <p:cNvPr id="2" name="Title 1"/>
+          <p:cNvSpPr>
+            <a:spLocks noGrp="1"/>
+          </p:cNvSpPr>
+          <p:nvPr>
+            <p:ph type="title"/>
+          </p:nvPr>
+        </p:nvSpPr>
+        <p:spPr/>
+        <p:txBody>
+          <a:bodyPr>
+            <a:normAutofit/>
+          </a:bodyPr>
+          <a:lstStyle/>
+          <a:p>
+            <a:r>
+              <a:rPr lang="en-US" dirty="0" smtClean="0"/>
+              <a:t>4. Fill in the blanks</a:t>
+            </a:r>
+            <a:endParaRPr lang="en-US" dirty="0"/>
+          </a:p>
+        </p:txBody>
+      </p:sp>
+      <p:sp>
+        <p:nvSpPr>
+          <p:cNvPr id="3" name="Content Placeholder 2"/>
+          <p:cNvSpPr>
+            <a:spLocks noGrp="1"/>
+          </p:cNvSpPr>
+          <p:nvPr>
+            <p:ph idx="1"/>
+          </p:nvPr>
+        </p:nvSpPr>
+        <p:spPr/>
+        <p:txBody>
+          <a:bodyPr/>
+          <a:lstStyle/>
+          <a:p>
+            <a:r>
+              <a:rPr lang="en-US" dirty="0" smtClean="0"/>
+              <a:t>;; STRATEGY: Use template for </a:t>
+            </a:r>
+            <a:r>
+              <a:rPr lang="en-US" dirty="0" err="1" smtClean="0"/>
+              <a:t>TLState</a:t>
+            </a:r>
+            <a:r>
+              <a:rPr lang="en-US" dirty="0" smtClean="0"/>
+              <a:t> on state</a:t>
+            </a:r>
+          </a:p>
+          <a:p>
+            <a:endParaRPr lang="en-US" dirty="0" smtClean="0"/>
+          </a:p>
+          <a:p>
+            <a:r>
+              <a:rPr lang="en-US" dirty="0" smtClean="0"/>
+              <a:t>(</a:t>
+            </a:r>
+            <a:r>
+              <a:rPr lang="en-US" dirty="0"/>
+              <a:t>define </a:t>
+            </a:r>
+            <a:r>
+              <a:rPr lang="en-US" dirty="0" smtClean="0"/>
+              <a:t>(next-state state</a:t>
+            </a:r>
+            <a:r>
+              <a:rPr lang="en-US" dirty="0"/>
+              <a:t>)</a:t>
+            </a:r>
+          </a:p>
+          <a:p>
+            <a:r>
+              <a:rPr lang="en-US" dirty="0"/>
+              <a:t> (</a:t>
+            </a:r>
+            <a:r>
+              <a:rPr lang="en-US" dirty="0" err="1"/>
+              <a:t>cond</a:t>
+            </a:r>
+            <a:endParaRPr lang="en-US" dirty="0"/>
+          </a:p>
+          <a:p>
+            <a:r>
+              <a:rPr lang="en-US" dirty="0"/>
+              <a:t>   [(string=? state "red")    "</a:t>
+            </a:r>
+            <a:r>
+              <a:rPr lang="en-US" dirty="0" smtClean="0"/>
+              <a:t>green</a:t>
+            </a:r>
+            <a:r>
+              <a:rPr lang="en-US" dirty="0"/>
+              <a:t>"</a:t>
+            </a:r>
+            <a:r>
+              <a:rPr lang="en-US" dirty="0" smtClean="0"/>
+              <a:t>]</a:t>
+            </a:r>
+            <a:endParaRPr lang="en-US" dirty="0"/>
+          </a:p>
+          <a:p>
+            <a:r>
+              <a:rPr lang="en-US" dirty="0"/>
+              <a:t>   [(string=? state "yellow") </a:t>
+            </a:r>
+            <a:r>
+              <a:rPr lang="en-US" dirty="0" smtClean="0"/>
+              <a:t>"red"]</a:t>
+            </a:r>
+            <a:endParaRPr lang="en-US" dirty="0"/>
+          </a:p>
+          <a:p>
+            <a:r>
+              <a:rPr lang="en-US" dirty="0"/>
+              <a:t>   [(string=? state "green")  </a:t>
+            </a:r>
+            <a:r>
+              <a:rPr lang="en-US" dirty="0" smtClean="0"/>
+              <a:t>"yellow"])) </a:t>
+            </a:r>
+            <a:endParaRPr lang="en-US" dirty="0"/>
+          </a:p>
+          <a:p>
+            <a:endParaRPr lang="en-US" dirty="0"/>
+          </a:p>
+        </p:txBody>
+      </p:sp>
+      <p:sp>
+        <p:nvSpPr>
+          <p:cNvPr id="4" name="Slide Number Placeholder 3"/>
+          <p:cNvSpPr>
+            <a:spLocks noGrp="1"/>
+          </p:cNvSpPr>
+          <p:nvPr>
+            <p:ph type="sldNum" sz="quarter" idx="12"/>
+          </p:nvPr>
+        </p:nvSpPr>
+        <p:spPr/>
+        <p:txBody>
+          <a:bodyPr/>
+          <a:lstStyle/>
+          <a:p>
+            <a:fld id="{B6F15528-21DE-4FAA-801E-634DDDAF4B2B}" type="slidenum">
+              <a:rPr lang="en-US" smtClean="0"/>
+              <a:pPr/>
+              <a:t>22</a:t>
+            </a:fld>
+            <a:endParaRPr lang="en-US"/>
+          </a:p>
+        </p:txBody>
+      </p:sp>
+      <p:sp>
+        <p:nvSpPr>
+          <p:cNvPr id="5" name="Rectangle 4"/>
+          <p:cNvSpPr/>
+          <p:nvPr/>
+        </p:nvSpPr>
+        <p:spPr>
+          <a:xfrm>
+            <a:off x="6400800" y="2057400"/>
+            <a:ext cx="2057400" cy="609600"/>
+          </a:xfrm>
+          <a:prstGeom prst="rect">
+            <a:avLst/>
+          </a:prstGeom>
+          <a:solidFill>
+            <a:schemeClr val="accent3">
+              <a:lumMod val="40000"/>
+              <a:lumOff val="60000"/>
+            </a:schemeClr>
+          </a:solidFill>
+          <a:ln/>
+        </p:spPr>
+        <p:style>
+          <a:lnRef idx="2">
+            <a:schemeClr val="accent1"/>
+          </a:lnRef>
+          <a:fillRef idx="1">
+            <a:schemeClr val="lt1"/>
+          </a:fillRef>
+          <a:effectRef idx="0">
+            <a:schemeClr val="accent1"/>
+          </a:effectRef>
+          <a:fontRef idx="minor">
+            <a:schemeClr val="dk1"/>
+          </a:fontRef>
+        </p:style>
+        <p:txBody>
+          <a:bodyPr rot="0" spcFirstLastPara="0" vertOverflow="overflow" horzOverflow="overflow" vert="horz" wrap="square" lIns="91440" tIns="45720" rIns="91440" bIns="45720" numCol="1" spcCol="0" rtlCol="0" fromWordArt="0" anchor="t" anchorCtr="0" forceAA="0" compatLnSpc="1">
+            <a:prstTxWarp prst="textNoShape">
+              <a:avLst/>
+            </a:prstTxWarp>
+            <a:noAutofit/>
+          </a:bodyPr>
+          <a:lstStyle/>
+          <a:p>
+            <a:r>
+              <a:rPr lang="en-US" sz="1400" dirty="0" smtClean="0">
+                <a:solidFill>
+                  <a:schemeClr val="tx1"/>
+                </a:solidFill>
+              </a:rPr>
+              <a:t>What is the answer for “green”?</a:t>
+            </a:r>
+            <a:endParaRPr lang="en-US" sz="1400" dirty="0">
+              <a:solidFill>
+                <a:schemeClr val="tx1"/>
+              </a:solidFill>
+            </a:endParaRPr>
+          </a:p>
+        </p:txBody>
+      </p:sp>
+      <p:sp>
+        <p:nvSpPr>
+          <p:cNvPr id="6" name="Rectangle 5"/>
+          <p:cNvSpPr/>
+          <p:nvPr/>
+        </p:nvSpPr>
+        <p:spPr>
+          <a:xfrm>
+            <a:off x="6400800" y="3124200"/>
+            <a:ext cx="1905000" cy="762000"/>
+          </a:xfrm>
+          <a:prstGeom prst="rect">
+            <a:avLst/>
+          </a:prstGeom>
+          <a:solidFill>
+            <a:schemeClr val="accent3">
+              <a:lumMod val="40000"/>
+              <a:lumOff val="60000"/>
+            </a:schemeClr>
+          </a:solidFill>
+          <a:ln/>
+        </p:spPr>
+        <p:style>
+          <a:lnRef idx="2">
+            <a:schemeClr val="accent1"/>
+          </a:lnRef>
+          <a:fillRef idx="1">
+            <a:schemeClr val="lt1"/>
+          </a:fillRef>
+          <a:effectRef idx="0">
+            <a:schemeClr val="accent1"/>
+          </a:effectRef>
+          <a:fontRef idx="minor">
+            <a:schemeClr val="dk1"/>
+          </a:fontRef>
+        </p:style>
+        <p:txBody>
+          <a:bodyPr rot="0" spcFirstLastPara="0" vertOverflow="overflow" horzOverflow="overflow" vert="horz" wrap="square" lIns="91440" tIns="45720" rIns="91440" bIns="45720" numCol="1" spcCol="0" rtlCol="0" fromWordArt="0" anchor="t" anchorCtr="0" forceAA="0" compatLnSpc="1">
+            <a:prstTxWarp prst="textNoShape">
+              <a:avLst/>
+            </a:prstTxWarp>
+            <a:noAutofit/>
+          </a:bodyPr>
+          <a:lstStyle/>
+          <a:p>
+            <a:r>
+              <a:rPr lang="en-US" sz="1400" dirty="0" smtClean="0">
+                <a:solidFill>
+                  <a:schemeClr val="tx1"/>
+                </a:solidFill>
+              </a:rPr>
+              <a:t>Answer (from examples): “yellow”</a:t>
+            </a:r>
+          </a:p>
+        </p:txBody>
+      </p:sp>
+    </p:spTree>
+    <p:extLst>
+      <p:ext uri="{BB962C8B-B14F-4D97-AF65-F5344CB8AC3E}">
+        <p14:creationId xmlns:p14="http://schemas.microsoft.com/office/powerpoint/2010/main" val="4239186397"/>
+      </p:ext>
+    </p:extLst>
+  </p:cSld>
+  <p:clrMapOvr>
+    <a:masterClrMapping/>
+  </p:clrMapOvr>
+</p:sld>
+</file>
+
+<file path=ppt/slides/slide23.xml><?xml version="1.0" encoding="utf-8"?>
+<p:sld xmlns:a="http://schemas.openxmlformats.org/drawingml/2006/main" xmlns:r="http://schemas.openxmlformats.org/officeDocument/2006/relationships" xmlns:p="http://schemas.openxmlformats.org/presentationml/2006/main">
+  <p:cSld>
+    <p:spTree>
+      <p:nvGrpSpPr>
+        <p:cNvPr id="1" name=""/>
+        <p:cNvGrpSpPr/>
+        <p:nvPr/>
+      </p:nvGrpSpPr>
+      <p:grpSpPr>
+        <a:xfrm>
+          <a:off x="0" y="0"/>
+          <a:ext cx="0" cy="0"/>
+          <a:chOff x="0" y="0"/>
+          <a:chExt cx="0" cy="0"/>
+        </a:xfrm>
+      </p:grpSpPr>
+      <p:sp>
+        <p:nvSpPr>
+          <p:cNvPr id="2" name="Title 1"/>
+          <p:cNvSpPr>
+            <a:spLocks noGrp="1"/>
+          </p:cNvSpPr>
+          <p:nvPr>
+            <p:ph type="title"/>
+          </p:nvPr>
+        </p:nvSpPr>
+        <p:spPr/>
+        <p:txBody>
+          <a:bodyPr/>
+          <a:lstStyle/>
+          <a:p>
+            <a:r>
+              <a:rPr lang="en-US" dirty="0" smtClean="0"/>
+              <a:t>Working with other kinds of data</a:t>
+            </a:r>
+            <a:endParaRPr lang="en-US" dirty="0"/>
+          </a:p>
+        </p:txBody>
+      </p:sp>
+      <p:sp>
+        <p:nvSpPr>
+          <p:cNvPr id="3" name="Content Placeholder 2"/>
+          <p:cNvSpPr>
+            <a:spLocks noGrp="1"/>
+          </p:cNvSpPr>
+          <p:nvPr>
+            <p:ph idx="1"/>
+          </p:nvPr>
+        </p:nvSpPr>
+        <p:spPr/>
+        <p:txBody>
+          <a:bodyPr/>
+          <a:lstStyle/>
+          <a:p>
+            <a:r>
+              <a:rPr lang="en-US" dirty="0" smtClean="0"/>
+              <a:t>We've seen how to use templates for compound data and itemization data</a:t>
+            </a:r>
+          </a:p>
+          <a:p>
+            <a:r>
+              <a:rPr lang="en-US" dirty="0" smtClean="0"/>
+              <a:t>Mixed data works the same way.</a:t>
+            </a:r>
+          </a:p>
+          <a:p>
+            <a:r>
+              <a:rPr lang="en-US" dirty="0" smtClean="0"/>
+              <a:t>Copy the template, uncomment it, and fill in the missing pieces.  That's it!</a:t>
+            </a:r>
+          </a:p>
+          <a:p>
+            <a:r>
+              <a:rPr lang="en-US" dirty="0" smtClean="0"/>
+              <a:t>If you've thought hard enough about your function, filling in the blanks is easy.</a:t>
+            </a:r>
+          </a:p>
+          <a:p>
+            <a:endParaRPr lang="en-US" dirty="0"/>
+          </a:p>
+        </p:txBody>
+      </p:sp>
+      <p:sp>
+        <p:nvSpPr>
+          <p:cNvPr id="4" name="Slide Number Placeholder 3"/>
+          <p:cNvSpPr>
+            <a:spLocks noGrp="1"/>
+          </p:cNvSpPr>
+          <p:nvPr>
+            <p:ph type="sldNum" sz="quarter" idx="12"/>
+          </p:nvPr>
+        </p:nvSpPr>
+        <p:spPr/>
+        <p:txBody>
+          <a:bodyPr/>
+          <a:lstStyle/>
+          <a:p>
+            <a:fld id="{B6F15528-21DE-4FAA-801E-634DDDAF4B2B}" type="slidenum">
+              <a:rPr lang="en-US" smtClean="0"/>
+              <a:pPr/>
+              <a:t>23</a:t>
+            </a:fld>
+            <a:endParaRPr lang="en-US"/>
+          </a:p>
+        </p:txBody>
+      </p:sp>
+    </p:spTree>
+    <p:extLst>
+      <p:ext uri="{BB962C8B-B14F-4D97-AF65-F5344CB8AC3E}">
+        <p14:creationId xmlns:p14="http://schemas.microsoft.com/office/powerpoint/2010/main" val="3267295143"/>
+      </p:ext>
+    </p:extLst>
+  </p:cSld>
+  <p:clrMapOvr>
+    <a:masterClrMapping/>
+  </p:clrMapOvr>
+  <p:timing>
+    <p:tnLst>
+      <p:par>
+        <p:cTn id="1" dur="indefinite" restart="never" nodeType="tmRoot"/>
+      </p:par>
+    </p:tnLst>
+  </p:timing>
+</p:sld>
+</file>
+
+<file path=ppt/slides/slide24.xml><?xml version="1.0" encoding="utf-8"?>
+<p:sld xmlns:a="http://schemas.openxmlformats.org/drawingml/2006/main" xmlns:r="http://schemas.openxmlformats.org/officeDocument/2006/relationships" xmlns:p="http://schemas.openxmlformats.org/presentationml/2006/main">
+  <p:cSld>
+    <p:spTree>
+      <p:nvGrpSpPr>
+        <p:cNvPr id="1" name=""/>
+        <p:cNvGrpSpPr/>
+        <p:nvPr/>
+      </p:nvGrpSpPr>
+      <p:grpSpPr>
+        <a:xfrm>
+          <a:off x="0" y="0"/>
+          <a:ext cx="0" cy="0"/>
+          <a:chOff x="0" y="0"/>
+          <a:chExt cx="0" cy="0"/>
+        </a:xfrm>
+      </p:grpSpPr>
+      <p:sp>
+        <p:nvSpPr>
+          <p:cNvPr id="2" name="Title 1"/>
+          <p:cNvSpPr>
+            <a:spLocks noGrp="1"/>
+          </p:cNvSpPr>
+          <p:nvPr>
+            <p:ph type="title"/>
+          </p:nvPr>
+        </p:nvSpPr>
+        <p:spPr/>
+        <p:txBody>
+          <a:bodyPr/>
+          <a:lstStyle/>
+          <a:p>
+            <a:r>
+              <a:rPr lang="en-US" dirty="0" smtClean="0"/>
+              <a:t>What can you put in the blanks?</a:t>
+            </a:r>
+            <a:endParaRPr lang="en-US" dirty="0"/>
+          </a:p>
+        </p:txBody>
+      </p:sp>
+      <p:sp>
+        <p:nvSpPr>
+          <p:cNvPr id="3" name="Content Placeholder 2"/>
+          <p:cNvSpPr>
+            <a:spLocks noGrp="1"/>
+          </p:cNvSpPr>
+          <p:nvPr>
+            <p:ph idx="1"/>
+          </p:nvPr>
+        </p:nvSpPr>
+        <p:spPr/>
+        <p:txBody>
+          <a:bodyPr>
+            <a:normAutofit/>
+          </a:bodyPr>
+          <a:lstStyle/>
+          <a:p>
+            <a:r>
+              <a:rPr lang="en-US" dirty="0" smtClean="0"/>
+              <a:t>We said: </a:t>
+            </a:r>
+            <a:r>
+              <a:rPr lang="en-US" dirty="0"/>
+              <a:t>Fill in the blanks in the template by combining the arguments and the values of the fields using simpler functions</a:t>
+            </a:r>
+            <a:r>
+              <a:rPr lang="en-US" dirty="0" smtClean="0"/>
+              <a:t>.</a:t>
+            </a:r>
+          </a:p>
+          <a:p>
+            <a:r>
+              <a:rPr lang="en-US" dirty="0" smtClean="0"/>
+              <a:t>This means :</a:t>
+            </a:r>
+          </a:p>
+          <a:p>
+            <a:pPr lvl="1"/>
+            <a:r>
+              <a:rPr lang="en-US" dirty="0" smtClean="0"/>
+              <a:t>You don't have to use all of the fields</a:t>
+            </a:r>
+          </a:p>
+          <a:p>
+            <a:pPr lvl="1"/>
+            <a:r>
+              <a:rPr lang="en-US" dirty="0" smtClean="0"/>
+              <a:t>You can use a field twice</a:t>
+            </a:r>
+          </a:p>
+          <a:p>
+            <a:pPr lvl="1"/>
+            <a:r>
+              <a:rPr lang="en-US" dirty="0" smtClean="0"/>
+              <a:t>You don't have to use the fields "in order"</a:t>
+            </a:r>
+          </a:p>
+          <a:p>
+            <a:r>
+              <a:rPr lang="en-US" dirty="0" smtClean="0"/>
+              <a:t>But it has to be simple, as in Lesson 1.7</a:t>
+            </a:r>
+          </a:p>
+          <a:p>
+            <a:endParaRPr lang="en-US" dirty="0"/>
+          </a:p>
+        </p:txBody>
+      </p:sp>
+      <p:sp>
+        <p:nvSpPr>
+          <p:cNvPr id="4" name="Slide Number Placeholder 3"/>
+          <p:cNvSpPr>
+            <a:spLocks noGrp="1"/>
+          </p:cNvSpPr>
+          <p:nvPr>
+            <p:ph type="sldNum" sz="quarter" idx="12"/>
+          </p:nvPr>
+        </p:nvSpPr>
+        <p:spPr/>
+        <p:txBody>
+          <a:bodyPr/>
+          <a:lstStyle/>
+          <a:p>
+            <a:fld id="{B6F15528-21DE-4FAA-801E-634DDDAF4B2B}" type="slidenum">
+              <a:rPr lang="en-US" smtClean="0"/>
+              <a:pPr/>
+              <a:t>24</a:t>
+            </a:fld>
+            <a:endParaRPr lang="en-US"/>
+          </a:p>
+        </p:txBody>
+      </p:sp>
+    </p:spTree>
+    <p:extLst>
+      <p:ext uri="{BB962C8B-B14F-4D97-AF65-F5344CB8AC3E}">
+        <p14:creationId xmlns:p14="http://schemas.microsoft.com/office/powerpoint/2010/main" val="1027805915"/>
+      </p:ext>
+    </p:extLst>
+  </p:cSld>
+  <p:clrMapOvr>
+    <a:masterClrMapping/>
+  </p:clrMapOvr>
+  <p:timing>
+    <p:tnLst>
+      <p:par>
+        <p:cTn id="1" dur="indefinite" restart="never" nodeType="tmRoot"/>
+      </p:par>
+    </p:tnLst>
+  </p:timing>
+</p:sld>
+</file>
+
+<file path=ppt/slides/slide25.xml><?xml version="1.0" encoding="utf-8"?>
+<p:sld xmlns:a="http://schemas.openxmlformats.org/drawingml/2006/main" xmlns:r="http://schemas.openxmlformats.org/officeDocument/2006/relationships" xmlns:p="http://schemas.openxmlformats.org/presentationml/2006/main">
+  <p:cSld>
+    <p:spTree>
+      <p:nvGrpSpPr>
+        <p:cNvPr id="1" name=""/>
+        <p:cNvGrpSpPr/>
+        <p:nvPr/>
+      </p:nvGrpSpPr>
+      <p:grpSpPr>
+        <a:xfrm>
+          <a:off x="0" y="0"/>
+          <a:ext cx="0" cy="0"/>
+          <a:chOff x="0" y="0"/>
+          <a:chExt cx="0" cy="0"/>
+        </a:xfrm>
+      </p:grpSpPr>
+      <p:sp>
+        <p:nvSpPr>
+          <p:cNvPr id="2" name="Title 1"/>
+          <p:cNvSpPr>
+            <a:spLocks noGrp="1"/>
+          </p:cNvSpPr>
+          <p:nvPr>
+            <p:ph type="title"/>
+          </p:nvPr>
+        </p:nvSpPr>
+        <p:spPr/>
+        <p:txBody>
+          <a:bodyPr/>
+          <a:lstStyle/>
+          <a:p>
+            <a:r>
+              <a:rPr lang="en-US" dirty="0" smtClean="0"/>
+              <a:t>Next Steps</a:t>
+            </a:r>
+            <a:endParaRPr lang="en-US" dirty="0"/>
+          </a:p>
+        </p:txBody>
+      </p:sp>
+      <p:sp>
+        <p:nvSpPr>
+          <p:cNvPr id="3" name="Content Placeholder 2"/>
+          <p:cNvSpPr>
+            <a:spLocks noGrp="1"/>
+          </p:cNvSpPr>
+          <p:nvPr>
+            <p:ph idx="1"/>
+          </p:nvPr>
+        </p:nvSpPr>
+        <p:spPr/>
+        <p:txBody>
+          <a:bodyPr/>
+          <a:lstStyle/>
+          <a:p>
+            <a:r>
+              <a:rPr lang="en-US" dirty="0" smtClean="0"/>
+              <a:t>Study 02-1-book-receipts.rkt and 02-2-traffic-light.rkt in the Examples folder.</a:t>
+            </a:r>
+          </a:p>
+          <a:p>
+            <a:pPr lvl="1"/>
+            <a:r>
+              <a:rPr lang="en-US" dirty="0" smtClean="0"/>
+              <a:t>Be sure to finish the </a:t>
+            </a:r>
+            <a:r>
+              <a:rPr lang="en-US" b="1" dirty="0" smtClean="0"/>
+              <a:t>previous-state</a:t>
+            </a:r>
+            <a:r>
+              <a:rPr lang="en-US" dirty="0" smtClean="0"/>
+              <a:t> example in 02-2-traffic-light.rkt</a:t>
+            </a:r>
+          </a:p>
+          <a:p>
+            <a:r>
+              <a:rPr lang="en-US" dirty="0" smtClean="0"/>
+              <a:t>If </a:t>
+            </a:r>
+            <a:r>
+              <a:rPr lang="en-US" dirty="0"/>
+              <a:t>you have questions or comments about this lesson, post them on the discussion board</a:t>
+            </a:r>
+            <a:r>
+              <a:rPr lang="en-US" dirty="0" smtClean="0"/>
+              <a:t>.</a:t>
+            </a:r>
+          </a:p>
+          <a:p>
+            <a:r>
+              <a:rPr lang="en-US" dirty="0" smtClean="0"/>
+              <a:t>Do the Guided Practices</a:t>
+            </a:r>
+            <a:endParaRPr lang="en-US" dirty="0"/>
+          </a:p>
+          <a:p>
+            <a:r>
+              <a:rPr lang="en-US" dirty="0" smtClean="0"/>
+              <a:t>Go on to the next lesson.</a:t>
+            </a:r>
+            <a:endParaRPr lang="en-US" dirty="0"/>
+          </a:p>
+        </p:txBody>
+      </p:sp>
+      <p:sp>
+        <p:nvSpPr>
+          <p:cNvPr id="4" name="Slide Number Placeholder 3"/>
+          <p:cNvSpPr>
+            <a:spLocks noGrp="1"/>
+          </p:cNvSpPr>
+          <p:nvPr>
+            <p:ph type="sldNum" sz="quarter" idx="12"/>
+          </p:nvPr>
+        </p:nvSpPr>
+        <p:spPr/>
+        <p:txBody>
+          <a:bodyPr/>
+          <a:lstStyle/>
+          <a:p>
+            <a:fld id="{B6F15528-21DE-4FAA-801E-634DDDAF4B2B}" type="slidenum">
+              <a:rPr lang="en-US" smtClean="0"/>
+              <a:pPr/>
+              <a:t>25</a:t>
+            </a:fld>
+            <a:endParaRPr lang="en-US"/>
+          </a:p>
+        </p:txBody>
+      </p:sp>
+    </p:spTree>
+    <p:extLst>
+      <p:ext uri="{BB962C8B-B14F-4D97-AF65-F5344CB8AC3E}">
+        <p14:creationId xmlns:p14="http://schemas.microsoft.com/office/powerpoint/2010/main" val="106515105"/>
+      </p:ext>
+    </p:extLst>
+  </p:cSld>
+  <p:clrMapOvr>
+    <a:masterClrMapping/>
+  </p:clrMapOvr>
+  <p:timing>
+    <p:tnLst>
+      <p:par>
+        <p:cTn id="1" dur="indefinite" restart="never" nodeType="tmRoot"/>
+      </p:par>
+    </p:tnLst>
+  </p:timing>
+</p:sld>
+</file>
+
+<file path=ppt/slides/slide3.xml><?xml version="1.0" encoding="utf-8"?>
 <p:sld xmlns:a="http://schemas.openxmlformats.org/drawingml/2006/main" xmlns:r="http://schemas.openxmlformats.org/officeDocument/2006/relationships" xmlns:p="http://schemas.openxmlformats.org/presentationml/2006/main">
   <p:cSld>
     <p:spTree>
@@ -7057,7 +9843,7 @@
               <a:pPr algn="ctr"/>
               <a:r>
                 <a:rPr lang="en-US" dirty="0" smtClean="0"/>
-                <a:t>Function Composition</a:t>
+                <a:t>Combine simpler functions</a:t>
               </a:r>
               <a:endParaRPr lang="en-US" dirty="0"/>
             </a:p>
@@ -7101,55 +9887,7 @@
               <a:pPr algn="ctr"/>
               <a:r>
                 <a:rPr lang="en-US" dirty="0" smtClean="0"/>
-                <a:t>Structural Decomposition</a:t>
-              </a:r>
-              <a:endParaRPr lang="en-US" dirty="0"/>
-            </a:p>
-          </p:txBody>
-        </p:sp>
-        <p:sp>
-          <p:nvSpPr>
-            <p:cNvPr id="28" name="Rounded Rectangle 27"/>
-            <p:cNvSpPr/>
-            <p:nvPr/>
-          </p:nvSpPr>
-          <p:spPr>
-            <a:xfrm>
-              <a:off x="2598691" y="3774493"/>
-              <a:ext cx="1828800" cy="533400"/>
-            </a:xfrm>
-            <a:prstGeom prst="roundRect">
-              <a:avLst/>
-            </a:prstGeom>
-            <a:solidFill>
-              <a:schemeClr val="accent1">
-                <a:lumMod val="20000"/>
-                <a:lumOff val="80000"/>
-              </a:schemeClr>
-            </a:solidFill>
-          </p:spPr>
-          <p:style>
-            <a:lnRef idx="1">
-              <a:schemeClr val="accent1"/>
-            </a:lnRef>
-            <a:fillRef idx="2">
-              <a:schemeClr val="accent1"/>
-            </a:fillRef>
-            <a:effectRef idx="1">
-              <a:schemeClr val="accent1"/>
-            </a:effectRef>
-            <a:fontRef idx="minor">
-              <a:schemeClr val="dk1"/>
-            </a:fontRef>
-          </p:style>
-          <p:txBody>
-            <a:bodyPr rtlCol="0" anchor="ctr"/>
-            <a:lstStyle/>
-            <a:p>
-              <a:pPr algn="ctr"/>
-              <a:r>
-                <a:rPr lang="en-US" dirty="0" smtClean="0"/>
-                <a:t>Generalization</a:t>
+                <a:t>Use a template</a:t>
               </a:r>
               <a:endParaRPr lang="en-US" dirty="0"/>
             </a:p>
@@ -7197,7 +9935,7 @@
               <a:pPr algn="ctr"/>
               <a:r>
                 <a:rPr lang="en-US" dirty="0" smtClean="0"/>
-                <a:t>General Recursion</a:t>
+                <a:t>Call a more general function</a:t>
               </a:r>
               <a:endParaRPr lang="en-US" dirty="0"/>
             </a:p>
@@ -7245,7 +9983,7 @@
               <a:pPr algn="ctr"/>
               <a:r>
                 <a:rPr lang="en-US" dirty="0" smtClean="0"/>
-                <a:t>Communication via State</a:t>
+                <a:t>Communicate via State</a:t>
               </a:r>
               <a:endParaRPr lang="en-US" dirty="0"/>
             </a:p>
@@ -7292,7 +10030,6 @@
             <p:cNvPr id="72" name="Straight Arrow Connector 71"/>
             <p:cNvCxnSpPr>
               <a:stCxn id="23" idx="2"/>
-              <a:endCxn id="28" idx="0"/>
             </p:cNvCxnSpPr>
             <p:nvPr/>
           </p:nvCxnSpPr>
@@ -7327,7 +10064,6 @@
           <p:nvCxnSpPr>
             <p:cNvPr id="74" name="Straight Arrow Connector 73"/>
             <p:cNvCxnSpPr>
-              <a:stCxn id="28" idx="2"/>
               <a:endCxn id="38" idx="0"/>
             </p:cNvCxnSpPr>
             <p:nvPr/>
@@ -7623,7 +10359,7 @@
             <a:pPr algn="ctr"/>
             <a:r>
               <a:rPr lang="en-US" sz="4400" dirty="0" smtClean="0"/>
-              <a:t>Module 02</a:t>
+              <a:t>Lesson 2.1</a:t>
             </a:r>
             <a:endParaRPr lang="en-US" sz="4400" dirty="0">
               <a:solidFill>
@@ -7745,7 +10481,7 @@
         <p:nvCxnSpPr>
           <p:cNvPr id="113" name="Elbow Connector 112"/>
           <p:cNvCxnSpPr>
-            <a:stCxn id="28" idx="3"/>
+            <a:stCxn id="38" idx="3"/>
             <a:endCxn id="7" idx="1"/>
           </p:cNvCxnSpPr>
           <p:nvPr/>
@@ -7753,7 +10489,7 @@
         <p:spPr>
           <a:xfrm flipV="1">
             <a:off x="5486400" y="2024487"/>
-            <a:ext cx="914400" cy="2016706"/>
+            <a:ext cx="914400" cy="3025059"/>
           </a:xfrm>
           <a:prstGeom prst="bentConnector3">
             <a:avLst>
@@ -7781,41 +10517,60 @@
       </p:cxnSp>
       <p:sp>
         <p:nvSpPr>
-          <p:cNvPr id="40" name="Rounded Rectangle 39"/>
+          <p:cNvPr id="2" name="Slide Number Placeholder 1"/>
+          <p:cNvSpPr>
+            <a:spLocks noGrp="1"/>
+          </p:cNvSpPr>
+          <p:nvPr>
+            <p:ph type="sldNum" sz="quarter" idx="12"/>
+          </p:nvPr>
+        </p:nvSpPr>
+        <p:spPr/>
+        <p:txBody>
+          <a:bodyPr/>
+          <a:lstStyle/>
+          <a:p>
+            <a:fld id="{2AF3B5EA-18B6-4040-9F78-6052AF49C681}" type="slidenum">
+              <a:rPr lang="en-US" smtClean="0"/>
+              <a:t>3</a:t>
+            </a:fld>
+            <a:endParaRPr lang="en-US"/>
+          </a:p>
+        </p:txBody>
+      </p:sp>
+      <p:sp>
+        <p:nvSpPr>
+          <p:cNvPr id="43" name="Rounded Rectangle 42"/>
           <p:cNvSpPr/>
           <p:nvPr/>
         </p:nvSpPr>
         <p:spPr>
           <a:xfrm>
-            <a:off x="3657599" y="2792694"/>
-            <a:ext cx="1828800" cy="506845"/>
+            <a:off x="3660228" y="3790560"/>
+            <a:ext cx="1828800" cy="533400"/>
           </a:xfrm>
           <a:prstGeom prst="roundRect">
-            <a:avLst>
-              <a:gd name="adj" fmla="val 4685"/>
-            </a:avLst>
+            <a:avLst/>
           </a:prstGeom>
-          <a:noFill/>
-          <a:ln w="38100">
-            <a:solidFill>
-              <a:srgbClr val="AC0000"/>
-            </a:solidFill>
-          </a:ln>
+          <a:solidFill>
+            <a:schemeClr val="accent1">
+              <a:lumMod val="20000"/>
+              <a:lumOff val="80000"/>
+            </a:schemeClr>
+          </a:solidFill>
         </p:spPr>
         <p:style>
-          <a:lnRef idx="2">
-            <a:schemeClr val="accent1">
-              <a:shade val="50000"/>
-            </a:schemeClr>
+          <a:lnRef idx="1">
+            <a:schemeClr val="accent1"/>
           </a:lnRef>
-          <a:fillRef idx="1">
+          <a:fillRef idx="2">
             <a:schemeClr val="accent1"/>
           </a:fillRef>
-          <a:effectRef idx="0">
+          <a:effectRef idx="1">
             <a:schemeClr val="accent1"/>
           </a:effectRef>
           <a:fontRef idx="minor">
-            <a:schemeClr val="lt1"/>
+            <a:schemeClr val="dk1"/>
           </a:fontRef>
         </p:style>
         <p:txBody>
@@ -7823,62 +10578,18 @@
           <a:lstStyle/>
           <a:p>
             <a:pPr algn="ctr"/>
-            <a:endParaRPr lang="en-US"/>
-          </a:p>
-        </p:txBody>
-      </p:sp>
-      <p:sp>
-        <p:nvSpPr>
-          <p:cNvPr id="41" name="Rounded Rectangle 40"/>
-          <p:cNvSpPr/>
-          <p:nvPr/>
-        </p:nvSpPr>
-        <p:spPr>
-          <a:xfrm>
-            <a:off x="914400" y="1764481"/>
-            <a:ext cx="1828800" cy="506845"/>
-          </a:xfrm>
-          <a:prstGeom prst="roundRect">
-            <a:avLst>
-              <a:gd name="adj" fmla="val 4685"/>
-            </a:avLst>
-          </a:prstGeom>
-          <a:noFill/>
-          <a:ln w="38100">
-            <a:solidFill>
-              <a:srgbClr val="AC0000"/>
-            </a:solidFill>
-          </a:ln>
-        </p:spPr>
-        <p:style>
-          <a:lnRef idx="2">
-            <a:schemeClr val="accent1">
-              <a:shade val="50000"/>
-            </a:schemeClr>
-          </a:lnRef>
-          <a:fillRef idx="1">
-            <a:schemeClr val="accent1"/>
-          </a:fillRef>
-          <a:effectRef idx="0">
-            <a:schemeClr val="accent1"/>
-          </a:effectRef>
-          <a:fontRef idx="minor">
-            <a:schemeClr val="lt1"/>
-          </a:fontRef>
-        </p:style>
-        <p:txBody>
-          <a:bodyPr rtlCol="0" anchor="ctr"/>
-          <a:lstStyle/>
-          <a:p>
-            <a:pPr algn="ctr"/>
-            <a:endParaRPr lang="en-US"/>
+            <a:r>
+              <a:rPr lang="en-US" dirty="0" smtClean="0"/>
+              <a:t>Divide into Cases</a:t>
+            </a:r>
+            <a:endParaRPr lang="en-US" dirty="0"/>
           </a:p>
         </p:txBody>
       </p:sp>
     </p:spTree>
     <p:extLst>
       <p:ext uri="{BB962C8B-B14F-4D97-AF65-F5344CB8AC3E}">
-        <p14:creationId xmlns:p14="http://schemas.microsoft.com/office/powerpoint/2010/main" val="1939892514"/>
+        <p14:creationId xmlns:p14="http://schemas.microsoft.com/office/powerpoint/2010/main" val="1165258005"/>
       </p:ext>
     </p:extLst>
   </p:cSld>
@@ -7895,7 +10606,7 @@
 </p:sld>
 </file>
 
-<file path=ppt/slides/slide20.xml><?xml version="1.0" encoding="utf-8"?>
+<file path=ppt/slides/slide4.xml><?xml version="1.0" encoding="utf-8"?>
 <p:sld xmlns:a="http://schemas.openxmlformats.org/drawingml/2006/main" xmlns:r="http://schemas.openxmlformats.org/officeDocument/2006/relationships" xmlns:p="http://schemas.openxmlformats.org/presentationml/2006/main">
   <p:cSld>
     <p:spTree>
@@ -7924,14 +10635,12 @@
         </p:nvSpPr>
         <p:spPr/>
         <p:txBody>
-          <a:bodyPr>
-            <a:normAutofit/>
-          </a:bodyPr>
+          <a:bodyPr/>
           <a:lstStyle/>
           <a:p>
             <a:r>
               <a:rPr lang="en-US" dirty="0" smtClean="0"/>
-              <a:t>4. Fill in the blanks</a:t>
+              <a:t>Introduction</a:t>
             </a:r>
             <a:endParaRPr lang="en-US" dirty="0"/>
           </a:p>
@@ -7954,86 +10663,14 @@
           <a:p>
             <a:r>
               <a:rPr lang="en-US" dirty="0" smtClean="0"/>
-              <a:t>;; STRATEGY: Use template for </a:t>
-            </a:r>
-            <a:r>
-              <a:rPr lang="en-US" dirty="0" err="1" smtClean="0"/>
-              <a:t>TLState</a:t>
-            </a:r>
+              <a:t>In this lesson, we will show how to take apart non-scalar data using the destructor template for that type of data.</a:t>
+            </a:r>
+          </a:p>
+          <a:p>
             <a:r>
               <a:rPr lang="en-US" dirty="0" smtClean="0"/>
-              <a:t> on state</a:t>
-            </a:r>
-          </a:p>
-          <a:p>
-            <a:endParaRPr lang="en-US" dirty="0" smtClean="0"/>
-          </a:p>
-          <a:p>
-            <a:r>
-              <a:rPr lang="en-US" dirty="0" smtClean="0"/>
-              <a:t>(</a:t>
-            </a:r>
-            <a:r>
-              <a:rPr lang="en-US" dirty="0"/>
-              <a:t>define </a:t>
-            </a:r>
-            <a:r>
-              <a:rPr lang="en-US" dirty="0" smtClean="0"/>
-              <a:t>(next-state state</a:t>
-            </a:r>
-            <a:r>
-              <a:rPr lang="en-US" dirty="0"/>
-              <a:t>)</a:t>
-            </a:r>
-          </a:p>
-          <a:p>
-            <a:r>
-              <a:rPr lang="en-US" dirty="0"/>
-              <a:t> (</a:t>
-            </a:r>
-            <a:r>
-              <a:rPr lang="en-US" dirty="0" err="1"/>
-              <a:t>cond</a:t>
-            </a:r>
-            <a:endParaRPr lang="en-US" dirty="0"/>
-          </a:p>
-          <a:p>
-            <a:r>
-              <a:rPr lang="en-US" dirty="0"/>
-              <a:t>   [(string=? state "red")    "</a:t>
-            </a:r>
-            <a:r>
-              <a:rPr lang="en-US" dirty="0" smtClean="0"/>
-              <a:t>green</a:t>
-            </a:r>
-            <a:r>
-              <a:rPr lang="en-US" dirty="0"/>
-              <a:t>"</a:t>
-            </a:r>
-            <a:r>
-              <a:rPr lang="en-US" dirty="0" smtClean="0"/>
-              <a:t>]</a:t>
-            </a:r>
-            <a:endParaRPr lang="en-US" dirty="0"/>
-          </a:p>
-          <a:p>
-            <a:r>
-              <a:rPr lang="en-US" dirty="0"/>
-              <a:t>   [(string=? state "yellow") </a:t>
-            </a:r>
-            <a:r>
-              <a:rPr lang="en-US" dirty="0" smtClean="0"/>
-              <a:t>"red"]</a:t>
-            </a:r>
-            <a:endParaRPr lang="en-US" dirty="0"/>
-          </a:p>
-          <a:p>
-            <a:r>
-              <a:rPr lang="en-US" dirty="0"/>
-              <a:t>   [(string=? state "green")  ...])) </a:t>
-            </a:r>
-          </a:p>
-          <a:p>
+              <a:t>This is the strategy you will use for the vast majority of your functions.</a:t>
+            </a:r>
             <a:endParaRPr lang="en-US" dirty="0"/>
           </a:p>
         </p:txBody>
@@ -8056,990 +10693,7 @@
             <a:fld id="{B6F15528-21DE-4FAA-801E-634DDDAF4B2B}" type="slidenum">
               <a:rPr lang="en-US" smtClean="0"/>
               <a:pPr/>
-              <a:t>20</a:t>
-            </a:fld>
-            <a:endParaRPr lang="en-US"/>
-          </a:p>
-        </p:txBody>
-      </p:sp>
-      <p:sp>
-        <p:nvSpPr>
-          <p:cNvPr id="5" name="Rectangle 4"/>
-          <p:cNvSpPr/>
-          <p:nvPr/>
-        </p:nvSpPr>
-        <p:spPr>
-          <a:xfrm>
-            <a:off x="6400800" y="2057400"/>
-            <a:ext cx="2057400" cy="609600"/>
-          </a:xfrm>
-          <a:prstGeom prst="rect">
-            <a:avLst/>
-          </a:prstGeom>
-          <a:solidFill>
-            <a:schemeClr val="accent3">
-              <a:lumMod val="40000"/>
-              <a:lumOff val="60000"/>
-            </a:schemeClr>
-          </a:solidFill>
-          <a:ln/>
-        </p:spPr>
-        <p:style>
-          <a:lnRef idx="2">
-            <a:schemeClr val="accent1"/>
-          </a:lnRef>
-          <a:fillRef idx="1">
-            <a:schemeClr val="lt1"/>
-          </a:fillRef>
-          <a:effectRef idx="0">
-            <a:schemeClr val="accent1"/>
-          </a:effectRef>
-          <a:fontRef idx="minor">
-            <a:schemeClr val="dk1"/>
-          </a:fontRef>
-        </p:style>
-        <p:txBody>
-          <a:bodyPr rot="0" spcFirstLastPara="0" vertOverflow="overflow" horzOverflow="overflow" vert="horz" wrap="square" lIns="91440" tIns="45720" rIns="91440" bIns="45720" numCol="1" spcCol="0" rtlCol="0" fromWordArt="0" anchor="t" anchorCtr="0" forceAA="0" compatLnSpc="1">
-            <a:prstTxWarp prst="textNoShape">
-              <a:avLst/>
-            </a:prstTxWarp>
-            <a:noAutofit/>
-          </a:bodyPr>
-          <a:lstStyle/>
-          <a:p>
-            <a:r>
-              <a:rPr lang="en-US" sz="1400" dirty="0" smtClean="0">
-                <a:solidFill>
-                  <a:schemeClr val="tx1"/>
-                </a:solidFill>
-              </a:rPr>
-              <a:t>What is the answer for “yellow”?</a:t>
-            </a:r>
-            <a:endParaRPr lang="en-US" sz="1400" dirty="0">
-              <a:solidFill>
-                <a:schemeClr val="tx1"/>
-              </a:solidFill>
-            </a:endParaRPr>
-          </a:p>
-        </p:txBody>
-      </p:sp>
-      <p:sp>
-        <p:nvSpPr>
-          <p:cNvPr id="6" name="Rectangle 5"/>
-          <p:cNvSpPr/>
-          <p:nvPr/>
-        </p:nvSpPr>
-        <p:spPr>
-          <a:xfrm>
-            <a:off x="6400800" y="3124200"/>
-            <a:ext cx="1905000" cy="762000"/>
-          </a:xfrm>
-          <a:prstGeom prst="rect">
-            <a:avLst/>
-          </a:prstGeom>
-          <a:solidFill>
-            <a:schemeClr val="accent3">
-              <a:lumMod val="40000"/>
-              <a:lumOff val="60000"/>
-            </a:schemeClr>
-          </a:solidFill>
-          <a:ln/>
-        </p:spPr>
-        <p:style>
-          <a:lnRef idx="2">
-            <a:schemeClr val="accent1"/>
-          </a:lnRef>
-          <a:fillRef idx="1">
-            <a:schemeClr val="lt1"/>
-          </a:fillRef>
-          <a:effectRef idx="0">
-            <a:schemeClr val="accent1"/>
-          </a:effectRef>
-          <a:fontRef idx="minor">
-            <a:schemeClr val="dk1"/>
-          </a:fontRef>
-        </p:style>
-        <p:txBody>
-          <a:bodyPr rot="0" spcFirstLastPara="0" vertOverflow="overflow" horzOverflow="overflow" vert="horz" wrap="square" lIns="91440" tIns="45720" rIns="91440" bIns="45720" numCol="1" spcCol="0" rtlCol="0" fromWordArt="0" anchor="t" anchorCtr="0" forceAA="0" compatLnSpc="1">
-            <a:prstTxWarp prst="textNoShape">
-              <a:avLst/>
-            </a:prstTxWarp>
-            <a:noAutofit/>
-          </a:bodyPr>
-          <a:lstStyle/>
-          <a:p>
-            <a:r>
-              <a:rPr lang="en-US" sz="1400" dirty="0" smtClean="0">
-                <a:solidFill>
-                  <a:schemeClr val="tx1"/>
-                </a:solidFill>
-              </a:rPr>
-              <a:t>Answer (from examples): “red”</a:t>
-            </a:r>
-            <a:endParaRPr lang="en-US" sz="1400" dirty="0" smtClean="0">
-              <a:solidFill>
-                <a:schemeClr val="tx1"/>
-              </a:solidFill>
-            </a:endParaRPr>
-          </a:p>
-        </p:txBody>
-      </p:sp>
-    </p:spTree>
-    <p:extLst>
-      <p:ext uri="{BB962C8B-B14F-4D97-AF65-F5344CB8AC3E}">
-        <p14:creationId xmlns:p14="http://schemas.microsoft.com/office/powerpoint/2010/main" val="2482857687"/>
-      </p:ext>
-    </p:extLst>
-  </p:cSld>
-  <p:clrMapOvr>
-    <a:masterClrMapping/>
-  </p:clrMapOvr>
-</p:sld>
-</file>
-
-<file path=ppt/slides/slide21.xml><?xml version="1.0" encoding="utf-8"?>
-<p:sld xmlns:a="http://schemas.openxmlformats.org/drawingml/2006/main" xmlns:r="http://schemas.openxmlformats.org/officeDocument/2006/relationships" xmlns:p="http://schemas.openxmlformats.org/presentationml/2006/main">
-  <p:cSld>
-    <p:spTree>
-      <p:nvGrpSpPr>
-        <p:cNvPr id="1" name=""/>
-        <p:cNvGrpSpPr/>
-        <p:nvPr/>
-      </p:nvGrpSpPr>
-      <p:grpSpPr>
-        <a:xfrm>
-          <a:off x="0" y="0"/>
-          <a:ext cx="0" cy="0"/>
-          <a:chOff x="0" y="0"/>
-          <a:chExt cx="0" cy="0"/>
-        </a:xfrm>
-      </p:grpSpPr>
-      <p:sp>
-        <p:nvSpPr>
-          <p:cNvPr id="2" name="Title 1"/>
-          <p:cNvSpPr>
-            <a:spLocks noGrp="1"/>
-          </p:cNvSpPr>
-          <p:nvPr>
-            <p:ph type="title"/>
-          </p:nvPr>
-        </p:nvSpPr>
-        <p:spPr/>
-        <p:txBody>
-          <a:bodyPr>
-            <a:normAutofit/>
-          </a:bodyPr>
-          <a:lstStyle/>
-          <a:p>
-            <a:r>
-              <a:rPr lang="en-US" dirty="0" smtClean="0"/>
-              <a:t>4. Fill in the blanks</a:t>
-            </a:r>
-            <a:endParaRPr lang="en-US" dirty="0"/>
-          </a:p>
-        </p:txBody>
-      </p:sp>
-      <p:sp>
-        <p:nvSpPr>
-          <p:cNvPr id="3" name="Content Placeholder 2"/>
-          <p:cNvSpPr>
-            <a:spLocks noGrp="1"/>
-          </p:cNvSpPr>
-          <p:nvPr>
-            <p:ph idx="1"/>
-          </p:nvPr>
-        </p:nvSpPr>
-        <p:spPr/>
-        <p:txBody>
-          <a:bodyPr/>
-          <a:lstStyle/>
-          <a:p>
-            <a:r>
-              <a:rPr lang="en-US" dirty="0" smtClean="0"/>
-              <a:t>;; STRATEGY: Use template for </a:t>
-            </a:r>
-            <a:r>
-              <a:rPr lang="en-US" dirty="0" err="1" smtClean="0"/>
-              <a:t>TLState</a:t>
-            </a:r>
-            <a:r>
-              <a:rPr lang="en-US" dirty="0" smtClean="0"/>
-              <a:t> on state</a:t>
-            </a:r>
-          </a:p>
-          <a:p>
-            <a:endParaRPr lang="en-US" dirty="0" smtClean="0"/>
-          </a:p>
-          <a:p>
-            <a:r>
-              <a:rPr lang="en-US" dirty="0" smtClean="0"/>
-              <a:t>(</a:t>
-            </a:r>
-            <a:r>
-              <a:rPr lang="en-US" dirty="0"/>
-              <a:t>define </a:t>
-            </a:r>
-            <a:r>
-              <a:rPr lang="en-US" dirty="0" smtClean="0"/>
-              <a:t>(next-state state</a:t>
-            </a:r>
-            <a:r>
-              <a:rPr lang="en-US" dirty="0"/>
-              <a:t>)</a:t>
-            </a:r>
-          </a:p>
-          <a:p>
-            <a:r>
-              <a:rPr lang="en-US" dirty="0"/>
-              <a:t> (</a:t>
-            </a:r>
-            <a:r>
-              <a:rPr lang="en-US" dirty="0" err="1"/>
-              <a:t>cond</a:t>
-            </a:r>
-            <a:endParaRPr lang="en-US" dirty="0"/>
-          </a:p>
-          <a:p>
-            <a:r>
-              <a:rPr lang="en-US" dirty="0"/>
-              <a:t>   [(string=? state "red")    "</a:t>
-            </a:r>
-            <a:r>
-              <a:rPr lang="en-US" dirty="0" smtClean="0"/>
-              <a:t>green</a:t>
-            </a:r>
-            <a:r>
-              <a:rPr lang="en-US" dirty="0"/>
-              <a:t>"</a:t>
-            </a:r>
-            <a:r>
-              <a:rPr lang="en-US" dirty="0" smtClean="0"/>
-              <a:t>]</a:t>
-            </a:r>
-            <a:endParaRPr lang="en-US" dirty="0"/>
-          </a:p>
-          <a:p>
-            <a:r>
-              <a:rPr lang="en-US" dirty="0"/>
-              <a:t>   [(string=? state "yellow") </a:t>
-            </a:r>
-            <a:r>
-              <a:rPr lang="en-US" dirty="0" smtClean="0"/>
-              <a:t>"red"]</a:t>
-            </a:r>
-            <a:endParaRPr lang="en-US" dirty="0"/>
-          </a:p>
-          <a:p>
-            <a:r>
-              <a:rPr lang="en-US" dirty="0"/>
-              <a:t>   [(string=? state "green")  </a:t>
-            </a:r>
-            <a:r>
-              <a:rPr lang="en-US" dirty="0" smtClean="0"/>
-              <a:t>"yellow"])) </a:t>
-            </a:r>
-            <a:endParaRPr lang="en-US" dirty="0"/>
-          </a:p>
-          <a:p>
-            <a:endParaRPr lang="en-US" dirty="0"/>
-          </a:p>
-        </p:txBody>
-      </p:sp>
-      <p:sp>
-        <p:nvSpPr>
-          <p:cNvPr id="4" name="Slide Number Placeholder 3"/>
-          <p:cNvSpPr>
-            <a:spLocks noGrp="1"/>
-          </p:cNvSpPr>
-          <p:nvPr>
-            <p:ph type="sldNum" sz="quarter" idx="12"/>
-          </p:nvPr>
-        </p:nvSpPr>
-        <p:spPr/>
-        <p:txBody>
-          <a:bodyPr/>
-          <a:lstStyle/>
-          <a:p>
-            <a:fld id="{B6F15528-21DE-4FAA-801E-634DDDAF4B2B}" type="slidenum">
-              <a:rPr lang="en-US" smtClean="0"/>
-              <a:pPr/>
-              <a:t>21</a:t>
-            </a:fld>
-            <a:endParaRPr lang="en-US"/>
-          </a:p>
-        </p:txBody>
-      </p:sp>
-      <p:sp>
-        <p:nvSpPr>
-          <p:cNvPr id="5" name="Rectangle 4"/>
-          <p:cNvSpPr/>
-          <p:nvPr/>
-        </p:nvSpPr>
-        <p:spPr>
-          <a:xfrm>
-            <a:off x="6400800" y="2057400"/>
-            <a:ext cx="2057400" cy="609600"/>
-          </a:xfrm>
-          <a:prstGeom prst="rect">
-            <a:avLst/>
-          </a:prstGeom>
-          <a:solidFill>
-            <a:schemeClr val="accent3">
-              <a:lumMod val="40000"/>
-              <a:lumOff val="60000"/>
-            </a:schemeClr>
-          </a:solidFill>
-          <a:ln/>
-        </p:spPr>
-        <p:style>
-          <a:lnRef idx="2">
-            <a:schemeClr val="accent1"/>
-          </a:lnRef>
-          <a:fillRef idx="1">
-            <a:schemeClr val="lt1"/>
-          </a:fillRef>
-          <a:effectRef idx="0">
-            <a:schemeClr val="accent1"/>
-          </a:effectRef>
-          <a:fontRef idx="minor">
-            <a:schemeClr val="dk1"/>
-          </a:fontRef>
-        </p:style>
-        <p:txBody>
-          <a:bodyPr rot="0" spcFirstLastPara="0" vertOverflow="overflow" horzOverflow="overflow" vert="horz" wrap="square" lIns="91440" tIns="45720" rIns="91440" bIns="45720" numCol="1" spcCol="0" rtlCol="0" fromWordArt="0" anchor="t" anchorCtr="0" forceAA="0" compatLnSpc="1">
-            <a:prstTxWarp prst="textNoShape">
-              <a:avLst/>
-            </a:prstTxWarp>
-            <a:noAutofit/>
-          </a:bodyPr>
-          <a:lstStyle/>
-          <a:p>
-            <a:r>
-              <a:rPr lang="en-US" sz="1400" dirty="0" smtClean="0">
-                <a:solidFill>
-                  <a:schemeClr val="tx1"/>
-                </a:solidFill>
-              </a:rPr>
-              <a:t>What is the answer for “green”?</a:t>
-            </a:r>
-            <a:endParaRPr lang="en-US" sz="1400" dirty="0">
-              <a:solidFill>
-                <a:schemeClr val="tx1"/>
-              </a:solidFill>
-            </a:endParaRPr>
-          </a:p>
-        </p:txBody>
-      </p:sp>
-      <p:sp>
-        <p:nvSpPr>
-          <p:cNvPr id="6" name="Rectangle 5"/>
-          <p:cNvSpPr/>
-          <p:nvPr/>
-        </p:nvSpPr>
-        <p:spPr>
-          <a:xfrm>
-            <a:off x="6400800" y="3124200"/>
-            <a:ext cx="1905000" cy="762000"/>
-          </a:xfrm>
-          <a:prstGeom prst="rect">
-            <a:avLst/>
-          </a:prstGeom>
-          <a:solidFill>
-            <a:schemeClr val="accent3">
-              <a:lumMod val="40000"/>
-              <a:lumOff val="60000"/>
-            </a:schemeClr>
-          </a:solidFill>
-          <a:ln/>
-        </p:spPr>
-        <p:style>
-          <a:lnRef idx="2">
-            <a:schemeClr val="accent1"/>
-          </a:lnRef>
-          <a:fillRef idx="1">
-            <a:schemeClr val="lt1"/>
-          </a:fillRef>
-          <a:effectRef idx="0">
-            <a:schemeClr val="accent1"/>
-          </a:effectRef>
-          <a:fontRef idx="minor">
-            <a:schemeClr val="dk1"/>
-          </a:fontRef>
-        </p:style>
-        <p:txBody>
-          <a:bodyPr rot="0" spcFirstLastPara="0" vertOverflow="overflow" horzOverflow="overflow" vert="horz" wrap="square" lIns="91440" tIns="45720" rIns="91440" bIns="45720" numCol="1" spcCol="0" rtlCol="0" fromWordArt="0" anchor="t" anchorCtr="0" forceAA="0" compatLnSpc="1">
-            <a:prstTxWarp prst="textNoShape">
-              <a:avLst/>
-            </a:prstTxWarp>
-            <a:noAutofit/>
-          </a:bodyPr>
-          <a:lstStyle/>
-          <a:p>
-            <a:r>
-              <a:rPr lang="en-US" sz="1400" dirty="0" smtClean="0">
-                <a:solidFill>
-                  <a:schemeClr val="tx1"/>
-                </a:solidFill>
-              </a:rPr>
-              <a:t>Answer (from examples): “yellow”</a:t>
-            </a:r>
-            <a:endParaRPr lang="en-US" sz="1400" dirty="0" smtClean="0">
-              <a:solidFill>
-                <a:schemeClr val="tx1"/>
-              </a:solidFill>
-            </a:endParaRPr>
-          </a:p>
-        </p:txBody>
-      </p:sp>
-    </p:spTree>
-    <p:extLst>
-      <p:ext uri="{BB962C8B-B14F-4D97-AF65-F5344CB8AC3E}">
-        <p14:creationId xmlns:p14="http://schemas.microsoft.com/office/powerpoint/2010/main" val="4239186397"/>
-      </p:ext>
-    </p:extLst>
-  </p:cSld>
-  <p:clrMapOvr>
-    <a:masterClrMapping/>
-  </p:clrMapOvr>
-</p:sld>
-</file>
-
-<file path=ppt/slides/slide22.xml><?xml version="1.0" encoding="utf-8"?>
-<p:sld xmlns:a="http://schemas.openxmlformats.org/drawingml/2006/main" xmlns:r="http://schemas.openxmlformats.org/officeDocument/2006/relationships" xmlns:p="http://schemas.openxmlformats.org/presentationml/2006/main">
-  <p:cSld>
-    <p:spTree>
-      <p:nvGrpSpPr>
-        <p:cNvPr id="1" name=""/>
-        <p:cNvGrpSpPr/>
-        <p:nvPr/>
-      </p:nvGrpSpPr>
-      <p:grpSpPr>
-        <a:xfrm>
-          <a:off x="0" y="0"/>
-          <a:ext cx="0" cy="0"/>
-          <a:chOff x="0" y="0"/>
-          <a:chExt cx="0" cy="0"/>
-        </a:xfrm>
-      </p:grpSpPr>
-      <p:sp>
-        <p:nvSpPr>
-          <p:cNvPr id="2" name="Title 1"/>
-          <p:cNvSpPr>
-            <a:spLocks noGrp="1"/>
-          </p:cNvSpPr>
-          <p:nvPr>
-            <p:ph type="title"/>
-          </p:nvPr>
-        </p:nvSpPr>
-        <p:spPr/>
-        <p:txBody>
-          <a:bodyPr/>
-          <a:lstStyle/>
-          <a:p>
-            <a:r>
-              <a:rPr lang="en-US" dirty="0" smtClean="0"/>
-              <a:t>Working with other kinds of data</a:t>
-            </a:r>
-            <a:endParaRPr lang="en-US" dirty="0"/>
-          </a:p>
-        </p:txBody>
-      </p:sp>
-      <p:sp>
-        <p:nvSpPr>
-          <p:cNvPr id="3" name="Content Placeholder 2"/>
-          <p:cNvSpPr>
-            <a:spLocks noGrp="1"/>
-          </p:cNvSpPr>
-          <p:nvPr>
-            <p:ph idx="1"/>
-          </p:nvPr>
-        </p:nvSpPr>
-        <p:spPr/>
-        <p:txBody>
-          <a:bodyPr/>
-          <a:lstStyle/>
-          <a:p>
-            <a:r>
-              <a:rPr lang="en-US" dirty="0" smtClean="0"/>
-              <a:t>We've seen how to use templates for compound data and itemization data</a:t>
-            </a:r>
-          </a:p>
-          <a:p>
-            <a:r>
-              <a:rPr lang="en-US" dirty="0" smtClean="0"/>
-              <a:t>Mixed data works the same way.</a:t>
-            </a:r>
-            <a:endParaRPr lang="en-US" dirty="0" smtClean="0"/>
-          </a:p>
-          <a:p>
-            <a:r>
-              <a:rPr lang="en-US" dirty="0" smtClean="0"/>
-              <a:t>Copy the template, uncomment it, and fill in the missing pieces.  That's it</a:t>
-            </a:r>
-            <a:r>
-              <a:rPr lang="en-US" dirty="0" smtClean="0"/>
-              <a:t>!</a:t>
-            </a:r>
-            <a:endParaRPr lang="en-US" dirty="0" smtClean="0"/>
-          </a:p>
-          <a:p>
-            <a:r>
-              <a:rPr lang="en-US" dirty="0" smtClean="0"/>
-              <a:t>If you've thought hard enough about your function, filling in the blanks is easy.</a:t>
-            </a:r>
-          </a:p>
-          <a:p>
-            <a:endParaRPr lang="en-US" dirty="0"/>
-          </a:p>
-        </p:txBody>
-      </p:sp>
-      <p:sp>
-        <p:nvSpPr>
-          <p:cNvPr id="4" name="Slide Number Placeholder 3"/>
-          <p:cNvSpPr>
-            <a:spLocks noGrp="1"/>
-          </p:cNvSpPr>
-          <p:nvPr>
-            <p:ph type="sldNum" sz="quarter" idx="12"/>
-          </p:nvPr>
-        </p:nvSpPr>
-        <p:spPr/>
-        <p:txBody>
-          <a:bodyPr/>
-          <a:lstStyle/>
-          <a:p>
-            <a:fld id="{B6F15528-21DE-4FAA-801E-634DDDAF4B2B}" type="slidenum">
-              <a:rPr lang="en-US" smtClean="0"/>
-              <a:pPr/>
-              <a:t>22</a:t>
-            </a:fld>
-            <a:endParaRPr lang="en-US"/>
-          </a:p>
-        </p:txBody>
-      </p:sp>
-    </p:spTree>
-    <p:extLst>
-      <p:ext uri="{BB962C8B-B14F-4D97-AF65-F5344CB8AC3E}">
-        <p14:creationId xmlns:p14="http://schemas.microsoft.com/office/powerpoint/2010/main" val="3267295143"/>
-      </p:ext>
-    </p:extLst>
-  </p:cSld>
-  <p:clrMapOvr>
-    <a:masterClrMapping/>
-  </p:clrMapOvr>
-  <p:timing>
-    <p:tnLst>
-      <p:par>
-        <p:cTn id="1" dur="indefinite" restart="never" nodeType="tmRoot"/>
-      </p:par>
-    </p:tnLst>
-  </p:timing>
-</p:sld>
-</file>
-
-<file path=ppt/slides/slide23.xml><?xml version="1.0" encoding="utf-8"?>
-<p:sld xmlns:a="http://schemas.openxmlformats.org/drawingml/2006/main" xmlns:r="http://schemas.openxmlformats.org/officeDocument/2006/relationships" xmlns:p="http://schemas.openxmlformats.org/presentationml/2006/main">
-  <p:cSld>
-    <p:spTree>
-      <p:nvGrpSpPr>
-        <p:cNvPr id="1" name=""/>
-        <p:cNvGrpSpPr/>
-        <p:nvPr/>
-      </p:nvGrpSpPr>
-      <p:grpSpPr>
-        <a:xfrm>
-          <a:off x="0" y="0"/>
-          <a:ext cx="0" cy="0"/>
-          <a:chOff x="0" y="0"/>
-          <a:chExt cx="0" cy="0"/>
-        </a:xfrm>
-      </p:grpSpPr>
-      <p:sp>
-        <p:nvSpPr>
-          <p:cNvPr id="2" name="Title 1"/>
-          <p:cNvSpPr>
-            <a:spLocks noGrp="1"/>
-          </p:cNvSpPr>
-          <p:nvPr>
-            <p:ph type="title"/>
-          </p:nvPr>
-        </p:nvSpPr>
-        <p:spPr/>
-        <p:txBody>
-          <a:bodyPr/>
-          <a:lstStyle/>
-          <a:p>
-            <a:r>
-              <a:rPr lang="en-US" dirty="0" smtClean="0"/>
-              <a:t>What can you put in the blanks?</a:t>
-            </a:r>
-            <a:endParaRPr lang="en-US" dirty="0"/>
-          </a:p>
-        </p:txBody>
-      </p:sp>
-      <p:sp>
-        <p:nvSpPr>
-          <p:cNvPr id="3" name="Content Placeholder 2"/>
-          <p:cNvSpPr>
-            <a:spLocks noGrp="1"/>
-          </p:cNvSpPr>
-          <p:nvPr>
-            <p:ph idx="1"/>
-          </p:nvPr>
-        </p:nvSpPr>
-        <p:spPr/>
-        <p:txBody>
-          <a:bodyPr>
-            <a:normAutofit/>
-          </a:bodyPr>
-          <a:lstStyle/>
-          <a:p>
-            <a:r>
-              <a:rPr lang="en-US" dirty="0" smtClean="0"/>
-              <a:t>We said: </a:t>
-            </a:r>
-            <a:r>
-              <a:rPr lang="en-US" dirty="0"/>
-              <a:t>Fill in the blanks in the template by combining the arguments and the values of the fields using simpler functions</a:t>
-            </a:r>
-            <a:r>
-              <a:rPr lang="en-US" dirty="0" smtClean="0"/>
-              <a:t>.</a:t>
-            </a:r>
-            <a:endParaRPr lang="en-US" dirty="0" smtClean="0"/>
-          </a:p>
-          <a:p>
-            <a:r>
-              <a:rPr lang="en-US" dirty="0" smtClean="0"/>
-              <a:t>This means </a:t>
-            </a:r>
-            <a:r>
-              <a:rPr lang="en-US" dirty="0" smtClean="0"/>
-              <a:t>:</a:t>
-            </a:r>
-          </a:p>
-          <a:p>
-            <a:pPr lvl="1"/>
-            <a:r>
-              <a:rPr lang="en-US" dirty="0" smtClean="0"/>
-              <a:t>You </a:t>
-            </a:r>
-            <a:r>
-              <a:rPr lang="en-US" dirty="0" smtClean="0"/>
-              <a:t>don't have to use all of the fields</a:t>
-            </a:r>
-          </a:p>
-          <a:p>
-            <a:pPr lvl="1"/>
-            <a:r>
-              <a:rPr lang="en-US" dirty="0" smtClean="0"/>
-              <a:t>You can use a field twice</a:t>
-            </a:r>
-          </a:p>
-          <a:p>
-            <a:pPr lvl="1"/>
-            <a:r>
-              <a:rPr lang="en-US" dirty="0" smtClean="0"/>
-              <a:t>You don't have to use the fields "in order</a:t>
-            </a:r>
-            <a:r>
-              <a:rPr lang="en-US" dirty="0" smtClean="0"/>
-              <a:t>"</a:t>
-            </a:r>
-          </a:p>
-          <a:p>
-            <a:r>
-              <a:rPr lang="en-US" dirty="0" smtClean="0"/>
-              <a:t>But it has to be simple, as in Lesson 1.7</a:t>
-            </a:r>
-            <a:endParaRPr lang="en-US" dirty="0" smtClean="0"/>
-          </a:p>
-          <a:p>
-            <a:endParaRPr lang="en-US" dirty="0"/>
-          </a:p>
-        </p:txBody>
-      </p:sp>
-      <p:sp>
-        <p:nvSpPr>
-          <p:cNvPr id="4" name="Slide Number Placeholder 3"/>
-          <p:cNvSpPr>
-            <a:spLocks noGrp="1"/>
-          </p:cNvSpPr>
-          <p:nvPr>
-            <p:ph type="sldNum" sz="quarter" idx="12"/>
-          </p:nvPr>
-        </p:nvSpPr>
-        <p:spPr/>
-        <p:txBody>
-          <a:bodyPr/>
-          <a:lstStyle/>
-          <a:p>
-            <a:fld id="{B6F15528-21DE-4FAA-801E-634DDDAF4B2B}" type="slidenum">
-              <a:rPr lang="en-US" smtClean="0"/>
-              <a:pPr/>
-              <a:t>23</a:t>
-            </a:fld>
-            <a:endParaRPr lang="en-US"/>
-          </a:p>
-        </p:txBody>
-      </p:sp>
-    </p:spTree>
-    <p:extLst>
-      <p:ext uri="{BB962C8B-B14F-4D97-AF65-F5344CB8AC3E}">
-        <p14:creationId xmlns:p14="http://schemas.microsoft.com/office/powerpoint/2010/main" val="1027805915"/>
-      </p:ext>
-    </p:extLst>
-  </p:cSld>
-  <p:clrMapOvr>
-    <a:masterClrMapping/>
-  </p:clrMapOvr>
-  <p:timing>
-    <p:tnLst>
-      <p:par>
-        <p:cTn id="1" dur="indefinite" restart="never" nodeType="tmRoot"/>
-      </p:par>
-    </p:tnLst>
-  </p:timing>
-</p:sld>
-</file>
-
-<file path=ppt/slides/slide24.xml><?xml version="1.0" encoding="utf-8"?>
-<p:sld xmlns:a="http://schemas.openxmlformats.org/drawingml/2006/main" xmlns:r="http://schemas.openxmlformats.org/officeDocument/2006/relationships" xmlns:p="http://schemas.openxmlformats.org/presentationml/2006/main">
-  <p:cSld>
-    <p:spTree>
-      <p:nvGrpSpPr>
-        <p:cNvPr id="1" name=""/>
-        <p:cNvGrpSpPr/>
-        <p:nvPr/>
-      </p:nvGrpSpPr>
-      <p:grpSpPr>
-        <a:xfrm>
-          <a:off x="0" y="0"/>
-          <a:ext cx="0" cy="0"/>
-          <a:chOff x="0" y="0"/>
-          <a:chExt cx="0" cy="0"/>
-        </a:xfrm>
-      </p:grpSpPr>
-      <p:sp>
-        <p:nvSpPr>
-          <p:cNvPr id="2" name="Title 1"/>
-          <p:cNvSpPr>
-            <a:spLocks noGrp="1"/>
-          </p:cNvSpPr>
-          <p:nvPr>
-            <p:ph type="title"/>
-          </p:nvPr>
-        </p:nvSpPr>
-        <p:spPr/>
-        <p:txBody>
-          <a:bodyPr/>
-          <a:lstStyle/>
-          <a:p>
-            <a:r>
-              <a:rPr lang="en-US" dirty="0" smtClean="0"/>
-              <a:t>Next Steps</a:t>
-            </a:r>
-            <a:endParaRPr lang="en-US" dirty="0"/>
-          </a:p>
-        </p:txBody>
-      </p:sp>
-      <p:sp>
-        <p:nvSpPr>
-          <p:cNvPr id="3" name="Content Placeholder 2"/>
-          <p:cNvSpPr>
-            <a:spLocks noGrp="1"/>
-          </p:cNvSpPr>
-          <p:nvPr>
-            <p:ph idx="1"/>
-          </p:nvPr>
-        </p:nvSpPr>
-        <p:spPr/>
-        <p:txBody>
-          <a:bodyPr/>
-          <a:lstStyle/>
-          <a:p>
-            <a:r>
-              <a:rPr lang="en-US" dirty="0" smtClean="0"/>
-              <a:t>Study 02-1-book-receipts.rkt and 02-2-traffic-light.rkt in the Examples folder.</a:t>
-            </a:r>
-          </a:p>
-          <a:p>
-            <a:pPr lvl="1"/>
-            <a:r>
-              <a:rPr lang="en-US" dirty="0" smtClean="0"/>
-              <a:t>Be sure to finish the </a:t>
-            </a:r>
-            <a:r>
-              <a:rPr lang="en-US" b="1" dirty="0" smtClean="0"/>
-              <a:t>previous-state</a:t>
-            </a:r>
-            <a:r>
-              <a:rPr lang="en-US" dirty="0" smtClean="0"/>
-              <a:t> example in 02-2-traffic-light.rkt</a:t>
-            </a:r>
-          </a:p>
-          <a:p>
-            <a:r>
-              <a:rPr lang="en-US" dirty="0" smtClean="0"/>
-              <a:t>If </a:t>
-            </a:r>
-            <a:r>
-              <a:rPr lang="en-US" dirty="0"/>
-              <a:t>you have questions or comments about this lesson, post them on the discussion board</a:t>
-            </a:r>
-            <a:r>
-              <a:rPr lang="en-US" dirty="0" smtClean="0"/>
-              <a:t>.</a:t>
-            </a:r>
-          </a:p>
-          <a:p>
-            <a:r>
-              <a:rPr lang="en-US" dirty="0" smtClean="0"/>
-              <a:t>Do the Guided Practices</a:t>
-            </a:r>
-            <a:endParaRPr lang="en-US" dirty="0"/>
-          </a:p>
-          <a:p>
-            <a:r>
-              <a:rPr lang="en-US" dirty="0" smtClean="0"/>
-              <a:t>Go on to the next lesson.</a:t>
-            </a:r>
-            <a:endParaRPr lang="en-US" dirty="0"/>
-          </a:p>
-        </p:txBody>
-      </p:sp>
-      <p:sp>
-        <p:nvSpPr>
-          <p:cNvPr id="4" name="Slide Number Placeholder 3"/>
-          <p:cNvSpPr>
-            <a:spLocks noGrp="1"/>
-          </p:cNvSpPr>
-          <p:nvPr>
-            <p:ph type="sldNum" sz="quarter" idx="12"/>
-          </p:nvPr>
-        </p:nvSpPr>
-        <p:spPr/>
-        <p:txBody>
-          <a:bodyPr/>
-          <a:lstStyle/>
-          <a:p>
-            <a:fld id="{B6F15528-21DE-4FAA-801E-634DDDAF4B2B}" type="slidenum">
-              <a:rPr lang="en-US" smtClean="0"/>
-              <a:pPr/>
-              <a:t>24</a:t>
-            </a:fld>
-            <a:endParaRPr lang="en-US"/>
-          </a:p>
-        </p:txBody>
-      </p:sp>
-    </p:spTree>
-    <p:extLst>
-      <p:ext uri="{BB962C8B-B14F-4D97-AF65-F5344CB8AC3E}">
-        <p14:creationId xmlns:p14="http://schemas.microsoft.com/office/powerpoint/2010/main" val="106515105"/>
-      </p:ext>
-    </p:extLst>
-  </p:cSld>
-  <p:clrMapOvr>
-    <a:masterClrMapping/>
-  </p:clrMapOvr>
-  <p:timing>
-    <p:tnLst>
-      <p:par>
-        <p:cTn id="1" dur="indefinite" restart="never" nodeType="tmRoot"/>
-      </p:par>
-    </p:tnLst>
-  </p:timing>
-</p:sld>
-</file>
-
-<file path=ppt/slides/slide3.xml><?xml version="1.0" encoding="utf-8"?>
-<p:sld xmlns:a="http://schemas.openxmlformats.org/drawingml/2006/main" xmlns:r="http://schemas.openxmlformats.org/officeDocument/2006/relationships" xmlns:p="http://schemas.openxmlformats.org/presentationml/2006/main">
-  <p:cSld>
-    <p:spTree>
-      <p:nvGrpSpPr>
-        <p:cNvPr id="1" name=""/>
-        <p:cNvGrpSpPr/>
-        <p:nvPr/>
-      </p:nvGrpSpPr>
-      <p:grpSpPr>
-        <a:xfrm>
-          <a:off x="0" y="0"/>
-          <a:ext cx="0" cy="0"/>
-          <a:chOff x="0" y="0"/>
-          <a:chExt cx="0" cy="0"/>
-        </a:xfrm>
-      </p:grpSpPr>
-      <p:sp>
-        <p:nvSpPr>
-          <p:cNvPr id="2" name="Title 1"/>
-          <p:cNvSpPr>
-            <a:spLocks noGrp="1"/>
-          </p:cNvSpPr>
-          <p:nvPr>
-            <p:ph type="title"/>
-          </p:nvPr>
-        </p:nvSpPr>
-        <p:spPr/>
-        <p:txBody>
-          <a:bodyPr/>
-          <a:lstStyle/>
-          <a:p>
-            <a:r>
-              <a:rPr lang="en-US" dirty="0" smtClean="0"/>
-              <a:t>Introduction</a:t>
-            </a:r>
-            <a:endParaRPr lang="en-US" dirty="0"/>
-          </a:p>
-        </p:txBody>
-      </p:sp>
-      <p:sp>
-        <p:nvSpPr>
-          <p:cNvPr id="3" name="Content Placeholder 2"/>
-          <p:cNvSpPr>
-            <a:spLocks noGrp="1"/>
-          </p:cNvSpPr>
-          <p:nvPr>
-            <p:ph idx="1"/>
-          </p:nvPr>
-        </p:nvSpPr>
-        <p:spPr/>
-        <p:txBody>
-          <a:bodyPr/>
-          <a:lstStyle/>
-          <a:p>
-            <a:r>
-              <a:rPr lang="en-US" dirty="0" smtClean="0"/>
-              <a:t>In this lesson, we will show how to take apart non-scalar data using the destructor template for that type of data.</a:t>
-            </a:r>
-          </a:p>
-          <a:p>
-            <a:r>
-              <a:rPr lang="en-US" dirty="0" smtClean="0"/>
-              <a:t>This is the strategy you will use for the vast majority of your functions.</a:t>
-            </a:r>
-            <a:endParaRPr lang="en-US" dirty="0"/>
-          </a:p>
-        </p:txBody>
-      </p:sp>
-      <p:sp>
-        <p:nvSpPr>
-          <p:cNvPr id="4" name="Slide Number Placeholder 3"/>
-          <p:cNvSpPr>
-            <a:spLocks noGrp="1"/>
-          </p:cNvSpPr>
-          <p:nvPr>
-            <p:ph type="sldNum" sz="quarter" idx="12"/>
-          </p:nvPr>
-        </p:nvSpPr>
-        <p:spPr/>
-        <p:txBody>
-          <a:bodyPr/>
-          <a:lstStyle/>
-          <a:p>
-            <a:fld id="{B6F15528-21DE-4FAA-801E-634DDDAF4B2B}" type="slidenum">
-              <a:rPr lang="en-US" smtClean="0"/>
-              <a:pPr/>
-              <a:t>3</a:t>
+              <a:t>4</a:t>
             </a:fld>
             <a:endParaRPr lang="en-US"/>
           </a:p>
@@ -9065,7 +10719,7 @@
 </p:sld>
 </file>
 
-<file path=ppt/slides/slide4.xml><?xml version="1.0" encoding="utf-8"?>
+<file path=ppt/slides/slide5.xml><?xml version="1.0" encoding="utf-8"?>
 <p:sld xmlns:a="http://schemas.openxmlformats.org/drawingml/2006/main" xmlns:r="http://schemas.openxmlformats.org/officeDocument/2006/relationships" xmlns:p="http://schemas.openxmlformats.org/presentationml/2006/main">
   <p:cSld>
     <p:spTree>
@@ -9316,7 +10970,7 @@
             <a:fld id="{8D704B19-8EED-495A-99FA-12E5518CCC54}" type="slidenum">
               <a:rPr lang="en-US" smtClean="0"/>
               <a:pPr/>
-              <a:t>4</a:t>
+              <a:t>5</a:t>
             </a:fld>
             <a:endParaRPr lang="en-US"/>
           </a:p>
@@ -9844,7 +11498,7 @@
 </p:sld>
 </file>
 
-<file path=ppt/slides/slide5.xml><?xml version="1.0" encoding="utf-8"?>
+<file path=ppt/slides/slide6.xml><?xml version="1.0" encoding="utf-8"?>
 <p:sld xmlns:a="http://schemas.openxmlformats.org/drawingml/2006/main" xmlns:r="http://schemas.openxmlformats.org/officeDocument/2006/relationships" xmlns:p="http://schemas.openxmlformats.org/presentationml/2006/main">
   <p:cSld>
     <p:spTree>
@@ -10016,7 +11670,7 @@
             <a:fld id="{B6F15528-21DE-4FAA-801E-634DDDAF4B2B}" type="slidenum">
               <a:rPr lang="en-US" smtClean="0"/>
               <a:pPr/>
-              <a:t>5</a:t>
+              <a:t>6</a:t>
             </a:fld>
             <a:endParaRPr lang="en-US"/>
           </a:p>
@@ -10042,7 +11696,7 @@
 </p:sld>
 </file>
 
-<file path=ppt/slides/slide6.xml><?xml version="1.0" encoding="utf-8"?>
+<file path=ppt/slides/slide7.xml><?xml version="1.0" encoding="utf-8"?>
 <p:sld xmlns:a="http://schemas.openxmlformats.org/drawingml/2006/main" xmlns:r="http://schemas.openxmlformats.org/officeDocument/2006/relationships" xmlns:p="http://schemas.openxmlformats.org/presentationml/2006/main">
   <p:cSld>
     <p:spTree>
@@ -10196,7 +11850,7 @@
             <a:fld id="{B6F15528-21DE-4FAA-801E-634DDDAF4B2B}" type="slidenum">
               <a:rPr lang="en-US" smtClean="0"/>
               <a:pPr/>
-              <a:t>6</a:t>
+              <a:t>7</a:t>
             </a:fld>
             <a:endParaRPr lang="en-US"/>
           </a:p>
@@ -10222,7 +11876,7 @@
 </p:sld>
 </file>
 
-<file path=ppt/slides/slide7.xml><?xml version="1.0" encoding="utf-8"?>
+<file path=ppt/slides/slide8.xml><?xml version="1.0" encoding="utf-8"?>
 <p:sld xmlns:a="http://schemas.openxmlformats.org/drawingml/2006/main" xmlns:r="http://schemas.openxmlformats.org/officeDocument/2006/relationships" xmlns:p="http://schemas.openxmlformats.org/presentationml/2006/main">
   <p:cSld>
     <p:spTree>
@@ -10492,7 +12146,7 @@
             <a:fld id="{B6F15528-21DE-4FAA-801E-634DDDAF4B2B}" type="slidenum">
               <a:rPr lang="en-US" smtClean="0"/>
               <a:pPr/>
-              <a:t>7</a:t>
+              <a:t>8</a:t>
             </a:fld>
             <a:endParaRPr lang="en-US"/>
           </a:p>
@@ -10502,296 +12156,6 @@
     <p:extLst>
       <p:ext uri="{BB962C8B-B14F-4D97-AF65-F5344CB8AC3E}">
         <p14:creationId xmlns:p14="http://schemas.microsoft.com/office/powerpoint/2010/main" val="3274937212"/>
-      </p:ext>
-    </p:extLst>
-  </p:cSld>
-  <p:clrMapOvr>
-    <a:masterClrMapping/>
-  </p:clrMapOvr>
-  <p:timing>
-    <p:tnLst>
-      <p:par>
-        <p:cTn id="1" dur="indefinite" restart="never" nodeType="tmRoot"/>
-      </p:par>
-    </p:tnLst>
-  </p:timing>
-</p:sld>
-</file>
-
-<file path=ppt/slides/slide8.xml><?xml version="1.0" encoding="utf-8"?>
-<p:sld xmlns:a="http://schemas.openxmlformats.org/drawingml/2006/main" xmlns:r="http://schemas.openxmlformats.org/officeDocument/2006/relationships" xmlns:p="http://schemas.openxmlformats.org/presentationml/2006/main">
-  <p:cSld>
-    <p:spTree>
-      <p:nvGrpSpPr>
-        <p:cNvPr id="1" name=""/>
-        <p:cNvGrpSpPr/>
-        <p:nvPr/>
-      </p:nvGrpSpPr>
-      <p:grpSpPr>
-        <a:xfrm>
-          <a:off x="0" y="0"/>
-          <a:ext cx="0" cy="0"/>
-          <a:chOff x="0" y="0"/>
-          <a:chExt cx="0" cy="0"/>
-        </a:xfrm>
-      </p:grpSpPr>
-      <p:sp>
-        <p:nvSpPr>
-          <p:cNvPr id="2" name="Title 1"/>
-          <p:cNvSpPr>
-            <a:spLocks noGrp="1"/>
-          </p:cNvSpPr>
-          <p:nvPr>
-            <p:ph type="title"/>
-          </p:nvPr>
-        </p:nvSpPr>
-        <p:spPr/>
-        <p:txBody>
-          <a:bodyPr/>
-          <a:lstStyle/>
-          <a:p>
-            <a:r>
-              <a:rPr lang="en-US" dirty="0" smtClean="0"/>
-              <a:t>Example: </a:t>
-            </a:r>
-            <a:r>
-              <a:rPr lang="en-US" b="1" dirty="0" smtClean="0"/>
-              <a:t>book-receipts</a:t>
-            </a:r>
-            <a:r>
-              <a:rPr lang="en-US" dirty="0" smtClean="0"/>
-              <a:t> </a:t>
-            </a:r>
-            <a:endParaRPr lang="en-US" dirty="0"/>
-          </a:p>
-        </p:txBody>
-      </p:sp>
-      <p:sp>
-        <p:nvSpPr>
-          <p:cNvPr id="5" name="Content Placeholder 4"/>
-          <p:cNvSpPr>
-            <a:spLocks noGrp="1"/>
-          </p:cNvSpPr>
-          <p:nvPr>
-            <p:ph idx="1"/>
-          </p:nvPr>
-        </p:nvSpPr>
-        <p:spPr/>
-        <p:txBody>
-          <a:bodyPr>
-            <a:normAutofit/>
-          </a:bodyPr>
-          <a:lstStyle/>
-          <a:p>
-            <a:pPr>
-              <a:spcBef>
-                <a:spcPts val="0"/>
-              </a:spcBef>
-            </a:pPr>
-            <a:r>
-              <a:rPr lang="en-US" sz="2000" dirty="0"/>
-              <a:t>;; book-receipts : Book </a:t>
-            </a:r>
-            <a:r>
-              <a:rPr lang="en-US" sz="2000" dirty="0" err="1"/>
-              <a:t>NonNegInt</a:t>
-            </a:r>
-            <a:r>
-              <a:rPr lang="en-US" sz="2000" dirty="0"/>
-              <a:t> -&gt; </a:t>
-            </a:r>
-            <a:r>
-              <a:rPr lang="en-US" sz="2000" dirty="0" err="1"/>
-              <a:t>NonNegInt</a:t>
-            </a:r>
-            <a:endParaRPr lang="en-US" sz="2000" dirty="0"/>
-          </a:p>
-          <a:p>
-            <a:pPr>
-              <a:spcBef>
-                <a:spcPts val="0"/>
-              </a:spcBef>
-            </a:pPr>
-            <a:r>
-              <a:rPr lang="en-US" sz="2000" dirty="0"/>
-              <a:t>;; GIVEN: a Book and the number of copies sold</a:t>
-            </a:r>
-          </a:p>
-          <a:p>
-            <a:pPr>
-              <a:spcBef>
-                <a:spcPts val="0"/>
-              </a:spcBef>
-            </a:pPr>
-            <a:r>
-              <a:rPr lang="en-US" sz="2000" dirty="0"/>
-              <a:t>;; RETURNS: the total receipts from the sales of the </a:t>
-            </a:r>
-            <a:endParaRPr lang="en-US" sz="2000" dirty="0" smtClean="0"/>
-          </a:p>
-          <a:p>
-            <a:pPr>
-              <a:spcBef>
-                <a:spcPts val="0"/>
-              </a:spcBef>
-            </a:pPr>
-            <a:r>
-              <a:rPr lang="en-US" sz="2000" dirty="0"/>
-              <a:t>;; given book. Ignores the number of copies on hand.</a:t>
-            </a:r>
-          </a:p>
-          <a:p>
-            <a:pPr>
-              <a:spcBef>
-                <a:spcPts val="0"/>
-              </a:spcBef>
-            </a:pPr>
-            <a:r>
-              <a:rPr lang="en-US" sz="2000" dirty="0"/>
-              <a:t>;; EXAMPLE:</a:t>
-            </a:r>
-          </a:p>
-          <a:p>
-            <a:pPr>
-              <a:spcBef>
-                <a:spcPts val="0"/>
-              </a:spcBef>
-            </a:pPr>
-            <a:r>
-              <a:rPr lang="en-US" sz="2000" dirty="0"/>
-              <a:t>;; (book-receipts </a:t>
-            </a:r>
-            <a:endParaRPr lang="en-US" sz="2000" dirty="0" smtClean="0"/>
-          </a:p>
-          <a:p>
-            <a:pPr>
-              <a:spcBef>
-                <a:spcPts val="0"/>
-              </a:spcBef>
-            </a:pPr>
-            <a:r>
-              <a:rPr lang="en-US" sz="2000" dirty="0" smtClean="0"/>
-              <a:t>;;   (</a:t>
-            </a:r>
-            <a:r>
-              <a:rPr lang="en-US" sz="2000" dirty="0"/>
-              <a:t>make-book "</a:t>
-            </a:r>
-            <a:r>
-              <a:rPr lang="en-US" sz="2000" dirty="0" err="1"/>
-              <a:t>Felleisen</a:t>
-            </a:r>
-            <a:r>
-              <a:rPr lang="en-US" sz="2000" dirty="0"/>
-              <a:t>" "HtdP2" 13 2795) 100</a:t>
-            </a:r>
-            <a:r>
-              <a:rPr lang="en-US" sz="2000" dirty="0" smtClean="0"/>
-              <a:t>)</a:t>
-            </a:r>
-          </a:p>
-          <a:p>
-            <a:pPr>
-              <a:spcBef>
-                <a:spcPts val="0"/>
-              </a:spcBef>
-            </a:pPr>
-            <a:r>
-              <a:rPr lang="en-US" sz="2000" dirty="0" smtClean="0"/>
-              <a:t>;; </a:t>
-            </a:r>
-            <a:r>
-              <a:rPr lang="en-US" sz="2000" dirty="0"/>
-              <a:t>= 279500 </a:t>
-            </a:r>
-          </a:p>
-        </p:txBody>
-      </p:sp>
-      <p:sp>
-        <p:nvSpPr>
-          <p:cNvPr id="4" name="Slide Number Placeholder 3"/>
-          <p:cNvSpPr>
-            <a:spLocks noGrp="1"/>
-          </p:cNvSpPr>
-          <p:nvPr>
-            <p:ph type="sldNum" sz="quarter" idx="12"/>
-          </p:nvPr>
-        </p:nvSpPr>
-        <p:spPr/>
-        <p:txBody>
-          <a:bodyPr/>
-          <a:lstStyle/>
-          <a:p>
-            <a:fld id="{B6F15528-21DE-4FAA-801E-634DDDAF4B2B}" type="slidenum">
-              <a:rPr lang="en-US" smtClean="0"/>
-              <a:pPr/>
-              <a:t>8</a:t>
-            </a:fld>
-            <a:endParaRPr lang="en-US"/>
-          </a:p>
-        </p:txBody>
-      </p:sp>
-      <p:sp>
-        <p:nvSpPr>
-          <p:cNvPr id="7" name="Rectangle 6"/>
-          <p:cNvSpPr/>
-          <p:nvPr/>
-        </p:nvSpPr>
-        <p:spPr>
-          <a:xfrm>
-            <a:off x="4800600" y="4343400"/>
-            <a:ext cx="2743200" cy="1219200"/>
-          </a:xfrm>
-          <a:prstGeom prst="rect">
-            <a:avLst/>
-          </a:prstGeom>
-          <a:solidFill>
-            <a:schemeClr val="accent3">
-              <a:lumMod val="40000"/>
-              <a:lumOff val="60000"/>
-            </a:schemeClr>
-          </a:solidFill>
-          <a:ln/>
-        </p:spPr>
-        <p:style>
-          <a:lnRef idx="2">
-            <a:schemeClr val="accent1"/>
-          </a:lnRef>
-          <a:fillRef idx="1">
-            <a:schemeClr val="lt1"/>
-          </a:fillRef>
-          <a:effectRef idx="0">
-            <a:schemeClr val="accent1"/>
-          </a:effectRef>
-          <a:fontRef idx="minor">
-            <a:schemeClr val="dk1"/>
-          </a:fontRef>
-        </p:style>
-        <p:txBody>
-          <a:bodyPr rot="0" spcFirstLastPara="0" vertOverflow="overflow" horzOverflow="overflow" vert="horz" wrap="square" lIns="91440" tIns="45720" rIns="91440" bIns="45720" numCol="1" spcCol="0" rtlCol="0" fromWordArt="0" anchor="ctr" anchorCtr="0" forceAA="0" compatLnSpc="1">
-            <a:prstTxWarp prst="textNoShape">
-              <a:avLst/>
-            </a:prstTxWarp>
-            <a:noAutofit/>
-          </a:bodyPr>
-          <a:lstStyle/>
-          <a:p>
-            <a:pPr algn="ctr"/>
-            <a:r>
-              <a:rPr lang="en-US" dirty="0" smtClean="0">
-                <a:solidFill>
-                  <a:schemeClr val="tx1"/>
-                </a:solidFill>
-              </a:rPr>
-              <a:t>To do this, we’ll need to look inside the Book to see its price, so we’ll use the Book template</a:t>
-            </a:r>
-          </a:p>
-        </p:txBody>
-      </p:sp>
-    </p:spTree>
-    <p:extLst>
-      <p:ext uri="{BB962C8B-B14F-4D97-AF65-F5344CB8AC3E}">
-        <p14:creationId xmlns:p14="http://schemas.microsoft.com/office/powerpoint/2010/main" val="1885403160"/>
       </p:ext>
     </p:extLst>
   </p:cSld>
@@ -10837,18 +12201,20 @@
         </p:nvSpPr>
         <p:spPr/>
         <p:txBody>
-          <a:bodyPr>
-            <a:normAutofit fontScale="90000"/>
-          </a:bodyPr>
-          <a:lstStyle/>
-          <a:p>
-            <a:r>
-              <a:rPr lang="en-US" dirty="0"/>
-              <a:t>1. Make a copy of the template and uncomment </a:t>
-            </a:r>
+          <a:bodyPr/>
+          <a:lstStyle/>
+          <a:p>
             <a:r>
               <a:rPr lang="en-US" dirty="0" smtClean="0"/>
-              <a:t>it</a:t>
+              <a:t>Example: </a:t>
+            </a:r>
+            <a:r>
+              <a:rPr lang="en-US" b="1" dirty="0" smtClean="0"/>
+              <a:t>book-receipts</a:t>
+            </a:r>
+            <a:r>
+              <a:rPr lang="en-US" dirty="0" smtClean="0"/>
+              <a:t> </a:t>
             </a:r>
             <a:endParaRPr lang="en-US" dirty="0"/>
           </a:p>
@@ -10856,7 +12222,7 @@
       </p:sp>
       <p:sp>
         <p:nvSpPr>
-          <p:cNvPr id="3" name="Content Placeholder 2"/>
+          <p:cNvPr id="5" name="Content Placeholder 4"/>
           <p:cNvSpPr>
             <a:spLocks noGrp="1"/>
           </p:cNvSpPr>
@@ -10876,7 +12242,23 @@
                 <a:spcPts val="0"/>
               </a:spcBef>
             </a:pPr>
-            <a:endParaRPr lang="en-US" sz="2800" dirty="0" smtClean="0"/>
+            <a:r>
+              <a:rPr lang="en-US" sz="2000" dirty="0"/>
+              <a:t>;; book-receipts : Book </a:t>
+            </a:r>
+            <a:r>
+              <a:rPr lang="en-US" sz="2000" dirty="0" err="1"/>
+              <a:t>NonNegInt</a:t>
+            </a:r>
+            <a:r>
+              <a:rPr lang="en-US" sz="2000" dirty="0"/>
+              <a:t> -&gt; </a:t>
+            </a:r>
+            <a:r>
+              <a:rPr lang="en-US" sz="2000" dirty="0" err="1"/>
+              <a:t>NonNegInt</a:t>
+            </a:r>
+            <a:endParaRPr lang="en-US" sz="2000" dirty="0"/>
           </a:p>
           <a:p>
             <a:pPr>
@@ -10885,20 +12267,8 @@
               </a:spcBef>
             </a:pPr>
             <a:r>
-              <a:rPr lang="en-US" sz="2800" dirty="0" smtClean="0"/>
-              <a:t>(</a:t>
-            </a:r>
-            <a:r>
-              <a:rPr lang="en-US" sz="2800" dirty="0"/>
-              <a:t>define (book-</a:t>
-            </a:r>
-            <a:r>
-              <a:rPr lang="en-US" sz="2800" dirty="0" err="1"/>
-              <a:t>fn</a:t>
-            </a:r>
-            <a:r>
-              <a:rPr lang="en-US" sz="2800" dirty="0"/>
-              <a:t> b)</a:t>
+              <a:rPr lang="en-US" sz="2000" dirty="0"/>
+              <a:t>;; GIVEN: a Book and the number of copies sold</a:t>
             </a:r>
           </a:p>
           <a:p>
@@ -10908,9 +12278,10 @@
               </a:spcBef>
             </a:pPr>
             <a:r>
-              <a:rPr lang="en-US" sz="2800" dirty="0"/>
-              <a:t>  (...</a:t>
-            </a:r>
+              <a:rPr lang="en-US" sz="2000" dirty="0"/>
+              <a:t>;; RETURNS: the total receipts from the sales of the </a:t>
+            </a:r>
+            <a:endParaRPr lang="en-US" sz="2000" dirty="0" smtClean="0"/>
           </a:p>
           <a:p>
             <a:pPr>
@@ -10919,8 +12290,8 @@
               </a:spcBef>
             </a:pPr>
             <a:r>
-              <a:rPr lang="en-US" sz="2800" dirty="0"/>
-              <a:t>    (book-author b)</a:t>
+              <a:rPr lang="en-US" sz="2000" dirty="0"/>
+              <a:t>;; given book. Ignores the number of copies on hand.</a:t>
             </a:r>
           </a:p>
           <a:p>
@@ -10930,8 +12301,8 @@
               </a:spcBef>
             </a:pPr>
             <a:r>
-              <a:rPr lang="en-US" sz="2800" dirty="0"/>
-              <a:t>    (book-title b)</a:t>
+              <a:rPr lang="en-US" sz="2000" dirty="0"/>
+              <a:t>;; EXAMPLE:</a:t>
             </a:r>
           </a:p>
           <a:p>
@@ -10941,9 +12312,10 @@
               </a:spcBef>
             </a:pPr>
             <a:r>
-              <a:rPr lang="en-US" sz="2800" dirty="0"/>
-              <a:t>    (book-on-hand b)</a:t>
-            </a:r>
+              <a:rPr lang="en-US" sz="2000" dirty="0"/>
+              <a:t>;; (book-receipts </a:t>
+            </a:r>
+            <a:endParaRPr lang="en-US" sz="2000" dirty="0" smtClean="0"/>
           </a:p>
           <a:p>
             <a:pPr>
@@ -10952,8 +12324,39 @@
               </a:spcBef>
             </a:pPr>
             <a:r>
-              <a:rPr lang="en-US" sz="2800" dirty="0"/>
-              <a:t>    (book-price b)))</a:t>
+              <a:rPr lang="en-US" sz="2000" dirty="0" smtClean="0"/>
+              <a:t>;;   (</a:t>
+            </a:r>
+            <a:r>
+              <a:rPr lang="en-US" sz="2000" dirty="0"/>
+              <a:t>make-book "</a:t>
+            </a:r>
+            <a:r>
+              <a:rPr lang="en-US" sz="2000" dirty="0" err="1"/>
+              <a:t>Felleisen</a:t>
+            </a:r>
+            <a:r>
+              <a:rPr lang="en-US" sz="2000" dirty="0"/>
+              <a:t>" "HtdP2" 13 2795) 100</a:t>
+            </a:r>
+            <a:r>
+              <a:rPr lang="en-US" sz="2000" dirty="0" smtClean="0"/>
+              <a:t>)</a:t>
+            </a:r>
+          </a:p>
+          <a:p>
+            <a:pPr>
+              <a:spcBef>
+                <a:spcPts val="0"/>
+              </a:spcBef>
+            </a:pPr>
+            <a:r>
+              <a:rPr lang="en-US" sz="2000" dirty="0" smtClean="0"/>
+              <a:t>;; </a:t>
+            </a:r>
+            <a:r>
+              <a:rPr lang="en-US" sz="2000" dirty="0"/>
+              <a:t>= 279500 </a:t>
             </a:r>
           </a:p>
         </p:txBody>
@@ -10982,10 +12385,67 @@
           </a:p>
         </p:txBody>
       </p:sp>
+      <p:sp>
+        <p:nvSpPr>
+          <p:cNvPr id="7" name="Rectangle 6"/>
+          <p:cNvSpPr/>
+          <p:nvPr/>
+        </p:nvSpPr>
+        <p:spPr>
+          <a:xfrm>
+            <a:off x="4800600" y="4343400"/>
+            <a:ext cx="2743200" cy="1219200"/>
+          </a:xfrm>
+          <a:prstGeom prst="rect">
+            <a:avLst/>
+          </a:prstGeom>
+          <a:solidFill>
+            <a:schemeClr val="accent3">
+              <a:lumMod val="40000"/>
+              <a:lumOff val="60000"/>
+            </a:schemeClr>
+          </a:solidFill>
+          <a:ln/>
+        </p:spPr>
+        <p:style>
+          <a:lnRef idx="2">
+            <a:schemeClr val="accent1"/>
+          </a:lnRef>
+          <a:fillRef idx="1">
+            <a:schemeClr val="lt1"/>
+          </a:fillRef>
+          <a:effectRef idx="0">
+            <a:schemeClr val="accent1"/>
+          </a:effectRef>
+          <a:fontRef idx="minor">
+            <a:schemeClr val="dk1"/>
+          </a:fontRef>
+        </p:style>
+        <p:txBody>
+          <a:bodyPr rot="0" spcFirstLastPara="0" vertOverflow="overflow" horzOverflow="overflow" vert="horz" wrap="square" lIns="91440" tIns="45720" rIns="91440" bIns="45720" numCol="1" spcCol="0" rtlCol="0" fromWordArt="0" anchor="ctr" anchorCtr="0" forceAA="0" compatLnSpc="1">
+            <a:prstTxWarp prst="textNoShape">
+              <a:avLst/>
+            </a:prstTxWarp>
+            <a:noAutofit/>
+          </a:bodyPr>
+          <a:lstStyle/>
+          <a:p>
+            <a:pPr algn="ctr"/>
+            <a:r>
+              <a:rPr lang="en-US" dirty="0" smtClean="0">
+                <a:solidFill>
+                  <a:schemeClr val="tx1"/>
+                </a:solidFill>
+              </a:rPr>
+              <a:t>To do this, we’ll need to look inside the Book to see its price, so we’ll use the Book template</a:t>
+            </a:r>
+          </a:p>
+        </p:txBody>
+      </p:sp>
     </p:spTree>
     <p:extLst>
       <p:ext uri="{BB962C8B-B14F-4D97-AF65-F5344CB8AC3E}">
-        <p14:creationId xmlns:p14="http://schemas.microsoft.com/office/powerpoint/2010/main" val="2986164632"/>
+        <p14:creationId xmlns:p14="http://schemas.microsoft.com/office/powerpoint/2010/main" val="1885403160"/>
       </p:ext>
     </p:extLst>
   </p:cSld>

--- a/Slides/Lesson 2.1 Using a Template.pptx
+++ b/Slides/Lesson 2.1 Using a Template.pptx
@@ -269,7 +269,7 @@
             <a:fld id="{0FAC78B3-EDCE-4187-A1AE-28620314FA32}" type="datetimeFigureOut">
               <a:rPr lang="en-US" smtClean="0"/>
               <a:pPr/>
-              <a:t>8/13/2015</a:t>
+              <a:t>9/19/2015</a:t>
             </a:fld>
             <a:endParaRPr lang="en-US"/>
           </a:p>
@@ -907,7 +907,7 @@
           <a:p>
             <a:fld id="{AE36E179-9677-406E-90D9-3402BE92068A}" type="datetime1">
               <a:rPr lang="en-US" smtClean="0"/>
-              <a:t>8/13/2015</a:t>
+              <a:t>9/19/2015</a:t>
             </a:fld>
             <a:endParaRPr lang="en-US"/>
           </a:p>
@@ -1179,7 +1179,7 @@
           <a:p>
             <a:fld id="{9C106CB1-CEAE-4FA9-AC65-2E4B01C62B73}" type="datetime1">
               <a:rPr lang="en-US" smtClean="0"/>
-              <a:t>8/13/2015</a:t>
+              <a:t>9/19/2015</a:t>
             </a:fld>
             <a:endParaRPr lang="en-US"/>
           </a:p>
@@ -1361,7 +1361,7 @@
           <a:p>
             <a:fld id="{2D3DB8E0-41F1-4047-A2BB-3AF23AEFB7A8}" type="datetime1">
               <a:rPr lang="en-US" smtClean="0"/>
-              <a:t>8/13/2015</a:t>
+              <a:t>9/19/2015</a:t>
             </a:fld>
             <a:endParaRPr lang="en-US"/>
           </a:p>
@@ -1553,7 +1553,7 @@
           <a:p>
             <a:fld id="{2EDFADFF-E434-421D-BD26-7C347DAB516F}" type="datetime1">
               <a:rPr lang="en-US" smtClean="0"/>
-              <a:t>8/13/2015</a:t>
+              <a:t>9/19/2015</a:t>
             </a:fld>
             <a:endParaRPr lang="en-US"/>
           </a:p>
@@ -1747,7 +1747,7 @@
           <a:p>
             <a:fld id="{3B722677-7067-4D71-BF6A-8259C5E94357}" type="datetime1">
               <a:rPr lang="en-US" smtClean="0"/>
-              <a:t>8/13/2015</a:t>
+              <a:t>9/19/2015</a:t>
             </a:fld>
             <a:endParaRPr lang="en-US"/>
           </a:p>
@@ -2171,7 +2171,7 @@
           <a:p>
             <a:fld id="{0C6FD516-C588-49F9-8A09-31EF43101ACE}" type="datetime1">
               <a:rPr lang="en-US" smtClean="0"/>
-              <a:t>8/13/2015</a:t>
+              <a:t>9/19/2015</a:t>
             </a:fld>
             <a:endParaRPr lang="en-US"/>
           </a:p>
@@ -2471,7 +2471,7 @@
           <a:p>
             <a:fld id="{62847054-0C3A-4855-B827-AB022CCDB352}" type="datetime1">
               <a:rPr lang="en-US" smtClean="0"/>
-              <a:t>8/13/2015</a:t>
+              <a:t>9/19/2015</a:t>
             </a:fld>
             <a:endParaRPr lang="en-US"/>
           </a:p>
@@ -2912,7 +2912,7 @@
           <a:p>
             <a:fld id="{787C7470-D2BA-4210-A881-18C149229110}" type="datetime1">
               <a:rPr lang="en-US" smtClean="0"/>
-              <a:t>8/13/2015</a:t>
+              <a:t>9/19/2015</a:t>
             </a:fld>
             <a:endParaRPr lang="en-US"/>
           </a:p>
@@ -3042,7 +3042,7 @@
           <a:p>
             <a:fld id="{8DEC73FD-A5ED-479F-9068-BAD5EB3F7E69}" type="datetime1">
               <a:rPr lang="en-US" smtClean="0"/>
-              <a:t>8/13/2015</a:t>
+              <a:t>9/19/2015</a:t>
             </a:fld>
             <a:endParaRPr lang="en-US"/>
           </a:p>
@@ -3149,7 +3149,7 @@
           <a:p>
             <a:fld id="{EA1BC252-941B-4451-B02D-F879104EB58F}" type="datetime1">
               <a:rPr lang="en-US" smtClean="0"/>
-              <a:t>8/13/2015</a:t>
+              <a:t>9/19/2015</a:t>
             </a:fld>
             <a:endParaRPr lang="en-US"/>
           </a:p>
@@ -3438,7 +3438,7 @@
           <a:p>
             <a:fld id="{43A8641F-9EDF-4983-849A-96C94386CBBC}" type="datetime1">
               <a:rPr lang="en-US" smtClean="0"/>
-              <a:t>8/13/2015</a:t>
+              <a:t>9/19/2015</a:t>
             </a:fld>
             <a:endParaRPr lang="en-US"/>
           </a:p>
